--- a/DS/DS_PPT.pptx
+++ b/DS/DS_PPT.pptx
@@ -2,7 +2,7 @@
 <file path=ppt/presentation.xml><?xml version="1.0" encoding="utf-8"?>
 <p:presentation xmlns:a="http://schemas.openxmlformats.org/drawingml/2006/main" xmlns:r="http://schemas.openxmlformats.org/officeDocument/2006/relationships" xmlns:p="http://schemas.openxmlformats.org/presentationml/2006/main" saveSubsetFonts="1">
   <p:sldMasterIdLst>
-    <p:sldMasterId id="2147483912" r:id="rId1"/>
+    <p:sldMasterId id="2147483924" r:id="rId1"/>
   </p:sldMasterIdLst>
   <p:sldIdLst>
     <p:sldId id="258" r:id="rId2"/>
@@ -11,6 +11,7 @@
     <p:sldId id="256" r:id="rId5"/>
     <p:sldId id="266" r:id="rId6"/>
     <p:sldId id="267" r:id="rId7"/>
+    <p:sldId id="268" r:id="rId8"/>
   </p:sldIdLst>
   <p:sldSz cx="9144000" cy="6858000" type="screen4x3"/>
   <p:notesSz cx="6858000" cy="9144000"/>
@@ -124,6 +125,7 @@
             <p14:sldId id="256"/>
             <p14:sldId id="266"/>
             <p14:sldId id="267"/>
+            <p14:sldId id="268"/>
           </p14:sldIdLst>
         </p14:section>
       </p14:sectionLst>
@@ -2578,7 +2580,7 @@
           </a:pathLst>
         </a:custGeom>
         <a:noFill/>
-        <a:ln w="38100" cap="flat" cmpd="sng" algn="ctr">
+        <a:ln w="25400" cap="flat" cmpd="sng" algn="ctr">
           <a:solidFill>
             <a:schemeClr val="accent6">
               <a:hueOff val="0"/>
@@ -2640,7 +2642,7 @@
           </a:pathLst>
         </a:custGeom>
         <a:noFill/>
-        <a:ln w="38100" cap="flat" cmpd="sng" algn="ctr">
+        <a:ln w="25400" cap="flat" cmpd="sng" algn="ctr">
           <a:solidFill>
             <a:schemeClr val="accent6">
               <a:hueOff val="0"/>
@@ -2705,7 +2707,7 @@
           </a:pathLst>
         </a:custGeom>
         <a:noFill/>
-        <a:ln w="38100" cap="flat" cmpd="sng" algn="ctr">
+        <a:ln w="25400" cap="flat" cmpd="sng" algn="ctr">
           <a:solidFill>
             <a:schemeClr val="accent5">
               <a:hueOff val="0"/>
@@ -2770,7 +2772,7 @@
           </a:pathLst>
         </a:custGeom>
         <a:noFill/>
-        <a:ln w="38100" cap="flat" cmpd="sng" algn="ctr">
+        <a:ln w="25400" cap="flat" cmpd="sng" algn="ctr">
           <a:solidFill>
             <a:schemeClr val="accent5">
               <a:hueOff val="0"/>
@@ -2835,7 +2837,7 @@
           </a:pathLst>
         </a:custGeom>
         <a:noFill/>
-        <a:ln w="38100" cap="flat" cmpd="sng" algn="ctr">
+        <a:ln w="25400" cap="flat" cmpd="sng" algn="ctr">
           <a:solidFill>
             <a:schemeClr val="accent5">
               <a:hueOff val="0"/>
@@ -2900,7 +2902,7 @@
           </a:pathLst>
         </a:custGeom>
         <a:noFill/>
-        <a:ln w="38100" cap="flat" cmpd="sng" algn="ctr">
+        <a:ln w="25400" cap="flat" cmpd="sng" algn="ctr">
           <a:solidFill>
             <a:schemeClr val="accent5">
               <a:hueOff val="0"/>
@@ -2965,7 +2967,7 @@
           </a:pathLst>
         </a:custGeom>
         <a:noFill/>
-        <a:ln w="38100" cap="flat" cmpd="sng" algn="ctr">
+        <a:ln w="25400" cap="flat" cmpd="sng" algn="ctr">
           <a:solidFill>
             <a:schemeClr val="accent5">
               <a:hueOff val="0"/>
@@ -3030,7 +3032,7 @@
           </a:pathLst>
         </a:custGeom>
         <a:noFill/>
-        <a:ln w="38100" cap="flat" cmpd="sng" algn="ctr">
+        <a:ln w="25400" cap="flat" cmpd="sng" algn="ctr">
           <a:solidFill>
             <a:schemeClr val="accent5">
               <a:hueOff val="0"/>
@@ -3095,7 +3097,7 @@
           </a:pathLst>
         </a:custGeom>
         <a:noFill/>
-        <a:ln w="38100" cap="flat" cmpd="sng" algn="ctr">
+        <a:ln w="25400" cap="flat" cmpd="sng" algn="ctr">
           <a:solidFill>
             <a:schemeClr val="accent4">
               <a:hueOff val="0"/>
@@ -3157,7 +3159,7 @@
           </a:pathLst>
         </a:custGeom>
         <a:noFill/>
-        <a:ln w="38100" cap="flat" cmpd="sng" algn="ctr">
+        <a:ln w="25400" cap="flat" cmpd="sng" algn="ctr">
           <a:solidFill>
             <a:schemeClr val="accent5">
               <a:hueOff val="0"/>
@@ -3219,7 +3221,7 @@
           </a:pathLst>
         </a:custGeom>
         <a:noFill/>
-        <a:ln w="38100" cap="flat" cmpd="sng" algn="ctr">
+        <a:ln w="25400" cap="flat" cmpd="sng" algn="ctr">
           <a:solidFill>
             <a:schemeClr val="accent5">
               <a:hueOff val="0"/>
@@ -3281,7 +3283,7 @@
           </a:pathLst>
         </a:custGeom>
         <a:noFill/>
-        <a:ln w="38100" cap="flat" cmpd="sng" algn="ctr">
+        <a:ln w="25400" cap="flat" cmpd="sng" algn="ctr">
           <a:solidFill>
             <a:schemeClr val="accent5">
               <a:hueOff val="0"/>
@@ -3343,7 +3345,7 @@
           </a:pathLst>
         </a:custGeom>
         <a:noFill/>
-        <a:ln w="38100" cap="flat" cmpd="sng" algn="ctr">
+        <a:ln w="25400" cap="flat" cmpd="sng" algn="ctr">
           <a:solidFill>
             <a:schemeClr val="accent5">
               <a:hueOff val="0"/>
@@ -3408,7 +3410,7 @@
           </a:pathLst>
         </a:custGeom>
         <a:noFill/>
-        <a:ln w="38100" cap="flat" cmpd="sng" algn="ctr">
+        <a:ln w="25400" cap="flat" cmpd="sng" algn="ctr">
           <a:solidFill>
             <a:schemeClr val="accent4">
               <a:hueOff val="0"/>
@@ -3460,18 +3462,18 @@
                 <a:satOff val="0"/>
                 <a:lumOff val="0"/>
                 <a:alphaOff val="0"/>
-                <a:shade val="58000"/>
-                <a:satMod val="150000"/>
+                <a:shade val="51000"/>
+                <a:satMod val="130000"/>
               </a:schemeClr>
             </a:gs>
-            <a:gs pos="72000">
+            <a:gs pos="80000">
               <a:schemeClr val="accent2">
                 <a:hueOff val="0"/>
                 <a:satOff val="0"/>
                 <a:lumOff val="0"/>
                 <a:alphaOff val="0"/>
-                <a:tint val="90000"/>
-                <a:satMod val="135000"/>
+                <a:shade val="93000"/>
+                <a:satMod val="130000"/>
               </a:schemeClr>
             </a:gs>
             <a:gs pos="100000">
@@ -3480,8 +3482,8 @@
                 <a:satOff val="0"/>
                 <a:lumOff val="0"/>
                 <a:alphaOff val="0"/>
-                <a:tint val="80000"/>
-                <a:satMod val="155000"/>
+                <a:shade val="94000"/>
+                <a:satMod val="135000"/>
               </a:schemeClr>
             </a:gs>
           </a:gsLst>
@@ -3491,9 +3493,9 @@
           <a:noFill/>
         </a:ln>
         <a:effectLst>
-          <a:outerShdw blurRad="50800" dist="38100" dir="5400000" rotWithShape="0">
+          <a:outerShdw blurRad="40000" dist="23000" dir="5400000" rotWithShape="0">
             <a:srgbClr val="000000">
-              <a:alpha val="43137"/>
+              <a:alpha val="35000"/>
             </a:srgbClr>
           </a:outerShdw>
         </a:effectLst>
@@ -3521,12 +3523,12 @@
         </a:fontRef>
       </dsp:style>
       <dsp:txBody>
-        <a:bodyPr spcFirstLastPara="0" vert="horz" wrap="square" lIns="6350" tIns="6350" rIns="6350" bIns="6350" numCol="1" spcCol="1270" anchor="ctr" anchorCtr="0">
+        <a:bodyPr spcFirstLastPara="0" vert="horz" wrap="square" lIns="6985" tIns="6985" rIns="6985" bIns="6985" numCol="1" spcCol="1270" anchor="ctr" anchorCtr="0">
           <a:noAutofit/>
         </a:bodyPr>
         <a:lstStyle/>
         <a:p>
-          <a:pPr lvl="0" algn="ctr" defTabSz="444500" rtl="0">
+          <a:pPr lvl="0" algn="ctr" defTabSz="488950" rtl="0">
             <a:lnSpc>
               <a:spcPct val="90000"/>
             </a:lnSpc>
@@ -3538,10 +3540,10 @@
             </a:spcAft>
           </a:pPr>
           <a:r>
-            <a:rPr lang="en-US" sz="1000" kern="1200" dirty="0" smtClean="0"/>
+            <a:rPr lang="en-US" sz="1100" kern="1200" dirty="0" smtClean="0"/>
             <a:t>Storage Representation</a:t>
           </a:r>
-          <a:endParaRPr lang="en-US" sz="1000" kern="1200" dirty="0"/>
+          <a:endParaRPr lang="en-US" sz="1100" kern="1200" dirty="0"/>
         </a:p>
       </dsp:txBody>
       <dsp:txXfrm>
@@ -3570,18 +3572,18 @@
                 <a:satOff val="0"/>
                 <a:lumOff val="0"/>
                 <a:alphaOff val="0"/>
-                <a:shade val="58000"/>
-                <a:satMod val="150000"/>
+                <a:shade val="51000"/>
+                <a:satMod val="130000"/>
               </a:schemeClr>
             </a:gs>
-            <a:gs pos="72000">
+            <a:gs pos="80000">
               <a:schemeClr val="accent4">
                 <a:hueOff val="0"/>
                 <a:satOff val="0"/>
                 <a:lumOff val="0"/>
                 <a:alphaOff val="0"/>
-                <a:tint val="90000"/>
-                <a:satMod val="135000"/>
+                <a:shade val="93000"/>
+                <a:satMod val="130000"/>
               </a:schemeClr>
             </a:gs>
             <a:gs pos="100000">
@@ -3590,8 +3592,8 @@
                 <a:satOff val="0"/>
                 <a:lumOff val="0"/>
                 <a:alphaOff val="0"/>
-                <a:tint val="80000"/>
-                <a:satMod val="155000"/>
+                <a:shade val="94000"/>
+                <a:satMod val="135000"/>
               </a:schemeClr>
             </a:gs>
           </a:gsLst>
@@ -3601,9 +3603,9 @@
           <a:noFill/>
         </a:ln>
         <a:effectLst>
-          <a:outerShdw blurRad="50800" dist="38100" dir="5400000" rotWithShape="0">
+          <a:outerShdw blurRad="40000" dist="20000" dir="5400000" rotWithShape="0">
             <a:srgbClr val="000000">
-              <a:alpha val="43137"/>
+              <a:alpha val="38000"/>
             </a:srgbClr>
           </a:outerShdw>
         </a:effectLst>
@@ -3631,12 +3633,12 @@
         </a:fontRef>
       </dsp:style>
       <dsp:txBody>
-        <a:bodyPr spcFirstLastPara="0" vert="horz" wrap="square" lIns="6350" tIns="6350" rIns="6350" bIns="6350" numCol="1" spcCol="1270" anchor="ctr" anchorCtr="0">
+        <a:bodyPr spcFirstLastPara="0" vert="horz" wrap="square" lIns="6985" tIns="6985" rIns="6985" bIns="6985" numCol="1" spcCol="1270" anchor="ctr" anchorCtr="0">
           <a:noAutofit/>
         </a:bodyPr>
         <a:lstStyle/>
         <a:p>
-          <a:pPr lvl="0" algn="ctr" defTabSz="444500" rtl="0">
+          <a:pPr lvl="0" algn="ctr" defTabSz="488950" rtl="0">
             <a:lnSpc>
               <a:spcPct val="90000"/>
             </a:lnSpc>
@@ -3648,10 +3650,10 @@
             </a:spcAft>
           </a:pPr>
           <a:r>
-            <a:rPr lang="en-US" sz="1000" kern="1200" smtClean="0"/>
+            <a:rPr lang="en-US" sz="1100" kern="1200" smtClean="0"/>
             <a:t>Primitive</a:t>
           </a:r>
-          <a:endParaRPr lang="en-US" sz="1000" kern="1200"/>
+          <a:endParaRPr lang="en-US" sz="1100" kern="1200"/>
         </a:p>
       </dsp:txBody>
       <dsp:txXfrm>
@@ -3680,18 +3682,18 @@
                 <a:satOff val="0"/>
                 <a:lumOff val="0"/>
                 <a:alphaOff val="0"/>
-                <a:shade val="58000"/>
-                <a:satMod val="150000"/>
+                <a:shade val="51000"/>
+                <a:satMod val="130000"/>
               </a:schemeClr>
             </a:gs>
-            <a:gs pos="72000">
+            <a:gs pos="80000">
               <a:schemeClr val="accent5">
                 <a:hueOff val="0"/>
                 <a:satOff val="0"/>
                 <a:lumOff val="0"/>
                 <a:alphaOff val="0"/>
-                <a:tint val="90000"/>
-                <a:satMod val="135000"/>
+                <a:shade val="93000"/>
+                <a:satMod val="130000"/>
               </a:schemeClr>
             </a:gs>
             <a:gs pos="100000">
@@ -3700,8 +3702,8 @@
                 <a:satOff val="0"/>
                 <a:lumOff val="0"/>
                 <a:alphaOff val="0"/>
-                <a:tint val="80000"/>
-                <a:satMod val="155000"/>
+                <a:shade val="94000"/>
+                <a:satMod val="135000"/>
               </a:schemeClr>
             </a:gs>
           </a:gsLst>
@@ -3711,9 +3713,9 @@
           <a:noFill/>
         </a:ln>
         <a:effectLst>
-          <a:outerShdw blurRad="50800" dist="38100" dir="5400000" rotWithShape="0">
+          <a:outerShdw blurRad="40000" dist="20000" dir="5400000" rotWithShape="0">
             <a:srgbClr val="000000">
-              <a:alpha val="43137"/>
+              <a:alpha val="38000"/>
             </a:srgbClr>
           </a:outerShdw>
         </a:effectLst>
@@ -3741,12 +3743,12 @@
         </a:fontRef>
       </dsp:style>
       <dsp:txBody>
-        <a:bodyPr spcFirstLastPara="0" vert="horz" wrap="square" lIns="6350" tIns="6350" rIns="6350" bIns="6350" numCol="1" spcCol="1270" anchor="ctr" anchorCtr="0">
+        <a:bodyPr spcFirstLastPara="0" vert="horz" wrap="square" lIns="6985" tIns="6985" rIns="6985" bIns="6985" numCol="1" spcCol="1270" anchor="ctr" anchorCtr="0">
           <a:noAutofit/>
         </a:bodyPr>
         <a:lstStyle/>
         <a:p>
-          <a:pPr lvl="0" algn="ctr" defTabSz="444500" rtl="0">
+          <a:pPr lvl="0" algn="ctr" defTabSz="488950" rtl="0">
             <a:lnSpc>
               <a:spcPct val="90000"/>
             </a:lnSpc>
@@ -3758,10 +3760,10 @@
             </a:spcAft>
           </a:pPr>
           <a:r>
-            <a:rPr lang="en-US" sz="1000" kern="1200" smtClean="0"/>
+            <a:rPr lang="en-US" sz="1100" kern="1200" smtClean="0"/>
             <a:t>Int</a:t>
           </a:r>
-          <a:endParaRPr lang="en-US" sz="1000" kern="1200"/>
+          <a:endParaRPr lang="en-US" sz="1100" kern="1200"/>
         </a:p>
       </dsp:txBody>
       <dsp:txXfrm>
@@ -3790,18 +3792,18 @@
                 <a:satOff val="0"/>
                 <a:lumOff val="0"/>
                 <a:alphaOff val="0"/>
-                <a:shade val="58000"/>
-                <a:satMod val="150000"/>
+                <a:shade val="51000"/>
+                <a:satMod val="130000"/>
               </a:schemeClr>
             </a:gs>
-            <a:gs pos="72000">
+            <a:gs pos="80000">
               <a:schemeClr val="accent5">
                 <a:hueOff val="0"/>
                 <a:satOff val="0"/>
                 <a:lumOff val="0"/>
                 <a:alphaOff val="0"/>
-                <a:tint val="90000"/>
-                <a:satMod val="135000"/>
+                <a:shade val="93000"/>
+                <a:satMod val="130000"/>
               </a:schemeClr>
             </a:gs>
             <a:gs pos="100000">
@@ -3810,8 +3812,8 @@
                 <a:satOff val="0"/>
                 <a:lumOff val="0"/>
                 <a:alphaOff val="0"/>
-                <a:tint val="80000"/>
-                <a:satMod val="155000"/>
+                <a:shade val="94000"/>
+                <a:satMod val="135000"/>
               </a:schemeClr>
             </a:gs>
           </a:gsLst>
@@ -3821,9 +3823,9 @@
           <a:noFill/>
         </a:ln>
         <a:effectLst>
-          <a:outerShdw blurRad="50800" dist="38100" dir="5400000" rotWithShape="0">
+          <a:outerShdw blurRad="40000" dist="20000" dir="5400000" rotWithShape="0">
             <a:srgbClr val="000000">
-              <a:alpha val="43137"/>
+              <a:alpha val="38000"/>
             </a:srgbClr>
           </a:outerShdw>
         </a:effectLst>
@@ -3851,12 +3853,12 @@
         </a:fontRef>
       </dsp:style>
       <dsp:txBody>
-        <a:bodyPr spcFirstLastPara="0" vert="horz" wrap="square" lIns="6350" tIns="6350" rIns="6350" bIns="6350" numCol="1" spcCol="1270" anchor="ctr" anchorCtr="0">
+        <a:bodyPr spcFirstLastPara="0" vert="horz" wrap="square" lIns="6985" tIns="6985" rIns="6985" bIns="6985" numCol="1" spcCol="1270" anchor="ctr" anchorCtr="0">
           <a:noAutofit/>
         </a:bodyPr>
         <a:lstStyle/>
         <a:p>
-          <a:pPr lvl="0" algn="ctr" defTabSz="444500" rtl="0">
+          <a:pPr lvl="0" algn="ctr" defTabSz="488950" rtl="0">
             <a:lnSpc>
               <a:spcPct val="90000"/>
             </a:lnSpc>
@@ -3868,10 +3870,10 @@
             </a:spcAft>
           </a:pPr>
           <a:r>
-            <a:rPr lang="en-US" sz="1000" kern="1200" smtClean="0"/>
+            <a:rPr lang="en-US" sz="1100" kern="1200" smtClean="0"/>
             <a:t>Float</a:t>
           </a:r>
-          <a:endParaRPr lang="en-US" sz="1000" kern="1200"/>
+          <a:endParaRPr lang="en-US" sz="1100" kern="1200"/>
         </a:p>
       </dsp:txBody>
       <dsp:txXfrm>
@@ -3900,18 +3902,18 @@
                 <a:satOff val="0"/>
                 <a:lumOff val="0"/>
                 <a:alphaOff val="0"/>
-                <a:shade val="58000"/>
-                <a:satMod val="150000"/>
+                <a:shade val="51000"/>
+                <a:satMod val="130000"/>
               </a:schemeClr>
             </a:gs>
-            <a:gs pos="72000">
+            <a:gs pos="80000">
               <a:schemeClr val="accent5">
                 <a:hueOff val="0"/>
                 <a:satOff val="0"/>
                 <a:lumOff val="0"/>
                 <a:alphaOff val="0"/>
-                <a:tint val="90000"/>
-                <a:satMod val="135000"/>
+                <a:shade val="93000"/>
+                <a:satMod val="130000"/>
               </a:schemeClr>
             </a:gs>
             <a:gs pos="100000">
@@ -3920,8 +3922,8 @@
                 <a:satOff val="0"/>
                 <a:lumOff val="0"/>
                 <a:alphaOff val="0"/>
-                <a:tint val="80000"/>
-                <a:satMod val="155000"/>
+                <a:shade val="94000"/>
+                <a:satMod val="135000"/>
               </a:schemeClr>
             </a:gs>
           </a:gsLst>
@@ -3931,9 +3933,9 @@
           <a:noFill/>
         </a:ln>
         <a:effectLst>
-          <a:outerShdw blurRad="50800" dist="38100" dir="5400000" rotWithShape="0">
+          <a:outerShdw blurRad="40000" dist="20000" dir="5400000" rotWithShape="0">
             <a:srgbClr val="000000">
-              <a:alpha val="43137"/>
+              <a:alpha val="38000"/>
             </a:srgbClr>
           </a:outerShdw>
         </a:effectLst>
@@ -3961,12 +3963,12 @@
         </a:fontRef>
       </dsp:style>
       <dsp:txBody>
-        <a:bodyPr spcFirstLastPara="0" vert="horz" wrap="square" lIns="6350" tIns="6350" rIns="6350" bIns="6350" numCol="1" spcCol="1270" anchor="ctr" anchorCtr="0">
+        <a:bodyPr spcFirstLastPara="0" vert="horz" wrap="square" lIns="6985" tIns="6985" rIns="6985" bIns="6985" numCol="1" spcCol="1270" anchor="ctr" anchorCtr="0">
           <a:noAutofit/>
         </a:bodyPr>
         <a:lstStyle/>
         <a:p>
-          <a:pPr lvl="0" algn="ctr" defTabSz="444500" rtl="0">
+          <a:pPr lvl="0" algn="ctr" defTabSz="488950" rtl="0">
             <a:lnSpc>
               <a:spcPct val="90000"/>
             </a:lnSpc>
@@ -3978,10 +3980,10 @@
             </a:spcAft>
           </a:pPr>
           <a:r>
-            <a:rPr lang="en-US" sz="1000" kern="1200" smtClean="0"/>
+            <a:rPr lang="en-US" sz="1100" kern="1200" smtClean="0"/>
             <a:t>char</a:t>
           </a:r>
-          <a:endParaRPr lang="en-US" sz="1000" kern="1200"/>
+          <a:endParaRPr lang="en-US" sz="1100" kern="1200"/>
         </a:p>
       </dsp:txBody>
       <dsp:txXfrm>
@@ -4010,18 +4012,18 @@
                 <a:satOff val="0"/>
                 <a:lumOff val="0"/>
                 <a:alphaOff val="0"/>
-                <a:shade val="58000"/>
-                <a:satMod val="150000"/>
+                <a:shade val="51000"/>
+                <a:satMod val="130000"/>
               </a:schemeClr>
             </a:gs>
-            <a:gs pos="72000">
+            <a:gs pos="80000">
               <a:schemeClr val="accent5">
                 <a:hueOff val="0"/>
                 <a:satOff val="0"/>
                 <a:lumOff val="0"/>
                 <a:alphaOff val="0"/>
-                <a:tint val="90000"/>
-                <a:satMod val="135000"/>
+                <a:shade val="93000"/>
+                <a:satMod val="130000"/>
               </a:schemeClr>
             </a:gs>
             <a:gs pos="100000">
@@ -4030,8 +4032,8 @@
                 <a:satOff val="0"/>
                 <a:lumOff val="0"/>
                 <a:alphaOff val="0"/>
-                <a:tint val="80000"/>
-                <a:satMod val="155000"/>
+                <a:shade val="94000"/>
+                <a:satMod val="135000"/>
               </a:schemeClr>
             </a:gs>
           </a:gsLst>
@@ -4041,9 +4043,9 @@
           <a:noFill/>
         </a:ln>
         <a:effectLst>
-          <a:outerShdw blurRad="50800" dist="38100" dir="5400000" rotWithShape="0">
+          <a:outerShdw blurRad="40000" dist="20000" dir="5400000" rotWithShape="0">
             <a:srgbClr val="000000">
-              <a:alpha val="43137"/>
+              <a:alpha val="38000"/>
             </a:srgbClr>
           </a:outerShdw>
         </a:effectLst>
@@ -4071,12 +4073,12 @@
         </a:fontRef>
       </dsp:style>
       <dsp:txBody>
-        <a:bodyPr spcFirstLastPara="0" vert="horz" wrap="square" lIns="6350" tIns="6350" rIns="6350" bIns="6350" numCol="1" spcCol="1270" anchor="ctr" anchorCtr="0">
+        <a:bodyPr spcFirstLastPara="0" vert="horz" wrap="square" lIns="6985" tIns="6985" rIns="6985" bIns="6985" numCol="1" spcCol="1270" anchor="ctr" anchorCtr="0">
           <a:noAutofit/>
         </a:bodyPr>
         <a:lstStyle/>
         <a:p>
-          <a:pPr lvl="0" algn="ctr" defTabSz="444500" rtl="0">
+          <a:pPr lvl="0" algn="ctr" defTabSz="488950" rtl="0">
             <a:lnSpc>
               <a:spcPct val="90000"/>
             </a:lnSpc>
@@ -4088,10 +4090,10 @@
             </a:spcAft>
           </a:pPr>
           <a:r>
-            <a:rPr lang="en-US" sz="1000" kern="1200" smtClean="0"/>
+            <a:rPr lang="en-US" sz="1100" kern="1200" smtClean="0"/>
             <a:t>Bool</a:t>
           </a:r>
-          <a:endParaRPr lang="en-US" sz="1000" kern="1200"/>
+          <a:endParaRPr lang="en-US" sz="1100" kern="1200"/>
         </a:p>
       </dsp:txBody>
       <dsp:txXfrm>
@@ -4120,18 +4122,18 @@
                 <a:satOff val="0"/>
                 <a:lumOff val="0"/>
                 <a:alphaOff val="0"/>
-                <a:shade val="58000"/>
-                <a:satMod val="150000"/>
+                <a:shade val="51000"/>
+                <a:satMod val="130000"/>
               </a:schemeClr>
             </a:gs>
-            <a:gs pos="72000">
+            <a:gs pos="80000">
               <a:schemeClr val="accent4">
                 <a:hueOff val="0"/>
                 <a:satOff val="0"/>
                 <a:lumOff val="0"/>
                 <a:alphaOff val="0"/>
-                <a:tint val="90000"/>
-                <a:satMod val="135000"/>
+                <a:shade val="93000"/>
+                <a:satMod val="130000"/>
               </a:schemeClr>
             </a:gs>
             <a:gs pos="100000">
@@ -4140,8 +4142,8 @@
                 <a:satOff val="0"/>
                 <a:lumOff val="0"/>
                 <a:alphaOff val="0"/>
-                <a:tint val="80000"/>
-                <a:satMod val="155000"/>
+                <a:shade val="94000"/>
+                <a:satMod val="135000"/>
               </a:schemeClr>
             </a:gs>
           </a:gsLst>
@@ -4151,9 +4153,9 @@
           <a:noFill/>
         </a:ln>
         <a:effectLst>
-          <a:outerShdw blurRad="50800" dist="38100" dir="5400000" rotWithShape="0">
+          <a:outerShdw blurRad="40000" dist="20000" dir="5400000" rotWithShape="0">
             <a:srgbClr val="000000">
-              <a:alpha val="43137"/>
+              <a:alpha val="38000"/>
             </a:srgbClr>
           </a:outerShdw>
         </a:effectLst>
@@ -4181,12 +4183,12 @@
         </a:fontRef>
       </dsp:style>
       <dsp:txBody>
-        <a:bodyPr spcFirstLastPara="0" vert="horz" wrap="square" lIns="6350" tIns="6350" rIns="6350" bIns="6350" numCol="1" spcCol="1270" anchor="ctr" anchorCtr="0">
+        <a:bodyPr spcFirstLastPara="0" vert="horz" wrap="square" lIns="6985" tIns="6985" rIns="6985" bIns="6985" numCol="1" spcCol="1270" anchor="ctr" anchorCtr="0">
           <a:noAutofit/>
         </a:bodyPr>
         <a:lstStyle/>
         <a:p>
-          <a:pPr lvl="0" algn="ctr" defTabSz="444500" rtl="0">
+          <a:pPr lvl="0" algn="ctr" defTabSz="488950" rtl="0">
             <a:lnSpc>
               <a:spcPct val="90000"/>
             </a:lnSpc>
@@ -4198,10 +4200,10 @@
             </a:spcAft>
           </a:pPr>
           <a:r>
-            <a:rPr lang="en-US" sz="1000" kern="1200" dirty="0" smtClean="0"/>
+            <a:rPr lang="en-US" sz="1100" kern="1200" dirty="0" smtClean="0"/>
             <a:t>Non-Primitive</a:t>
           </a:r>
-          <a:endParaRPr lang="en-US" sz="1000" kern="1200" dirty="0"/>
+          <a:endParaRPr lang="en-US" sz="1100" kern="1200" dirty="0"/>
         </a:p>
       </dsp:txBody>
       <dsp:txXfrm>
@@ -4230,18 +4232,18 @@
                 <a:satOff val="0"/>
                 <a:lumOff val="0"/>
                 <a:alphaOff val="0"/>
-                <a:shade val="58000"/>
-                <a:satMod val="150000"/>
+                <a:shade val="51000"/>
+                <a:satMod val="130000"/>
               </a:schemeClr>
             </a:gs>
-            <a:gs pos="72000">
+            <a:gs pos="80000">
               <a:schemeClr val="accent5">
                 <a:hueOff val="0"/>
                 <a:satOff val="0"/>
                 <a:lumOff val="0"/>
                 <a:alphaOff val="0"/>
-                <a:tint val="90000"/>
-                <a:satMod val="135000"/>
+                <a:shade val="93000"/>
+                <a:satMod val="130000"/>
               </a:schemeClr>
             </a:gs>
             <a:gs pos="100000">
@@ -4250,8 +4252,8 @@
                 <a:satOff val="0"/>
                 <a:lumOff val="0"/>
                 <a:alphaOff val="0"/>
-                <a:tint val="80000"/>
-                <a:satMod val="155000"/>
+                <a:shade val="94000"/>
+                <a:satMod val="135000"/>
               </a:schemeClr>
             </a:gs>
           </a:gsLst>
@@ -4261,9 +4263,9 @@
           <a:noFill/>
         </a:ln>
         <a:effectLst>
-          <a:outerShdw blurRad="50800" dist="38100" dir="5400000" rotWithShape="0">
+          <a:outerShdw blurRad="40000" dist="20000" dir="5400000" rotWithShape="0">
             <a:srgbClr val="000000">
-              <a:alpha val="43137"/>
+              <a:alpha val="38000"/>
             </a:srgbClr>
           </a:outerShdw>
         </a:effectLst>
@@ -4291,12 +4293,12 @@
         </a:fontRef>
       </dsp:style>
       <dsp:txBody>
-        <a:bodyPr spcFirstLastPara="0" vert="horz" wrap="square" lIns="6350" tIns="6350" rIns="6350" bIns="6350" numCol="1" spcCol="1270" anchor="ctr" anchorCtr="0">
+        <a:bodyPr spcFirstLastPara="0" vert="horz" wrap="square" lIns="6985" tIns="6985" rIns="6985" bIns="6985" numCol="1" spcCol="1270" anchor="ctr" anchorCtr="0">
           <a:noAutofit/>
         </a:bodyPr>
         <a:lstStyle/>
         <a:p>
-          <a:pPr lvl="0" algn="ctr" defTabSz="444500" rtl="0">
+          <a:pPr lvl="0" algn="ctr" defTabSz="488950" rtl="0">
             <a:lnSpc>
               <a:spcPct val="90000"/>
             </a:lnSpc>
@@ -4308,10 +4310,10 @@
             </a:spcAft>
           </a:pPr>
           <a:r>
-            <a:rPr lang="en-US" sz="1000" kern="1200" dirty="0" smtClean="0"/>
+            <a:rPr lang="en-US" sz="1100" kern="1200" dirty="0" smtClean="0"/>
             <a:t>Linear</a:t>
           </a:r>
-          <a:endParaRPr lang="en-US" sz="1000" kern="1200" dirty="0"/>
+          <a:endParaRPr lang="en-US" sz="1100" kern="1200" dirty="0"/>
         </a:p>
       </dsp:txBody>
       <dsp:txXfrm>
@@ -4340,18 +4342,18 @@
                 <a:satOff val="0"/>
                 <a:lumOff val="0"/>
                 <a:alphaOff val="0"/>
-                <a:shade val="58000"/>
-                <a:satMod val="150000"/>
+                <a:shade val="51000"/>
+                <a:satMod val="130000"/>
               </a:schemeClr>
             </a:gs>
-            <a:gs pos="72000">
+            <a:gs pos="80000">
               <a:schemeClr val="accent5">
                 <a:hueOff val="0"/>
                 <a:satOff val="0"/>
                 <a:lumOff val="0"/>
                 <a:alphaOff val="0"/>
-                <a:tint val="90000"/>
-                <a:satMod val="135000"/>
+                <a:shade val="93000"/>
+                <a:satMod val="130000"/>
               </a:schemeClr>
             </a:gs>
             <a:gs pos="100000">
@@ -4360,8 +4362,8 @@
                 <a:satOff val="0"/>
                 <a:lumOff val="0"/>
                 <a:alphaOff val="0"/>
-                <a:tint val="80000"/>
-                <a:satMod val="155000"/>
+                <a:shade val="94000"/>
+                <a:satMod val="135000"/>
               </a:schemeClr>
             </a:gs>
           </a:gsLst>
@@ -4371,9 +4373,9 @@
           <a:noFill/>
         </a:ln>
         <a:effectLst>
-          <a:outerShdw blurRad="50800" dist="38100" dir="5400000" rotWithShape="0">
+          <a:outerShdw blurRad="40000" dist="20000" dir="5400000" rotWithShape="0">
             <a:srgbClr val="000000">
-              <a:alpha val="43137"/>
+              <a:alpha val="38000"/>
             </a:srgbClr>
           </a:outerShdw>
         </a:effectLst>
@@ -4401,12 +4403,12 @@
         </a:fontRef>
       </dsp:style>
       <dsp:txBody>
-        <a:bodyPr spcFirstLastPara="0" vert="horz" wrap="square" lIns="6350" tIns="6350" rIns="6350" bIns="6350" numCol="1" spcCol="1270" anchor="ctr" anchorCtr="0">
+        <a:bodyPr spcFirstLastPara="0" vert="horz" wrap="square" lIns="6985" tIns="6985" rIns="6985" bIns="6985" numCol="1" spcCol="1270" anchor="ctr" anchorCtr="0">
           <a:noAutofit/>
         </a:bodyPr>
         <a:lstStyle/>
         <a:p>
-          <a:pPr lvl="0" algn="ctr" defTabSz="444500" rtl="0">
+          <a:pPr lvl="0" algn="ctr" defTabSz="488950" rtl="0">
             <a:lnSpc>
               <a:spcPct val="90000"/>
             </a:lnSpc>
@@ -4418,10 +4420,10 @@
             </a:spcAft>
           </a:pPr>
           <a:r>
-            <a:rPr lang="en-US" sz="1000" kern="1200" smtClean="0"/>
+            <a:rPr lang="en-US" sz="1100" kern="1200" smtClean="0"/>
             <a:t>Array</a:t>
           </a:r>
-          <a:endParaRPr lang="en-US" sz="1000" kern="1200"/>
+          <a:endParaRPr lang="en-US" sz="1100" kern="1200"/>
         </a:p>
       </dsp:txBody>
       <dsp:txXfrm>
@@ -4450,18 +4452,18 @@
                 <a:satOff val="0"/>
                 <a:lumOff val="0"/>
                 <a:alphaOff val="0"/>
-                <a:shade val="58000"/>
-                <a:satMod val="150000"/>
+                <a:shade val="51000"/>
+                <a:satMod val="130000"/>
               </a:schemeClr>
             </a:gs>
-            <a:gs pos="72000">
+            <a:gs pos="80000">
               <a:schemeClr val="accent5">
                 <a:hueOff val="0"/>
                 <a:satOff val="0"/>
                 <a:lumOff val="0"/>
                 <a:alphaOff val="0"/>
-                <a:tint val="90000"/>
-                <a:satMod val="135000"/>
+                <a:shade val="93000"/>
+                <a:satMod val="130000"/>
               </a:schemeClr>
             </a:gs>
             <a:gs pos="100000">
@@ -4470,8 +4472,8 @@
                 <a:satOff val="0"/>
                 <a:lumOff val="0"/>
                 <a:alphaOff val="0"/>
-                <a:tint val="80000"/>
-                <a:satMod val="155000"/>
+                <a:shade val="94000"/>
+                <a:satMod val="135000"/>
               </a:schemeClr>
             </a:gs>
           </a:gsLst>
@@ -4481,9 +4483,9 @@
           <a:noFill/>
         </a:ln>
         <a:effectLst>
-          <a:outerShdw blurRad="50800" dist="38100" dir="5400000" rotWithShape="0">
+          <a:outerShdw blurRad="40000" dist="20000" dir="5400000" rotWithShape="0">
             <a:srgbClr val="000000">
-              <a:alpha val="43137"/>
+              <a:alpha val="38000"/>
             </a:srgbClr>
           </a:outerShdw>
         </a:effectLst>
@@ -4511,12 +4513,12 @@
         </a:fontRef>
       </dsp:style>
       <dsp:txBody>
-        <a:bodyPr spcFirstLastPara="0" vert="horz" wrap="square" lIns="6350" tIns="6350" rIns="6350" bIns="6350" numCol="1" spcCol="1270" anchor="ctr" anchorCtr="0">
+        <a:bodyPr spcFirstLastPara="0" vert="horz" wrap="square" lIns="6985" tIns="6985" rIns="6985" bIns="6985" numCol="1" spcCol="1270" anchor="ctr" anchorCtr="0">
           <a:noAutofit/>
         </a:bodyPr>
         <a:lstStyle/>
         <a:p>
-          <a:pPr lvl="0" algn="ctr" defTabSz="444500" rtl="0">
+          <a:pPr lvl="0" algn="ctr" defTabSz="488950" rtl="0">
             <a:lnSpc>
               <a:spcPct val="90000"/>
             </a:lnSpc>
@@ -4528,10 +4530,10 @@
             </a:spcAft>
           </a:pPr>
           <a:r>
-            <a:rPr lang="en-US" sz="1000" kern="1200" smtClean="0"/>
+            <a:rPr lang="en-US" sz="1100" kern="1200" smtClean="0"/>
             <a:t>String </a:t>
           </a:r>
-          <a:endParaRPr lang="en-US" sz="1000" kern="1200"/>
+          <a:endParaRPr lang="en-US" sz="1100" kern="1200"/>
         </a:p>
       </dsp:txBody>
       <dsp:txXfrm>
@@ -4560,18 +4562,18 @@
                 <a:satOff val="0"/>
                 <a:lumOff val="0"/>
                 <a:alphaOff val="0"/>
-                <a:shade val="58000"/>
-                <a:satMod val="150000"/>
+                <a:shade val="51000"/>
+                <a:satMod val="130000"/>
               </a:schemeClr>
             </a:gs>
-            <a:gs pos="72000">
+            <a:gs pos="80000">
               <a:schemeClr val="accent5">
                 <a:hueOff val="0"/>
                 <a:satOff val="0"/>
                 <a:lumOff val="0"/>
                 <a:alphaOff val="0"/>
-                <a:tint val="90000"/>
-                <a:satMod val="135000"/>
+                <a:shade val="93000"/>
+                <a:satMod val="130000"/>
               </a:schemeClr>
             </a:gs>
             <a:gs pos="100000">
@@ -4580,8 +4582,8 @@
                 <a:satOff val="0"/>
                 <a:lumOff val="0"/>
                 <a:alphaOff val="0"/>
-                <a:tint val="80000"/>
-                <a:satMod val="155000"/>
+                <a:shade val="94000"/>
+                <a:satMod val="135000"/>
               </a:schemeClr>
             </a:gs>
           </a:gsLst>
@@ -4591,9 +4593,9 @@
           <a:noFill/>
         </a:ln>
         <a:effectLst>
-          <a:outerShdw blurRad="50800" dist="38100" dir="5400000" rotWithShape="0">
+          <a:outerShdw blurRad="40000" dist="20000" dir="5400000" rotWithShape="0">
             <a:srgbClr val="000000">
-              <a:alpha val="43137"/>
+              <a:alpha val="38000"/>
             </a:srgbClr>
           </a:outerShdw>
         </a:effectLst>
@@ -4621,12 +4623,12 @@
         </a:fontRef>
       </dsp:style>
       <dsp:txBody>
-        <a:bodyPr spcFirstLastPara="0" vert="horz" wrap="square" lIns="6350" tIns="6350" rIns="6350" bIns="6350" numCol="1" spcCol="1270" anchor="ctr" anchorCtr="0">
+        <a:bodyPr spcFirstLastPara="0" vert="horz" wrap="square" lIns="6985" tIns="6985" rIns="6985" bIns="6985" numCol="1" spcCol="1270" anchor="ctr" anchorCtr="0">
           <a:noAutofit/>
         </a:bodyPr>
         <a:lstStyle/>
         <a:p>
-          <a:pPr lvl="0" algn="ctr" defTabSz="444500" rtl="0">
+          <a:pPr lvl="0" algn="ctr" defTabSz="488950" rtl="0">
             <a:lnSpc>
               <a:spcPct val="90000"/>
             </a:lnSpc>
@@ -4638,10 +4640,10 @@
             </a:spcAft>
           </a:pPr>
           <a:r>
-            <a:rPr lang="en-US" sz="1000" kern="1200" smtClean="0"/>
+            <a:rPr lang="en-US" sz="1100" kern="1200" smtClean="0"/>
             <a:t>Stack </a:t>
           </a:r>
-          <a:endParaRPr lang="en-US" sz="1000" kern="1200"/>
+          <a:endParaRPr lang="en-US" sz="1100" kern="1200"/>
         </a:p>
       </dsp:txBody>
       <dsp:txXfrm>
@@ -4670,18 +4672,18 @@
                 <a:satOff val="0"/>
                 <a:lumOff val="0"/>
                 <a:alphaOff val="0"/>
-                <a:shade val="58000"/>
-                <a:satMod val="150000"/>
+                <a:shade val="51000"/>
+                <a:satMod val="130000"/>
               </a:schemeClr>
             </a:gs>
-            <a:gs pos="72000">
+            <a:gs pos="80000">
               <a:schemeClr val="accent5">
                 <a:hueOff val="0"/>
                 <a:satOff val="0"/>
                 <a:lumOff val="0"/>
                 <a:alphaOff val="0"/>
-                <a:tint val="90000"/>
-                <a:satMod val="135000"/>
+                <a:shade val="93000"/>
+                <a:satMod val="130000"/>
               </a:schemeClr>
             </a:gs>
             <a:gs pos="100000">
@@ -4690,8 +4692,8 @@
                 <a:satOff val="0"/>
                 <a:lumOff val="0"/>
                 <a:alphaOff val="0"/>
-                <a:tint val="80000"/>
-                <a:satMod val="155000"/>
+                <a:shade val="94000"/>
+                <a:satMod val="135000"/>
               </a:schemeClr>
             </a:gs>
           </a:gsLst>
@@ -4701,9 +4703,9 @@
           <a:noFill/>
         </a:ln>
         <a:effectLst>
-          <a:outerShdw blurRad="50800" dist="38100" dir="5400000" rotWithShape="0">
+          <a:outerShdw blurRad="40000" dist="20000" dir="5400000" rotWithShape="0">
             <a:srgbClr val="000000">
-              <a:alpha val="43137"/>
+              <a:alpha val="38000"/>
             </a:srgbClr>
           </a:outerShdw>
         </a:effectLst>
@@ -4731,12 +4733,12 @@
         </a:fontRef>
       </dsp:style>
       <dsp:txBody>
-        <a:bodyPr spcFirstLastPara="0" vert="horz" wrap="square" lIns="6350" tIns="6350" rIns="6350" bIns="6350" numCol="1" spcCol="1270" anchor="ctr" anchorCtr="0">
+        <a:bodyPr spcFirstLastPara="0" vert="horz" wrap="square" lIns="6985" tIns="6985" rIns="6985" bIns="6985" numCol="1" spcCol="1270" anchor="ctr" anchorCtr="0">
           <a:noAutofit/>
         </a:bodyPr>
         <a:lstStyle/>
         <a:p>
-          <a:pPr lvl="0" algn="ctr" defTabSz="444500" rtl="0">
+          <a:pPr lvl="0" algn="ctr" defTabSz="488950" rtl="0">
             <a:lnSpc>
               <a:spcPct val="90000"/>
             </a:lnSpc>
@@ -4748,10 +4750,10 @@
             </a:spcAft>
           </a:pPr>
           <a:r>
-            <a:rPr lang="en-US" sz="1000" kern="1200" smtClean="0"/>
+            <a:rPr lang="en-US" sz="1100" kern="1200" smtClean="0"/>
             <a:t>Queue </a:t>
           </a:r>
-          <a:endParaRPr lang="en-US" sz="1000" kern="1200"/>
+          <a:endParaRPr lang="en-US" sz="1100" kern="1200"/>
         </a:p>
       </dsp:txBody>
       <dsp:txXfrm>
@@ -4780,18 +4782,18 @@
                 <a:satOff val="0"/>
                 <a:lumOff val="0"/>
                 <a:alphaOff val="0"/>
-                <a:shade val="58000"/>
-                <a:satMod val="150000"/>
+                <a:shade val="51000"/>
+                <a:satMod val="130000"/>
               </a:schemeClr>
             </a:gs>
-            <a:gs pos="72000">
+            <a:gs pos="80000">
               <a:schemeClr val="accent5">
                 <a:hueOff val="0"/>
                 <a:satOff val="0"/>
                 <a:lumOff val="0"/>
                 <a:alphaOff val="0"/>
-                <a:tint val="90000"/>
-                <a:satMod val="135000"/>
+                <a:shade val="93000"/>
+                <a:satMod val="130000"/>
               </a:schemeClr>
             </a:gs>
             <a:gs pos="100000">
@@ -4800,8 +4802,8 @@
                 <a:satOff val="0"/>
                 <a:lumOff val="0"/>
                 <a:alphaOff val="0"/>
-                <a:tint val="80000"/>
-                <a:satMod val="155000"/>
+                <a:shade val="94000"/>
+                <a:satMod val="135000"/>
               </a:schemeClr>
             </a:gs>
           </a:gsLst>
@@ -4811,9 +4813,9 @@
           <a:noFill/>
         </a:ln>
         <a:effectLst>
-          <a:outerShdw blurRad="50800" dist="38100" dir="5400000" rotWithShape="0">
+          <a:outerShdw blurRad="40000" dist="20000" dir="5400000" rotWithShape="0">
             <a:srgbClr val="000000">
-              <a:alpha val="43137"/>
+              <a:alpha val="38000"/>
             </a:srgbClr>
           </a:outerShdw>
         </a:effectLst>
@@ -4841,12 +4843,12 @@
         </a:fontRef>
       </dsp:style>
       <dsp:txBody>
-        <a:bodyPr spcFirstLastPara="0" vert="horz" wrap="square" lIns="6350" tIns="6350" rIns="6350" bIns="6350" numCol="1" spcCol="1270" anchor="ctr" anchorCtr="0">
+        <a:bodyPr spcFirstLastPara="0" vert="horz" wrap="square" lIns="6985" tIns="6985" rIns="6985" bIns="6985" numCol="1" spcCol="1270" anchor="ctr" anchorCtr="0">
           <a:noAutofit/>
         </a:bodyPr>
         <a:lstStyle/>
         <a:p>
-          <a:pPr lvl="0" algn="ctr" defTabSz="444500" rtl="0">
+          <a:pPr lvl="0" algn="ctr" defTabSz="488950" rtl="0">
             <a:lnSpc>
               <a:spcPct val="90000"/>
             </a:lnSpc>
@@ -4858,10 +4860,10 @@
             </a:spcAft>
           </a:pPr>
           <a:r>
-            <a:rPr lang="en-US" sz="1000" kern="1200" smtClean="0"/>
+            <a:rPr lang="en-US" sz="1100" kern="1200" smtClean="0"/>
             <a:t>Non-Linear</a:t>
           </a:r>
-          <a:endParaRPr lang="en-US" sz="1000" kern="1200"/>
+          <a:endParaRPr lang="en-US" sz="1100" kern="1200"/>
         </a:p>
       </dsp:txBody>
       <dsp:txXfrm>
@@ -4890,18 +4892,18 @@
                 <a:satOff val="0"/>
                 <a:lumOff val="0"/>
                 <a:alphaOff val="0"/>
-                <a:shade val="58000"/>
-                <a:satMod val="150000"/>
+                <a:shade val="51000"/>
+                <a:satMod val="130000"/>
               </a:schemeClr>
             </a:gs>
-            <a:gs pos="72000">
+            <a:gs pos="80000">
               <a:schemeClr val="accent6">
                 <a:hueOff val="0"/>
                 <a:satOff val="0"/>
                 <a:lumOff val="0"/>
                 <a:alphaOff val="0"/>
-                <a:tint val="90000"/>
-                <a:satMod val="135000"/>
+                <a:shade val="93000"/>
+                <a:satMod val="130000"/>
               </a:schemeClr>
             </a:gs>
             <a:gs pos="100000">
@@ -4910,8 +4912,8 @@
                 <a:satOff val="0"/>
                 <a:lumOff val="0"/>
                 <a:alphaOff val="0"/>
-                <a:tint val="80000"/>
-                <a:satMod val="155000"/>
+                <a:shade val="94000"/>
+                <a:satMod val="135000"/>
               </a:schemeClr>
             </a:gs>
           </a:gsLst>
@@ -4921,9 +4923,9 @@
           <a:noFill/>
         </a:ln>
         <a:effectLst>
-          <a:outerShdw blurRad="50800" dist="38100" dir="5400000" rotWithShape="0">
+          <a:outerShdw blurRad="40000" dist="20000" dir="5400000" rotWithShape="0">
             <a:srgbClr val="000000">
-              <a:alpha val="43137"/>
+              <a:alpha val="38000"/>
             </a:srgbClr>
           </a:outerShdw>
         </a:effectLst>
@@ -4951,12 +4953,12 @@
         </a:fontRef>
       </dsp:style>
       <dsp:txBody>
-        <a:bodyPr spcFirstLastPara="0" vert="horz" wrap="square" lIns="6350" tIns="6350" rIns="6350" bIns="6350" numCol="1" spcCol="1270" anchor="ctr" anchorCtr="0">
+        <a:bodyPr spcFirstLastPara="0" vert="horz" wrap="square" lIns="6985" tIns="6985" rIns="6985" bIns="6985" numCol="1" spcCol="1270" anchor="ctr" anchorCtr="0">
           <a:noAutofit/>
         </a:bodyPr>
         <a:lstStyle/>
         <a:p>
-          <a:pPr lvl="0" algn="ctr" defTabSz="444500" rtl="0">
+          <a:pPr lvl="0" algn="ctr" defTabSz="488950" rtl="0">
             <a:lnSpc>
               <a:spcPct val="90000"/>
             </a:lnSpc>
@@ -4968,10 +4970,10 @@
             </a:spcAft>
           </a:pPr>
           <a:r>
-            <a:rPr lang="en-US" sz="1000" kern="1200" dirty="0" smtClean="0"/>
+            <a:rPr lang="en-US" sz="1100" kern="1200" dirty="0" smtClean="0"/>
             <a:t>Tree</a:t>
           </a:r>
-          <a:endParaRPr lang="en-US" sz="1000" kern="1200" dirty="0"/>
+          <a:endParaRPr lang="en-US" sz="1100" kern="1200" dirty="0"/>
         </a:p>
       </dsp:txBody>
       <dsp:txXfrm>
@@ -5000,18 +5002,18 @@
                 <a:satOff val="0"/>
                 <a:lumOff val="0"/>
                 <a:alphaOff val="0"/>
-                <a:shade val="58000"/>
-                <a:satMod val="150000"/>
+                <a:shade val="51000"/>
+                <a:satMod val="130000"/>
               </a:schemeClr>
             </a:gs>
-            <a:gs pos="72000">
+            <a:gs pos="80000">
               <a:schemeClr val="accent6">
                 <a:hueOff val="0"/>
                 <a:satOff val="0"/>
                 <a:lumOff val="0"/>
                 <a:alphaOff val="0"/>
-                <a:tint val="90000"/>
-                <a:satMod val="135000"/>
+                <a:shade val="93000"/>
+                <a:satMod val="130000"/>
               </a:schemeClr>
             </a:gs>
             <a:gs pos="100000">
@@ -5020,8 +5022,8 @@
                 <a:satOff val="0"/>
                 <a:lumOff val="0"/>
                 <a:alphaOff val="0"/>
-                <a:tint val="80000"/>
-                <a:satMod val="155000"/>
+                <a:shade val="94000"/>
+                <a:satMod val="135000"/>
               </a:schemeClr>
             </a:gs>
           </a:gsLst>
@@ -5031,9 +5033,9 @@
           <a:noFill/>
         </a:ln>
         <a:effectLst>
-          <a:outerShdw blurRad="50800" dist="38100" dir="5400000" rotWithShape="0">
+          <a:outerShdw blurRad="40000" dist="20000" dir="5400000" rotWithShape="0">
             <a:srgbClr val="000000">
-              <a:alpha val="43137"/>
+              <a:alpha val="38000"/>
             </a:srgbClr>
           </a:outerShdw>
         </a:effectLst>
@@ -5061,12 +5063,12 @@
         </a:fontRef>
       </dsp:style>
       <dsp:txBody>
-        <a:bodyPr spcFirstLastPara="0" vert="horz" wrap="square" lIns="6350" tIns="6350" rIns="6350" bIns="6350" numCol="1" spcCol="1270" anchor="ctr" anchorCtr="0">
+        <a:bodyPr spcFirstLastPara="0" vert="horz" wrap="square" lIns="6985" tIns="6985" rIns="6985" bIns="6985" numCol="1" spcCol="1270" anchor="ctr" anchorCtr="0">
           <a:noAutofit/>
         </a:bodyPr>
         <a:lstStyle/>
         <a:p>
-          <a:pPr lvl="0" algn="ctr" defTabSz="444500" rtl="0">
+          <a:pPr lvl="0" algn="ctr" defTabSz="488950" rtl="0">
             <a:lnSpc>
               <a:spcPct val="90000"/>
             </a:lnSpc>
@@ -5078,10 +5080,10 @@
             </a:spcAft>
           </a:pPr>
           <a:r>
-            <a:rPr lang="en-US" sz="1000" kern="1200" smtClean="0"/>
+            <a:rPr lang="en-US" sz="1100" kern="1200" smtClean="0"/>
             <a:t>Graph</a:t>
           </a:r>
-          <a:endParaRPr lang="en-US" sz="1000" kern="1200"/>
+          <a:endParaRPr lang="en-US" sz="1100" kern="1200"/>
         </a:p>
       </dsp:txBody>
       <dsp:txXfrm>
@@ -7357,7 +7359,7 @@
 </file>
 
 <file path=ppt/slideLayouts/slideLayout1.xml><?xml version="1.0" encoding="utf-8"?>
-<p:sldLayout xmlns:a="http://schemas.openxmlformats.org/drawingml/2006/main" xmlns:r="http://schemas.openxmlformats.org/officeDocument/2006/relationships" xmlns:p="http://schemas.openxmlformats.org/presentationml/2006/main" showMasterSp="0" type="title" preserve="1">
+<p:sldLayout xmlns:a="http://schemas.openxmlformats.org/drawingml/2006/main" xmlns:r="http://schemas.openxmlformats.org/officeDocument/2006/relationships" xmlns:p="http://schemas.openxmlformats.org/presentationml/2006/main" type="title" preserve="1">
   <p:cSld name="Title Slide">
     <p:spTree>
       <p:nvGrpSpPr>
@@ -7375,75 +7377,7 @@
       </p:grpSpPr>
       <p:sp>
         <p:nvSpPr>
-          <p:cNvPr id="7" name="Round Diagonal Corner Rectangle 6"/>
-          <p:cNvSpPr/>
-          <p:nvPr/>
-        </p:nvSpPr>
-        <p:spPr>
-          <a:xfrm>
-            <a:off x="164592" y="146304"/>
-            <a:ext cx="8814816" cy="2505456"/>
-          </a:xfrm>
-          <a:prstGeom prst="round2DiagRect">
-            <a:avLst>
-              <a:gd name="adj1" fmla="val 11807"/>
-              <a:gd name="adj2" fmla="val 0"/>
-            </a:avLst>
-          </a:prstGeom>
-          <a:solidFill>
-            <a:schemeClr val="bg2">
-              <a:tint val="85000"/>
-              <a:shade val="90000"/>
-              <a:satMod val="150000"/>
-              <a:alpha val="65000"/>
-            </a:schemeClr>
-          </a:solidFill>
-          <a:ln w="11000" cap="rnd" cmpd="sng" algn="ctr">
-            <a:solidFill>
-              <a:schemeClr val="bg2">
-                <a:tint val="78000"/>
-                <a:satMod val="180000"/>
-                <a:alpha val="88000"/>
-              </a:schemeClr>
-            </a:solidFill>
-            <a:prstDash val="solid"/>
-          </a:ln>
-          <a:effectLst>
-            <a:innerShdw blurRad="114300">
-              <a:srgbClr val="000000">
-                <a:alpha val="100000"/>
-              </a:srgbClr>
-            </a:innerShdw>
-          </a:effectLst>
-        </p:spPr>
-        <p:style>
-          <a:lnRef idx="3">
-            <a:schemeClr val="lt1"/>
-          </a:lnRef>
-          <a:fillRef idx="1">
-            <a:schemeClr val="accent1"/>
-          </a:fillRef>
-          <a:effectRef idx="1">
-            <a:schemeClr val="accent1"/>
-          </a:effectRef>
-          <a:fontRef idx="minor">
-            <a:schemeClr val="lt1"/>
-          </a:fontRef>
-        </p:style>
-        <p:txBody>
-          <a:bodyPr anchor="ctr"/>
-          <a:lstStyle>
-            <a:extLst/>
-          </a:lstStyle>
-          <a:p>
-            <a:pPr algn="ctr" eaLnBrk="1" latinLnBrk="0" hangingPunct="1"/>
-            <a:endParaRPr kumimoji="0" lang="en-US"/>
-          </a:p>
-        </p:txBody>
-      </p:sp>
-      <p:sp>
-        <p:nvSpPr>
-          <p:cNvPr id="8" name="Title 7"/>
+          <p:cNvPr id="2" name="Title 1"/>
           <p:cNvSpPr>
             <a:spLocks noGrp="1"/>
           </p:cNvSpPr>
@@ -7453,32 +7387,25 @@
         </p:nvSpPr>
         <p:spPr>
           <a:xfrm>
-            <a:off x="464234" y="381001"/>
-            <a:ext cx="8229600" cy="2209800"/>
+            <a:off x="685800" y="2130425"/>
+            <a:ext cx="7772400" cy="1470025"/>
           </a:xfrm>
         </p:spPr>
         <p:txBody>
-          <a:bodyPr lIns="45720" rIns="228600" anchor="b">
-            <a:normAutofit/>
-          </a:bodyPr>
-          <a:lstStyle>
-            <a:lvl1pPr marL="0" algn="r">
-              <a:defRPr sz="4800"/>
-            </a:lvl1pPr>
-            <a:extLst/>
-          </a:lstStyle>
-          <a:p>
-            <a:r>
-              <a:rPr kumimoji="0" lang="en-US" smtClean="0"/>
+          <a:bodyPr/>
+          <a:lstStyle/>
+          <a:p>
+            <a:r>
+              <a:rPr lang="en-US" smtClean="0"/>
               <a:t>Click to edit Master title style</a:t>
             </a:r>
-            <a:endParaRPr kumimoji="0" lang="en-US"/>
+            <a:endParaRPr lang="en-US"/>
           </a:p>
         </p:txBody>
       </p:sp>
       <p:sp>
         <p:nvSpPr>
-          <p:cNvPr id="9" name="Subtitle 8"/>
+          <p:cNvPr id="3" name="Subtitle 2"/>
           <p:cNvSpPr>
             <a:spLocks noGrp="1"/>
           </p:cNvSpPr>
@@ -7488,60 +7415,116 @@
         </p:nvSpPr>
         <p:spPr>
           <a:xfrm>
-            <a:off x="2133600" y="2819400"/>
-            <a:ext cx="6560234" cy="1752600"/>
+            <a:off x="1371600" y="3886200"/>
+            <a:ext cx="6400800" cy="1752600"/>
           </a:xfrm>
         </p:spPr>
         <p:txBody>
-          <a:bodyPr lIns="45720" rIns="246888"/>
+          <a:bodyPr/>
           <a:lstStyle>
-            <a:lvl1pPr marL="0" indent="0" algn="r">
-              <a:spcBef>
-                <a:spcPts val="0"/>
-              </a:spcBef>
+            <a:lvl1pPr marL="0" indent="0" algn="ctr">
               <a:buNone/>
               <a:defRPr>
-                <a:effectLst/>
+                <a:solidFill>
+                  <a:schemeClr val="tx1">
+                    <a:tint val="75000"/>
+                  </a:schemeClr>
+                </a:solidFill>
               </a:defRPr>
             </a:lvl1pPr>
             <a:lvl2pPr marL="457200" indent="0" algn="ctr">
               <a:buNone/>
+              <a:defRPr>
+                <a:solidFill>
+                  <a:schemeClr val="tx1">
+                    <a:tint val="75000"/>
+                  </a:schemeClr>
+                </a:solidFill>
+              </a:defRPr>
             </a:lvl2pPr>
             <a:lvl3pPr marL="914400" indent="0" algn="ctr">
               <a:buNone/>
+              <a:defRPr>
+                <a:solidFill>
+                  <a:schemeClr val="tx1">
+                    <a:tint val="75000"/>
+                  </a:schemeClr>
+                </a:solidFill>
+              </a:defRPr>
             </a:lvl3pPr>
             <a:lvl4pPr marL="1371600" indent="0" algn="ctr">
               <a:buNone/>
+              <a:defRPr>
+                <a:solidFill>
+                  <a:schemeClr val="tx1">
+                    <a:tint val="75000"/>
+                  </a:schemeClr>
+                </a:solidFill>
+              </a:defRPr>
             </a:lvl4pPr>
             <a:lvl5pPr marL="1828800" indent="0" algn="ctr">
               <a:buNone/>
+              <a:defRPr>
+                <a:solidFill>
+                  <a:schemeClr val="tx1">
+                    <a:tint val="75000"/>
+                  </a:schemeClr>
+                </a:solidFill>
+              </a:defRPr>
             </a:lvl5pPr>
             <a:lvl6pPr marL="2286000" indent="0" algn="ctr">
               <a:buNone/>
+              <a:defRPr>
+                <a:solidFill>
+                  <a:schemeClr val="tx1">
+                    <a:tint val="75000"/>
+                  </a:schemeClr>
+                </a:solidFill>
+              </a:defRPr>
             </a:lvl6pPr>
             <a:lvl7pPr marL="2743200" indent="0" algn="ctr">
               <a:buNone/>
+              <a:defRPr>
+                <a:solidFill>
+                  <a:schemeClr val="tx1">
+                    <a:tint val="75000"/>
+                  </a:schemeClr>
+                </a:solidFill>
+              </a:defRPr>
             </a:lvl7pPr>
             <a:lvl8pPr marL="3200400" indent="0" algn="ctr">
               <a:buNone/>
+              <a:defRPr>
+                <a:solidFill>
+                  <a:schemeClr val="tx1">
+                    <a:tint val="75000"/>
+                  </a:schemeClr>
+                </a:solidFill>
+              </a:defRPr>
             </a:lvl8pPr>
             <a:lvl9pPr marL="3657600" indent="0" algn="ctr">
               <a:buNone/>
+              <a:defRPr>
+                <a:solidFill>
+                  <a:schemeClr val="tx1">
+                    <a:tint val="75000"/>
+                  </a:schemeClr>
+                </a:solidFill>
+              </a:defRPr>
             </a:lvl9pPr>
-            <a:extLst/>
           </a:lstStyle>
           <a:p>
             <a:r>
-              <a:rPr kumimoji="0" lang="en-US" smtClean="0"/>
+              <a:rPr lang="en-US" smtClean="0"/>
               <a:t>Click to edit Master subtitle style</a:t>
             </a:r>
-            <a:endParaRPr kumimoji="0" lang="en-US"/>
+            <a:endParaRPr lang="en-US"/>
           </a:p>
         </p:txBody>
       </p:sp>
       <p:sp>
         <p:nvSpPr>
-          <p:cNvPr id="10" name="Date Placeholder 9"/>
+          <p:cNvPr id="4" name="Date Placeholder 3"/>
           <p:cNvSpPr>
             <a:spLocks noGrp="1"/>
           </p:cNvSpPr>
@@ -7549,21 +7532,14 @@
             <p:ph type="dt" sz="half" idx="10"/>
           </p:nvPr>
         </p:nvSpPr>
-        <p:spPr>
-          <a:xfrm>
-            <a:off x="5562600" y="6509004"/>
-            <a:ext cx="3002280" cy="274320"/>
-          </a:xfrm>
-        </p:spPr>
+        <p:spPr/>
         <p:txBody>
-          <a:bodyPr vert="horz" rtlCol="0"/>
-          <a:lstStyle>
-            <a:extLst/>
-          </a:lstStyle>
+          <a:bodyPr/>
+          <a:lstStyle/>
           <a:p>
             <a:fld id="{28C38DFB-B283-421E-BC21-F5DE2D68F70F}" type="datetimeFigureOut">
               <a:rPr lang="en-US" smtClean="0"/>
-              <a:t>8/14/2025</a:t>
+              <a:t>8/16/2025</a:t>
             </a:fld>
             <a:endParaRPr lang="en-US"/>
           </a:p>
@@ -7571,34 +7547,37 @@
       </p:sp>
       <p:sp>
         <p:nvSpPr>
-          <p:cNvPr id="11" name="Slide Number Placeholder 10"/>
+          <p:cNvPr id="5" name="Footer Placeholder 4"/>
           <p:cNvSpPr>
             <a:spLocks noGrp="1"/>
           </p:cNvSpPr>
           <p:nvPr>
-            <p:ph type="sldNum" sz="quarter" idx="11"/>
+            <p:ph type="ftr" sz="quarter" idx="11"/>
           </p:nvPr>
         </p:nvSpPr>
-        <p:spPr>
-          <a:xfrm>
-            <a:off x="8638952" y="6509004"/>
-            <a:ext cx="464288" cy="274320"/>
-          </a:xfrm>
-        </p:spPr>
+        <p:spPr/>
         <p:txBody>
-          <a:bodyPr vert="horz" rtlCol="0"/>
-          <a:lstStyle>
-            <a:lvl1pPr>
-              <a:defRPr>
-                <a:solidFill>
-                  <a:schemeClr val="tx2">
-                    <a:shade val="90000"/>
-                  </a:schemeClr>
-                </a:solidFill>
-              </a:defRPr>
-            </a:lvl1pPr>
-            <a:extLst/>
-          </a:lstStyle>
+          <a:bodyPr/>
+          <a:lstStyle/>
+          <a:p>
+            <a:endParaRPr lang="en-US"/>
+          </a:p>
+        </p:txBody>
+      </p:sp>
+      <p:sp>
+        <p:nvSpPr>
+          <p:cNvPr id="6" name="Slide Number Placeholder 5"/>
+          <p:cNvSpPr>
+            <a:spLocks noGrp="1"/>
+          </p:cNvSpPr>
+          <p:nvPr>
+            <p:ph type="sldNum" sz="quarter" idx="12"/>
+          </p:nvPr>
+        </p:nvSpPr>
+        <p:spPr/>
+        <p:txBody>
+          <a:bodyPr/>
+          <a:lstStyle/>
           <a:p>
             <a:fld id="{BCBE5CA3-ECA9-485A-BEF4-3EA059468DD3}" type="slidenum">
               <a:rPr lang="en-US" smtClean="0"/>
@@ -7608,33 +7587,12 @@
           </a:p>
         </p:txBody>
       </p:sp>
-      <p:sp>
-        <p:nvSpPr>
-          <p:cNvPr id="12" name="Footer Placeholder 11"/>
-          <p:cNvSpPr>
-            <a:spLocks noGrp="1"/>
-          </p:cNvSpPr>
-          <p:nvPr>
-            <p:ph type="ftr" sz="quarter" idx="12"/>
-          </p:nvPr>
-        </p:nvSpPr>
-        <p:spPr>
-          <a:xfrm>
-            <a:off x="1600200" y="6509004"/>
-            <a:ext cx="3907464" cy="274320"/>
-          </a:xfrm>
-        </p:spPr>
-        <p:txBody>
-          <a:bodyPr vert="horz" rtlCol="0"/>
-          <a:lstStyle>
-            <a:extLst/>
-          </a:lstStyle>
-          <a:p>
-            <a:endParaRPr lang="en-US"/>
-          </a:p>
-        </p:txBody>
-      </p:sp>
     </p:spTree>
+    <p:extLst>
+      <p:ext uri="{BB962C8B-B14F-4D97-AF65-F5344CB8AC3E}">
+        <p14:creationId xmlns:p14="http://schemas.microsoft.com/office/powerpoint/2010/main" val="1777891350"/>
+      </p:ext>
+    </p:extLst>
   </p:cSld>
   <p:clrMapOvr>
     <a:masterClrMapping/>
@@ -7672,15 +7630,13 @@
         <p:spPr/>
         <p:txBody>
           <a:bodyPr/>
-          <a:lstStyle>
-            <a:extLst/>
-          </a:lstStyle>
-          <a:p>
-            <a:r>
-              <a:rPr kumimoji="0" lang="en-US" smtClean="0"/>
+          <a:lstStyle/>
+          <a:p>
+            <a:r>
+              <a:rPr lang="en-US" smtClean="0"/>
               <a:t>Click to edit Master title style</a:t>
             </a:r>
-            <a:endParaRPr kumimoji="0" lang="en-US"/>
+            <a:endParaRPr lang="en-US"/>
           </a:p>
         </p:txBody>
       </p:sp>
@@ -7697,44 +7653,42 @@
         <p:spPr/>
         <p:txBody>
           <a:bodyPr vert="eaVert"/>
-          <a:lstStyle>
-            <a:extLst/>
-          </a:lstStyle>
-          <a:p>
-            <a:pPr lvl="0" eaLnBrk="1" latinLnBrk="0" hangingPunct="1"/>
+          <a:lstStyle/>
+          <a:p>
+            <a:pPr lvl="0"/>
             <a:r>
               <a:rPr lang="en-US" smtClean="0"/>
               <a:t>Click to edit Master text styles</a:t>
             </a:r>
           </a:p>
           <a:p>
-            <a:pPr lvl="1" eaLnBrk="1" latinLnBrk="0" hangingPunct="1"/>
+            <a:pPr lvl="1"/>
             <a:r>
               <a:rPr lang="en-US" smtClean="0"/>
               <a:t>Second level</a:t>
             </a:r>
           </a:p>
           <a:p>
-            <a:pPr lvl="2" eaLnBrk="1" latinLnBrk="0" hangingPunct="1"/>
+            <a:pPr lvl="2"/>
             <a:r>
               <a:rPr lang="en-US" smtClean="0"/>
               <a:t>Third level</a:t>
             </a:r>
           </a:p>
           <a:p>
-            <a:pPr lvl="3" eaLnBrk="1" latinLnBrk="0" hangingPunct="1"/>
+            <a:pPr lvl="3"/>
             <a:r>
               <a:rPr lang="en-US" smtClean="0"/>
               <a:t>Fourth level</a:t>
             </a:r>
           </a:p>
           <a:p>
-            <a:pPr lvl="4" eaLnBrk="1" latinLnBrk="0" hangingPunct="1"/>
+            <a:pPr lvl="4"/>
             <a:r>
               <a:rPr lang="en-US" smtClean="0"/>
               <a:t>Fifth level</a:t>
             </a:r>
-            <a:endParaRPr kumimoji="0" lang="en-US"/>
+            <a:endParaRPr lang="en-US"/>
           </a:p>
         </p:txBody>
       </p:sp>
@@ -7751,13 +7705,11 @@
         <p:spPr/>
         <p:txBody>
           <a:bodyPr/>
-          <a:lstStyle>
-            <a:extLst/>
-          </a:lstStyle>
+          <a:lstStyle/>
           <a:p>
             <a:fld id="{28C38DFB-B283-421E-BC21-F5DE2D68F70F}" type="datetimeFigureOut">
               <a:rPr lang="en-US" smtClean="0"/>
-              <a:t>8/14/2025</a:t>
+              <a:t>8/16/2025</a:t>
             </a:fld>
             <a:endParaRPr lang="en-US"/>
           </a:p>
@@ -7776,9 +7728,7 @@
         <p:spPr/>
         <p:txBody>
           <a:bodyPr/>
-          <a:lstStyle>
-            <a:extLst/>
-          </a:lstStyle>
+          <a:lstStyle/>
           <a:p>
             <a:endParaRPr lang="en-US"/>
           </a:p>
@@ -7797,9 +7747,7 @@
         <p:spPr/>
         <p:txBody>
           <a:bodyPr/>
-          <a:lstStyle>
-            <a:extLst/>
-          </a:lstStyle>
+          <a:lstStyle/>
           <a:p>
             <a:fld id="{BCBE5CA3-ECA9-485A-BEF4-3EA059468DD3}" type="slidenum">
               <a:rPr lang="en-US" smtClean="0"/>
@@ -7810,6 +7758,11 @@
         </p:txBody>
       </p:sp>
     </p:spTree>
+    <p:extLst>
+      <p:ext uri="{BB962C8B-B14F-4D97-AF65-F5344CB8AC3E}">
+        <p14:creationId xmlns:p14="http://schemas.microsoft.com/office/powerpoint/2010/main" val="856047563"/>
+      </p:ext>
+    </p:extLst>
   </p:cSld>
   <p:clrMapOvr>
     <a:masterClrMapping/>
@@ -7852,18 +7805,13 @@
         </p:spPr>
         <p:txBody>
           <a:bodyPr vert="eaVert"/>
-          <a:lstStyle>
-            <a:lvl1pPr algn="l">
-              <a:defRPr/>
-            </a:lvl1pPr>
-            <a:extLst/>
-          </a:lstStyle>
-          <a:p>
-            <a:r>
-              <a:rPr kumimoji="0" lang="en-US" smtClean="0"/>
+          <a:lstStyle/>
+          <a:p>
+            <a:r>
+              <a:rPr lang="en-US" smtClean="0"/>
               <a:t>Click to edit Master title style</a:t>
             </a:r>
-            <a:endParaRPr kumimoji="0" lang="en-US"/>
+            <a:endParaRPr lang="en-US"/>
           </a:p>
         </p:txBody>
       </p:sp>
@@ -7885,44 +7833,42 @@
         </p:spPr>
         <p:txBody>
           <a:bodyPr vert="eaVert"/>
-          <a:lstStyle>
-            <a:extLst/>
-          </a:lstStyle>
-          <a:p>
-            <a:pPr lvl="0" eaLnBrk="1" latinLnBrk="0" hangingPunct="1"/>
+          <a:lstStyle/>
+          <a:p>
+            <a:pPr lvl="0"/>
             <a:r>
               <a:rPr lang="en-US" smtClean="0"/>
               <a:t>Click to edit Master text styles</a:t>
             </a:r>
           </a:p>
           <a:p>
-            <a:pPr lvl="1" eaLnBrk="1" latinLnBrk="0" hangingPunct="1"/>
+            <a:pPr lvl="1"/>
             <a:r>
               <a:rPr lang="en-US" smtClean="0"/>
               <a:t>Second level</a:t>
             </a:r>
           </a:p>
           <a:p>
-            <a:pPr lvl="2" eaLnBrk="1" latinLnBrk="0" hangingPunct="1"/>
+            <a:pPr lvl="2"/>
             <a:r>
               <a:rPr lang="en-US" smtClean="0"/>
               <a:t>Third level</a:t>
             </a:r>
           </a:p>
           <a:p>
-            <a:pPr lvl="3" eaLnBrk="1" latinLnBrk="0" hangingPunct="1"/>
+            <a:pPr lvl="3"/>
             <a:r>
               <a:rPr lang="en-US" smtClean="0"/>
               <a:t>Fourth level</a:t>
             </a:r>
           </a:p>
           <a:p>
-            <a:pPr lvl="4" eaLnBrk="1" latinLnBrk="0" hangingPunct="1"/>
+            <a:pPr lvl="4"/>
             <a:r>
               <a:rPr lang="en-US" smtClean="0"/>
               <a:t>Fifth level</a:t>
             </a:r>
-            <a:endParaRPr kumimoji="0" lang="en-US"/>
+            <a:endParaRPr lang="en-US"/>
           </a:p>
         </p:txBody>
       </p:sp>
@@ -7939,13 +7885,11 @@
         <p:spPr/>
         <p:txBody>
           <a:bodyPr/>
-          <a:lstStyle>
-            <a:extLst/>
-          </a:lstStyle>
+          <a:lstStyle/>
           <a:p>
             <a:fld id="{28C38DFB-B283-421E-BC21-F5DE2D68F70F}" type="datetimeFigureOut">
               <a:rPr lang="en-US" smtClean="0"/>
-              <a:t>8/14/2025</a:t>
+              <a:t>8/16/2025</a:t>
             </a:fld>
             <a:endParaRPr lang="en-US"/>
           </a:p>
@@ -7964,9 +7908,7 @@
         <p:spPr/>
         <p:txBody>
           <a:bodyPr/>
-          <a:lstStyle>
-            <a:extLst/>
-          </a:lstStyle>
+          <a:lstStyle/>
           <a:p>
             <a:endParaRPr lang="en-US"/>
           </a:p>
@@ -7985,9 +7927,7 @@
         <p:spPr/>
         <p:txBody>
           <a:bodyPr/>
-          <a:lstStyle>
-            <a:extLst/>
-          </a:lstStyle>
+          <a:lstStyle/>
           <a:p>
             <a:fld id="{BCBE5CA3-ECA9-485A-BEF4-3EA059468DD3}" type="slidenum">
               <a:rPr lang="en-US" smtClean="0"/>
@@ -7998,6 +7938,11 @@
         </p:txBody>
       </p:sp>
     </p:spTree>
+    <p:extLst>
+      <p:ext uri="{BB962C8B-B14F-4D97-AF65-F5344CB8AC3E}">
+        <p14:creationId xmlns:p14="http://schemas.microsoft.com/office/powerpoint/2010/main" val="3569537578"/>
+      </p:ext>
+    </p:extLst>
   </p:cSld>
   <p:clrMapOvr>
     <a:masterClrMapping/>
@@ -8024,60 +7969,6 @@
       </p:grpSpPr>
       <p:sp>
         <p:nvSpPr>
-          <p:cNvPr id="7" name="Rectangle 6"/>
-          <p:cNvSpPr/>
-          <p:nvPr/>
-        </p:nvSpPr>
-        <p:spPr>
-          <a:xfrm>
-            <a:off x="588392" y="1424588"/>
-            <a:ext cx="8001000" cy="9144"/>
-          </a:xfrm>
-          <a:prstGeom prst="rect">
-            <a:avLst/>
-          </a:prstGeom>
-          <a:solidFill>
-            <a:schemeClr val="accent1"/>
-          </a:solidFill>
-          <a:ln w="38100" cap="rnd" cmpd="sng" algn="ctr">
-            <a:noFill/>
-            <a:prstDash val="solid"/>
-          </a:ln>
-          <a:effectLst>
-            <a:outerShdw blurRad="12700" dist="12900" dir="5400000" algn="tl" rotWithShape="0">
-              <a:srgbClr val="000000">
-                <a:alpha val="75000"/>
-              </a:srgbClr>
-            </a:outerShdw>
-          </a:effectLst>
-        </p:spPr>
-        <p:style>
-          <a:lnRef idx="3">
-            <a:schemeClr val="lt1"/>
-          </a:lnRef>
-          <a:fillRef idx="1">
-            <a:schemeClr val="accent1"/>
-          </a:fillRef>
-          <a:effectRef idx="1">
-            <a:schemeClr val="accent1"/>
-          </a:effectRef>
-          <a:fontRef idx="minor">
-            <a:schemeClr val="lt1"/>
-          </a:fontRef>
-        </p:style>
-        <p:txBody>
-          <a:bodyPr anchor="ctr"/>
-          <a:lstStyle>
-            <a:extLst/>
-          </a:lstStyle>
-          <a:p>
-            <a:pPr algn="ctr" eaLnBrk="1" latinLnBrk="0" hangingPunct="1"/>
-            <a:endParaRPr kumimoji="0" lang="en-US"/>
-          </a:p>
-        </p:txBody>
-      </p:sp>
-      <p:sp>
-        <p:nvSpPr>
           <p:cNvPr id="2" name="Title 1"/>
           <p:cNvSpPr>
             <a:spLocks noGrp="1"/>
@@ -8089,15 +7980,13 @@
         <p:spPr/>
         <p:txBody>
           <a:bodyPr/>
-          <a:lstStyle>
-            <a:extLst/>
-          </a:lstStyle>
-          <a:p>
-            <a:r>
-              <a:rPr kumimoji="0" lang="en-US" smtClean="0"/>
+          <a:lstStyle/>
+          <a:p>
+            <a:r>
+              <a:rPr lang="en-US" smtClean="0"/>
               <a:t>Click to edit Master title style</a:t>
             </a:r>
-            <a:endParaRPr kumimoji="0" lang="en-US"/>
+            <a:endParaRPr lang="en-US"/>
           </a:p>
         </p:txBody>
       </p:sp>
@@ -8114,44 +8003,42 @@
         <p:spPr/>
         <p:txBody>
           <a:bodyPr/>
-          <a:lstStyle>
-            <a:extLst/>
-          </a:lstStyle>
-          <a:p>
-            <a:pPr lvl="0" eaLnBrk="1" latinLnBrk="0" hangingPunct="1"/>
+          <a:lstStyle/>
+          <a:p>
+            <a:pPr lvl="0"/>
             <a:r>
               <a:rPr lang="en-US" smtClean="0"/>
               <a:t>Click to edit Master text styles</a:t>
             </a:r>
           </a:p>
           <a:p>
-            <a:pPr lvl="1" eaLnBrk="1" latinLnBrk="0" hangingPunct="1"/>
+            <a:pPr lvl="1"/>
             <a:r>
               <a:rPr lang="en-US" smtClean="0"/>
               <a:t>Second level</a:t>
             </a:r>
           </a:p>
           <a:p>
-            <a:pPr lvl="2" eaLnBrk="1" latinLnBrk="0" hangingPunct="1"/>
+            <a:pPr lvl="2"/>
             <a:r>
               <a:rPr lang="en-US" smtClean="0"/>
               <a:t>Third level</a:t>
             </a:r>
           </a:p>
           <a:p>
-            <a:pPr lvl="3" eaLnBrk="1" latinLnBrk="0" hangingPunct="1"/>
+            <a:pPr lvl="3"/>
             <a:r>
               <a:rPr lang="en-US" smtClean="0"/>
               <a:t>Fourth level</a:t>
             </a:r>
           </a:p>
           <a:p>
-            <a:pPr lvl="4" eaLnBrk="1" latinLnBrk="0" hangingPunct="1"/>
+            <a:pPr lvl="4"/>
             <a:r>
               <a:rPr lang="en-US" smtClean="0"/>
               <a:t>Fifth level</a:t>
             </a:r>
-            <a:endParaRPr kumimoji="0" lang="en-US"/>
+            <a:endParaRPr lang="en-US"/>
           </a:p>
         </p:txBody>
       </p:sp>
@@ -8168,13 +8055,11 @@
         <p:spPr/>
         <p:txBody>
           <a:bodyPr/>
-          <a:lstStyle>
-            <a:extLst/>
-          </a:lstStyle>
+          <a:lstStyle/>
           <a:p>
             <a:fld id="{28C38DFB-B283-421E-BC21-F5DE2D68F70F}" type="datetimeFigureOut">
               <a:rPr lang="en-US" smtClean="0"/>
-              <a:t>8/14/2025</a:t>
+              <a:t>8/16/2025</a:t>
             </a:fld>
             <a:endParaRPr lang="en-US"/>
           </a:p>
@@ -8193,9 +8078,7 @@
         <p:spPr/>
         <p:txBody>
           <a:bodyPr/>
-          <a:lstStyle>
-            <a:extLst/>
-          </a:lstStyle>
+          <a:lstStyle/>
           <a:p>
             <a:endParaRPr lang="en-US"/>
           </a:p>
@@ -8214,9 +8097,7 @@
         <p:spPr/>
         <p:txBody>
           <a:bodyPr/>
-          <a:lstStyle>
-            <a:extLst/>
-          </a:lstStyle>
+          <a:lstStyle/>
           <a:p>
             <a:fld id="{BCBE5CA3-ECA9-485A-BEF4-3EA059468DD3}" type="slidenum">
               <a:rPr lang="en-US" smtClean="0"/>
@@ -8227,6 +8108,11 @@
         </p:txBody>
       </p:sp>
     </p:spTree>
+    <p:extLst>
+      <p:ext uri="{BB962C8B-B14F-4D97-AF65-F5344CB8AC3E}">
+        <p14:creationId xmlns:p14="http://schemas.microsoft.com/office/powerpoint/2010/main" val="3633325613"/>
+      </p:ext>
+    </p:extLst>
   </p:cSld>
   <p:clrMapOvr>
     <a:masterClrMapping/>
@@ -8235,13 +8121,8 @@
 </file>
 
 <file path=ppt/slideLayouts/slideLayout3.xml><?xml version="1.0" encoding="utf-8"?>
-<p:sldLayout xmlns:a="http://schemas.openxmlformats.org/drawingml/2006/main" xmlns:r="http://schemas.openxmlformats.org/officeDocument/2006/relationships" xmlns:p="http://schemas.openxmlformats.org/presentationml/2006/main" showMasterSp="0" type="secHead" preserve="1">
+<p:sldLayout xmlns:a="http://schemas.openxmlformats.org/drawingml/2006/main" xmlns:r="http://schemas.openxmlformats.org/officeDocument/2006/relationships" xmlns:p="http://schemas.openxmlformats.org/presentationml/2006/main" type="secHead" preserve="1">
   <p:cSld name="Section Header">
-    <p:bg>
-      <p:bgRef idx="1001">
-        <a:schemeClr val="bg2"/>
-      </p:bgRef>
-    </p:bg>
     <p:spTree>
       <p:nvGrpSpPr>
         <p:cNvPr id="1" name=""/>
@@ -8258,60 +8139,6 @@
       </p:grpSpPr>
       <p:sp>
         <p:nvSpPr>
-          <p:cNvPr id="7" name="Rectangle 6"/>
-          <p:cNvSpPr/>
-          <p:nvPr/>
-        </p:nvSpPr>
-        <p:spPr>
-          <a:xfrm>
-            <a:off x="1000128" y="3267456"/>
-            <a:ext cx="7406640" cy="9144"/>
-          </a:xfrm>
-          <a:prstGeom prst="rect">
-            <a:avLst/>
-          </a:prstGeom>
-          <a:solidFill>
-            <a:schemeClr val="accent1"/>
-          </a:solidFill>
-          <a:ln w="38100" cap="rnd" cmpd="sng" algn="ctr">
-            <a:noFill/>
-            <a:prstDash val="solid"/>
-          </a:ln>
-          <a:effectLst>
-            <a:outerShdw blurRad="12700" dist="12900" dir="5400000" algn="tl" rotWithShape="0">
-              <a:srgbClr val="000000">
-                <a:alpha val="75000"/>
-              </a:srgbClr>
-            </a:outerShdw>
-          </a:effectLst>
-        </p:spPr>
-        <p:style>
-          <a:lnRef idx="3">
-            <a:schemeClr val="lt1"/>
-          </a:lnRef>
-          <a:fillRef idx="1">
-            <a:schemeClr val="accent1"/>
-          </a:fillRef>
-          <a:effectRef idx="1">
-            <a:schemeClr val="accent1"/>
-          </a:effectRef>
-          <a:fontRef idx="minor">
-            <a:schemeClr val="lt1"/>
-          </a:fontRef>
-        </p:style>
-        <p:txBody>
-          <a:bodyPr anchor="ctr"/>
-          <a:lstStyle>
-            <a:extLst/>
-          </a:lstStyle>
-          <a:p>
-            <a:pPr algn="ctr" eaLnBrk="1" latinLnBrk="0" hangingPunct="1"/>
-            <a:endParaRPr kumimoji="0" lang="en-US"/>
-          </a:p>
-        </p:txBody>
-      </p:sp>
-      <p:sp>
-        <p:nvSpPr>
           <p:cNvPr id="2" name="Title 1"/>
           <p:cNvSpPr>
             <a:spLocks noGrp="1"/>
@@ -8322,32 +8149,23 @@
         </p:nvSpPr>
         <p:spPr>
           <a:xfrm>
-            <a:off x="722376" y="498230"/>
-            <a:ext cx="7772400" cy="2731008"/>
+            <a:off x="722313" y="4406900"/>
+            <a:ext cx="7772400" cy="1362075"/>
           </a:xfrm>
         </p:spPr>
         <p:txBody>
-          <a:bodyPr rIns="100584"/>
+          <a:bodyPr anchor="t"/>
           <a:lstStyle>
-            <a:lvl1pPr algn="r">
-              <a:buNone/>
-              <a:defRPr sz="4000" b="1" cap="none">
-                <a:solidFill>
-                  <a:schemeClr val="accent1">
-                    <a:tint val="95000"/>
-                    <a:satMod val="200000"/>
-                  </a:schemeClr>
-                </a:solidFill>
-              </a:defRPr>
+            <a:lvl1pPr algn="l">
+              <a:defRPr sz="4000" b="1" cap="all"/>
             </a:lvl1pPr>
-            <a:extLst/>
           </a:lstStyle>
           <a:p>
             <a:r>
-              <a:rPr kumimoji="0" lang="en-US" smtClean="0"/>
+              <a:rPr lang="en-US" smtClean="0"/>
               <a:t>Click to edit Master title style</a:t>
             </a:r>
-            <a:endParaRPr kumimoji="0" lang="en-US"/>
+            <a:endParaRPr lang="en-US"/>
           </a:p>
         </p:txBody>
       </p:sp>
@@ -8363,14 +8181,14 @@
         </p:nvSpPr>
         <p:spPr>
           <a:xfrm>
-            <a:off x="722313" y="3287713"/>
-            <a:ext cx="7772400" cy="1509712"/>
+            <a:off x="722313" y="2906713"/>
+            <a:ext cx="7772400" cy="1500187"/>
           </a:xfrm>
         </p:spPr>
         <p:txBody>
-          <a:bodyPr rIns="128016" anchor="t"/>
+          <a:bodyPr anchor="b"/>
           <a:lstStyle>
-            <a:lvl1pPr marL="0" indent="0" algn="r">
+            <a:lvl1pPr marL="0" indent="0">
               <a:buNone/>
               <a:defRPr sz="2000">
                 <a:solidFill>
@@ -8380,7 +8198,7 @@
                 </a:solidFill>
               </a:defRPr>
             </a:lvl1pPr>
-            <a:lvl2pPr>
+            <a:lvl2pPr marL="457200" indent="0">
               <a:buNone/>
               <a:defRPr sz="1800">
                 <a:solidFill>
@@ -8390,7 +8208,7 @@
                 </a:solidFill>
               </a:defRPr>
             </a:lvl2pPr>
-            <a:lvl3pPr>
+            <a:lvl3pPr marL="914400" indent="0">
               <a:buNone/>
               <a:defRPr sz="1600">
                 <a:solidFill>
@@ -8400,7 +8218,7 @@
                 </a:solidFill>
               </a:defRPr>
             </a:lvl3pPr>
-            <a:lvl4pPr>
+            <a:lvl4pPr marL="1371600" indent="0">
               <a:buNone/>
               <a:defRPr sz="1400">
                 <a:solidFill>
@@ -8410,7 +8228,7 @@
                 </a:solidFill>
               </a:defRPr>
             </a:lvl4pPr>
-            <a:lvl5pPr>
+            <a:lvl5pPr marL="1828800" indent="0">
               <a:buNone/>
               <a:defRPr sz="1400">
                 <a:solidFill>
@@ -8420,12 +8238,51 @@
                 </a:solidFill>
               </a:defRPr>
             </a:lvl5pPr>
-            <a:extLst/>
+            <a:lvl6pPr marL="2286000" indent="0">
+              <a:buNone/>
+              <a:defRPr sz="1400">
+                <a:solidFill>
+                  <a:schemeClr val="tx1">
+                    <a:tint val="75000"/>
+                  </a:schemeClr>
+                </a:solidFill>
+              </a:defRPr>
+            </a:lvl6pPr>
+            <a:lvl7pPr marL="2743200" indent="0">
+              <a:buNone/>
+              <a:defRPr sz="1400">
+                <a:solidFill>
+                  <a:schemeClr val="tx1">
+                    <a:tint val="75000"/>
+                  </a:schemeClr>
+                </a:solidFill>
+              </a:defRPr>
+            </a:lvl7pPr>
+            <a:lvl8pPr marL="3200400" indent="0">
+              <a:buNone/>
+              <a:defRPr sz="1400">
+                <a:solidFill>
+                  <a:schemeClr val="tx1">
+                    <a:tint val="75000"/>
+                  </a:schemeClr>
+                </a:solidFill>
+              </a:defRPr>
+            </a:lvl8pPr>
+            <a:lvl9pPr marL="3657600" indent="0">
+              <a:buNone/>
+              <a:defRPr sz="1400">
+                <a:solidFill>
+                  <a:schemeClr val="tx1">
+                    <a:tint val="75000"/>
+                  </a:schemeClr>
+                </a:solidFill>
+              </a:defRPr>
+            </a:lvl9pPr>
           </a:lstStyle>
           <a:p>
-            <a:pPr lvl="0" eaLnBrk="1" latinLnBrk="0" hangingPunct="1"/>
-            <a:r>
-              <a:rPr kumimoji="0" lang="en-US" smtClean="0"/>
+            <a:pPr lvl="0"/>
+            <a:r>
+              <a:rPr lang="en-US" smtClean="0"/>
               <a:t>Click to edit Master text styles</a:t>
             </a:r>
           </a:p>
@@ -8433,7 +8290,7 @@
       </p:sp>
       <p:sp>
         <p:nvSpPr>
-          <p:cNvPr id="8" name="Date Placeholder 7"/>
+          <p:cNvPr id="4" name="Date Placeholder 3"/>
           <p:cNvSpPr>
             <a:spLocks noGrp="1"/>
           </p:cNvSpPr>
@@ -8441,21 +8298,14 @@
             <p:ph type="dt" sz="half" idx="10"/>
           </p:nvPr>
         </p:nvSpPr>
-        <p:spPr>
-          <a:xfrm>
-            <a:off x="5562600" y="6513670"/>
-            <a:ext cx="3002280" cy="274320"/>
-          </a:xfrm>
-        </p:spPr>
+        <p:spPr/>
         <p:txBody>
-          <a:bodyPr vert="horz" rtlCol="0"/>
-          <a:lstStyle>
-            <a:extLst/>
-          </a:lstStyle>
+          <a:bodyPr/>
+          <a:lstStyle/>
           <a:p>
             <a:fld id="{28C38DFB-B283-421E-BC21-F5DE2D68F70F}" type="datetimeFigureOut">
               <a:rPr lang="en-US" smtClean="0"/>
-              <a:t>8/14/2025</a:t>
+              <a:t>8/16/2025</a:t>
             </a:fld>
             <a:endParaRPr lang="en-US"/>
           </a:p>
@@ -8463,34 +8313,37 @@
       </p:sp>
       <p:sp>
         <p:nvSpPr>
-          <p:cNvPr id="9" name="Slide Number Placeholder 8"/>
+          <p:cNvPr id="5" name="Footer Placeholder 4"/>
           <p:cNvSpPr>
             <a:spLocks noGrp="1"/>
           </p:cNvSpPr>
           <p:nvPr>
-            <p:ph type="sldNum" sz="quarter" idx="11"/>
+            <p:ph type="ftr" sz="quarter" idx="11"/>
           </p:nvPr>
         </p:nvSpPr>
-        <p:spPr>
-          <a:xfrm>
-            <a:off x="8638952" y="6513670"/>
-            <a:ext cx="464288" cy="274320"/>
-          </a:xfrm>
-        </p:spPr>
+        <p:spPr/>
         <p:txBody>
-          <a:bodyPr vert="horz" rtlCol="0"/>
-          <a:lstStyle>
-            <a:lvl1pPr>
-              <a:defRPr>
-                <a:solidFill>
-                  <a:schemeClr val="tx2">
-                    <a:shade val="90000"/>
-                  </a:schemeClr>
-                </a:solidFill>
-              </a:defRPr>
-            </a:lvl1pPr>
-            <a:extLst/>
-          </a:lstStyle>
+          <a:bodyPr/>
+          <a:lstStyle/>
+          <a:p>
+            <a:endParaRPr lang="en-US"/>
+          </a:p>
+        </p:txBody>
+      </p:sp>
+      <p:sp>
+        <p:nvSpPr>
+          <p:cNvPr id="6" name="Slide Number Placeholder 5"/>
+          <p:cNvSpPr>
+            <a:spLocks noGrp="1"/>
+          </p:cNvSpPr>
+          <p:nvPr>
+            <p:ph type="sldNum" sz="quarter" idx="12"/>
+          </p:nvPr>
+        </p:nvSpPr>
+        <p:spPr/>
+        <p:txBody>
+          <a:bodyPr/>
+          <a:lstStyle/>
           <a:p>
             <a:fld id="{BCBE5CA3-ECA9-485A-BEF4-3EA059468DD3}" type="slidenum">
               <a:rPr lang="en-US" smtClean="0"/>
@@ -8500,36 +8353,15 @@
           </a:p>
         </p:txBody>
       </p:sp>
-      <p:sp>
-        <p:nvSpPr>
-          <p:cNvPr id="10" name="Footer Placeholder 9"/>
-          <p:cNvSpPr>
-            <a:spLocks noGrp="1"/>
-          </p:cNvSpPr>
-          <p:nvPr>
-            <p:ph type="ftr" sz="quarter" idx="12"/>
-          </p:nvPr>
-        </p:nvSpPr>
-        <p:spPr>
-          <a:xfrm>
-            <a:off x="1600200" y="6513670"/>
-            <a:ext cx="3907464" cy="274320"/>
-          </a:xfrm>
-        </p:spPr>
-        <p:txBody>
-          <a:bodyPr vert="horz" rtlCol="0"/>
-          <a:lstStyle>
-            <a:extLst/>
-          </a:lstStyle>
-          <a:p>
-            <a:endParaRPr lang="en-US"/>
-          </a:p>
-        </p:txBody>
-      </p:sp>
     </p:spTree>
+    <p:extLst>
+      <p:ext uri="{BB962C8B-B14F-4D97-AF65-F5344CB8AC3E}">
+        <p14:creationId xmlns:p14="http://schemas.microsoft.com/office/powerpoint/2010/main" val="1832239477"/>
+      </p:ext>
+    </p:extLst>
   </p:cSld>
   <p:clrMapOvr>
-    <a:overrideClrMapping bg1="dk1" tx1="lt1" bg2="dk2" tx2="lt2" accent1="accent1" accent2="accent2" accent3="accent3" accent4="accent4" accent5="accent5" accent6="accent6" hlink="hlink" folHlink="folHlink"/>
+    <a:masterClrMapping/>
   </p:clrMapOvr>
 </p:sldLayout>
 </file>
@@ -8564,15 +8396,13 @@
         <p:spPr/>
         <p:txBody>
           <a:bodyPr/>
-          <a:lstStyle>
-            <a:extLst/>
-          </a:lstStyle>
-          <a:p>
-            <a:r>
-              <a:rPr kumimoji="0" lang="en-US" smtClean="0"/>
+          <a:lstStyle/>
+          <a:p>
+            <a:r>
+              <a:rPr lang="en-US" smtClean="0"/>
               <a:t>Click to edit Master title style</a:t>
             </a:r>
-            <a:endParaRPr kumimoji="0" lang="en-US"/>
+            <a:endParaRPr lang="en-US"/>
           </a:p>
         </p:txBody>
       </p:sp>
@@ -8588,8 +8418,8 @@
         </p:nvSpPr>
         <p:spPr>
           <a:xfrm>
-            <a:off x="457200" y="1645920"/>
-            <a:ext cx="4038600" cy="4526280"/>
+            <a:off x="457200" y="1600200"/>
+            <a:ext cx="4038600" cy="4525963"/>
           </a:xfrm>
         </p:spPr>
         <p:txBody>
@@ -8610,43 +8440,54 @@
             <a:lvl5pPr>
               <a:defRPr sz="1800"/>
             </a:lvl5pPr>
-            <a:extLst/>
+            <a:lvl6pPr>
+              <a:defRPr sz="1800"/>
+            </a:lvl6pPr>
+            <a:lvl7pPr>
+              <a:defRPr sz="1800"/>
+            </a:lvl7pPr>
+            <a:lvl8pPr>
+              <a:defRPr sz="1800"/>
+            </a:lvl8pPr>
+            <a:lvl9pPr>
+              <a:defRPr sz="1800"/>
+            </a:lvl9pPr>
           </a:lstStyle>
           <a:p>
-            <a:pPr lvl="0" eaLnBrk="1" latinLnBrk="0" hangingPunct="1"/>
+            <a:pPr lvl="0"/>
             <a:r>
               <a:rPr lang="en-US" smtClean="0"/>
               <a:t>Click to edit Master text styles</a:t>
             </a:r>
           </a:p>
           <a:p>
-            <a:pPr lvl="1" eaLnBrk="1" latinLnBrk="0" hangingPunct="1"/>
+            <a:pPr lvl="1"/>
             <a:r>
               <a:rPr lang="en-US" smtClean="0"/>
               <a:t>Second level</a:t>
             </a:r>
           </a:p>
           <a:p>
-            <a:pPr lvl="2" eaLnBrk="1" latinLnBrk="0" hangingPunct="1"/>
+            <a:pPr lvl="2"/>
             <a:r>
               <a:rPr lang="en-US" smtClean="0"/>
               <a:t>Third level</a:t>
             </a:r>
           </a:p>
           <a:p>
-            <a:pPr lvl="3" eaLnBrk="1" latinLnBrk="0" hangingPunct="1"/>
+            <a:pPr lvl="3"/>
             <a:r>
               <a:rPr lang="en-US" smtClean="0"/>
               <a:t>Fourth level</a:t>
             </a:r>
           </a:p>
           <a:p>
-            <a:pPr lvl="4" eaLnBrk="1" latinLnBrk="0" hangingPunct="1"/>
+            <a:pPr lvl="4"/>
             <a:r>
               <a:rPr lang="en-US" smtClean="0"/>
               <a:t>Fifth level</a:t>
             </a:r>
-            <a:endParaRPr kumimoji="0" lang="en-US"/>
+            <a:endParaRPr lang="en-US"/>
           </a:p>
         </p:txBody>
       </p:sp>
@@ -8662,8 +8503,8 @@
         </p:nvSpPr>
         <p:spPr>
           <a:xfrm>
-            <a:off x="4648200" y="1645920"/>
-            <a:ext cx="4038600" cy="4526280"/>
+            <a:off x="4648200" y="1600200"/>
+            <a:ext cx="4038600" cy="4525963"/>
           </a:xfrm>
         </p:spPr>
         <p:txBody>
@@ -8684,43 +8525,54 @@
             <a:lvl5pPr>
               <a:defRPr sz="1800"/>
             </a:lvl5pPr>
-            <a:extLst/>
+            <a:lvl6pPr>
+              <a:defRPr sz="1800"/>
+            </a:lvl6pPr>
+            <a:lvl7pPr>
+              <a:defRPr sz="1800"/>
+            </a:lvl7pPr>
+            <a:lvl8pPr>
+              <a:defRPr sz="1800"/>
+            </a:lvl8pPr>
+            <a:lvl9pPr>
+              <a:defRPr sz="1800"/>
+            </a:lvl9pPr>
           </a:lstStyle>
           <a:p>
-            <a:pPr lvl="0" eaLnBrk="1" latinLnBrk="0" hangingPunct="1"/>
+            <a:pPr lvl="0"/>
             <a:r>
               <a:rPr lang="en-US" smtClean="0"/>
               <a:t>Click to edit Master text styles</a:t>
             </a:r>
           </a:p>
           <a:p>
-            <a:pPr lvl="1" eaLnBrk="1" latinLnBrk="0" hangingPunct="1"/>
+            <a:pPr lvl="1"/>
             <a:r>
               <a:rPr lang="en-US" smtClean="0"/>
               <a:t>Second level</a:t>
             </a:r>
           </a:p>
           <a:p>
-            <a:pPr lvl="2" eaLnBrk="1" latinLnBrk="0" hangingPunct="1"/>
+            <a:pPr lvl="2"/>
             <a:r>
               <a:rPr lang="en-US" smtClean="0"/>
               <a:t>Third level</a:t>
             </a:r>
           </a:p>
           <a:p>
-            <a:pPr lvl="3" eaLnBrk="1" latinLnBrk="0" hangingPunct="1"/>
+            <a:pPr lvl="3"/>
             <a:r>
               <a:rPr lang="en-US" smtClean="0"/>
               <a:t>Fourth level</a:t>
             </a:r>
           </a:p>
           <a:p>
-            <a:pPr lvl="4" eaLnBrk="1" latinLnBrk="0" hangingPunct="1"/>
+            <a:pPr lvl="4"/>
             <a:r>
               <a:rPr lang="en-US" smtClean="0"/>
               <a:t>Fifth level</a:t>
             </a:r>
-            <a:endParaRPr kumimoji="0" lang="en-US"/>
+            <a:endParaRPr lang="en-US"/>
           </a:p>
         </p:txBody>
       </p:sp>
@@ -8737,13 +8589,11 @@
         <p:spPr/>
         <p:txBody>
           <a:bodyPr/>
-          <a:lstStyle>
-            <a:extLst/>
-          </a:lstStyle>
+          <a:lstStyle/>
           <a:p>
             <a:fld id="{28C38DFB-B283-421E-BC21-F5DE2D68F70F}" type="datetimeFigureOut">
               <a:rPr lang="en-US" smtClean="0"/>
-              <a:t>8/14/2025</a:t>
+              <a:t>8/16/2025</a:t>
             </a:fld>
             <a:endParaRPr lang="en-US"/>
           </a:p>
@@ -8762,9 +8612,7 @@
         <p:spPr/>
         <p:txBody>
           <a:bodyPr/>
-          <a:lstStyle>
-            <a:extLst/>
-          </a:lstStyle>
+          <a:lstStyle/>
           <a:p>
             <a:endParaRPr lang="en-US"/>
           </a:p>
@@ -8780,17 +8628,10 @@
             <p:ph type="sldNum" sz="quarter" idx="12"/>
           </p:nvPr>
         </p:nvSpPr>
-        <p:spPr>
-          <a:xfrm>
-            <a:off x="8641080" y="6514568"/>
-            <a:ext cx="464288" cy="274320"/>
-          </a:xfrm>
-        </p:spPr>
+        <p:spPr/>
         <p:txBody>
           <a:bodyPr/>
-          <a:lstStyle>
-            <a:extLst/>
-          </a:lstStyle>
+          <a:lstStyle/>
           <a:p>
             <a:fld id="{BCBE5CA3-ECA9-485A-BEF4-3EA059468DD3}" type="slidenum">
               <a:rPr lang="en-US" smtClean="0"/>
@@ -8800,61 +8641,12 @@
           </a:p>
         </p:txBody>
       </p:sp>
-      <p:sp>
-        <p:nvSpPr>
-          <p:cNvPr id="10" name="Rectangle 9"/>
-          <p:cNvSpPr/>
-          <p:nvPr/>
-        </p:nvSpPr>
-        <p:spPr>
-          <a:xfrm>
-            <a:off x="588392" y="1424588"/>
-            <a:ext cx="8001000" cy="9144"/>
-          </a:xfrm>
-          <a:prstGeom prst="rect">
-            <a:avLst/>
-          </a:prstGeom>
-          <a:solidFill>
-            <a:schemeClr val="accent1"/>
-          </a:solidFill>
-          <a:ln w="38100" cap="rnd" cmpd="sng" algn="ctr">
-            <a:noFill/>
-            <a:prstDash val="solid"/>
-          </a:ln>
-          <a:effectLst>
-            <a:outerShdw blurRad="12700" dist="12900" dir="5400000" algn="tl" rotWithShape="0">
-              <a:srgbClr val="000000">
-                <a:alpha val="75000"/>
-              </a:srgbClr>
-            </a:outerShdw>
-          </a:effectLst>
-        </p:spPr>
-        <p:style>
-          <a:lnRef idx="3">
-            <a:schemeClr val="lt1"/>
-          </a:lnRef>
-          <a:fillRef idx="1">
-            <a:schemeClr val="accent1"/>
-          </a:fillRef>
-          <a:effectRef idx="1">
-            <a:schemeClr val="accent1"/>
-          </a:effectRef>
-          <a:fontRef idx="minor">
-            <a:schemeClr val="lt1"/>
-          </a:fontRef>
-        </p:style>
-        <p:txBody>
-          <a:bodyPr anchor="ctr"/>
-          <a:lstStyle>
-            <a:extLst/>
-          </a:lstStyle>
-          <a:p>
-            <a:pPr algn="ctr" eaLnBrk="1" latinLnBrk="0" hangingPunct="1"/>
-            <a:endParaRPr kumimoji="0" lang="en-US"/>
-          </a:p>
-        </p:txBody>
-      </p:sp>
     </p:spTree>
+    <p:extLst>
+      <p:ext uri="{BB962C8B-B14F-4D97-AF65-F5344CB8AC3E}">
+        <p14:creationId xmlns:p14="http://schemas.microsoft.com/office/powerpoint/2010/main" val="1403403747"/>
+      </p:ext>
+    </p:extLst>
   </p:cSld>
   <p:clrMapOvr>
     <a:masterClrMapping/>
@@ -8881,114 +8673,6 @@
       </p:grpSpPr>
       <p:sp>
         <p:nvSpPr>
-          <p:cNvPr id="10" name="Rectangle 9"/>
-          <p:cNvSpPr/>
-          <p:nvPr/>
-        </p:nvSpPr>
-        <p:spPr>
-          <a:xfrm>
-            <a:off x="616744" y="2165216"/>
-            <a:ext cx="3749040" cy="9144"/>
-          </a:xfrm>
-          <a:prstGeom prst="rect">
-            <a:avLst/>
-          </a:prstGeom>
-          <a:solidFill>
-            <a:schemeClr val="accent1"/>
-          </a:solidFill>
-          <a:ln w="38100" cap="rnd" cmpd="sng" algn="ctr">
-            <a:noFill/>
-            <a:prstDash val="solid"/>
-          </a:ln>
-          <a:effectLst>
-            <a:outerShdw blurRad="12700" dist="12900" dir="5400000" algn="tl" rotWithShape="0">
-              <a:srgbClr val="000000">
-                <a:alpha val="75000"/>
-              </a:srgbClr>
-            </a:outerShdw>
-          </a:effectLst>
-        </p:spPr>
-        <p:style>
-          <a:lnRef idx="3">
-            <a:schemeClr val="lt1"/>
-          </a:lnRef>
-          <a:fillRef idx="1">
-            <a:schemeClr val="accent1"/>
-          </a:fillRef>
-          <a:effectRef idx="1">
-            <a:schemeClr val="accent1"/>
-          </a:effectRef>
-          <a:fontRef idx="minor">
-            <a:schemeClr val="lt1"/>
-          </a:fontRef>
-        </p:style>
-        <p:txBody>
-          <a:bodyPr anchor="b"/>
-          <a:lstStyle>
-            <a:extLst/>
-          </a:lstStyle>
-          <a:p>
-            <a:pPr algn="ctr" eaLnBrk="1" latinLnBrk="0" hangingPunct="1"/>
-            <a:endParaRPr kumimoji="0" lang="en-US"/>
-          </a:p>
-        </p:txBody>
-      </p:sp>
-      <p:sp>
-        <p:nvSpPr>
-          <p:cNvPr id="11" name="Rectangle 10"/>
-          <p:cNvSpPr/>
-          <p:nvPr/>
-        </p:nvSpPr>
-        <p:spPr>
-          <a:xfrm>
-            <a:off x="4800600" y="2165216"/>
-            <a:ext cx="3749040" cy="9144"/>
-          </a:xfrm>
-          <a:prstGeom prst="rect">
-            <a:avLst/>
-          </a:prstGeom>
-          <a:solidFill>
-            <a:schemeClr val="accent1"/>
-          </a:solidFill>
-          <a:ln w="38100" cap="rnd" cmpd="sng" algn="ctr">
-            <a:noFill/>
-            <a:prstDash val="solid"/>
-          </a:ln>
-          <a:effectLst>
-            <a:outerShdw blurRad="12700" dist="12900" dir="5400000" algn="tl" rotWithShape="0">
-              <a:srgbClr val="000000">
-                <a:alpha val="75000"/>
-              </a:srgbClr>
-            </a:outerShdw>
-          </a:effectLst>
-        </p:spPr>
-        <p:style>
-          <a:lnRef idx="3">
-            <a:schemeClr val="lt1"/>
-          </a:lnRef>
-          <a:fillRef idx="1">
-            <a:schemeClr val="accent1"/>
-          </a:fillRef>
-          <a:effectRef idx="1">
-            <a:schemeClr val="accent1"/>
-          </a:effectRef>
-          <a:fontRef idx="minor">
-            <a:schemeClr val="lt1"/>
-          </a:fontRef>
-        </p:style>
-        <p:txBody>
-          <a:bodyPr anchor="b"/>
-          <a:lstStyle>
-            <a:extLst/>
-          </a:lstStyle>
-          <a:p>
-            <a:pPr algn="ctr" eaLnBrk="1" latinLnBrk="0" hangingPunct="1"/>
-            <a:endParaRPr kumimoji="0" lang="en-US"/>
-          </a:p>
-        </p:txBody>
-      </p:sp>
-      <p:sp>
-        <p:nvSpPr>
           <p:cNvPr id="2" name="Title 1"/>
           <p:cNvSpPr>
             <a:spLocks noGrp="1"/>
@@ -8997,26 +8681,20 @@
             <p:ph type="title"/>
           </p:nvPr>
         </p:nvSpPr>
-        <p:spPr>
-          <a:xfrm>
-            <a:off x="457200" y="251948"/>
-            <a:ext cx="8229600" cy="1143000"/>
-          </a:xfrm>
-        </p:spPr>
+        <p:spPr/>
         <p:txBody>
-          <a:bodyPr anchor="b"/>
+          <a:bodyPr/>
           <a:lstStyle>
             <a:lvl1pPr>
               <a:defRPr/>
             </a:lvl1pPr>
-            <a:extLst/>
           </a:lstStyle>
           <a:p>
             <a:r>
-              <a:rPr kumimoji="0" lang="en-US" smtClean="0"/>
+              <a:rPr lang="en-US" smtClean="0"/>
               <a:t>Click to edit Master title style</a:t>
             </a:r>
-            <a:endParaRPr kumimoji="0" lang="en-US"/>
+            <a:endParaRPr lang="en-US"/>
           </a:p>
         </p:txBody>
       </p:sp>
@@ -9037,39 +8715,49 @@
           </a:xfrm>
         </p:spPr>
         <p:txBody>
-          <a:bodyPr anchor="b">
-            <a:noAutofit/>
-          </a:bodyPr>
+          <a:bodyPr anchor="b"/>
           <a:lstStyle>
-            <a:lvl1pPr marL="91440" indent="0" algn="l">
-              <a:spcBef>
-                <a:spcPts val="0"/>
-              </a:spcBef>
+            <a:lvl1pPr marL="0" indent="0">
               <a:buNone/>
-              <a:defRPr sz="2200" b="0" cap="all" baseline="0"/>
+              <a:defRPr sz="2400" b="1"/>
             </a:lvl1pPr>
-            <a:lvl2pPr>
+            <a:lvl2pPr marL="457200" indent="0">
               <a:buNone/>
               <a:defRPr sz="2000" b="1"/>
             </a:lvl2pPr>
-            <a:lvl3pPr>
+            <a:lvl3pPr marL="914400" indent="0">
               <a:buNone/>
               <a:defRPr sz="1800" b="1"/>
             </a:lvl3pPr>
-            <a:lvl4pPr>
+            <a:lvl4pPr marL="1371600" indent="0">
               <a:buNone/>
               <a:defRPr sz="1600" b="1"/>
             </a:lvl4pPr>
-            <a:lvl5pPr>
+            <a:lvl5pPr marL="1828800" indent="0">
               <a:buNone/>
               <a:defRPr sz="1600" b="1"/>
             </a:lvl5pPr>
-            <a:extLst/>
+            <a:lvl6pPr marL="2286000" indent="0">
+              <a:buNone/>
+              <a:defRPr sz="1600" b="1"/>
+            </a:lvl6pPr>
+            <a:lvl7pPr marL="2743200" indent="0">
+              <a:buNone/>
+              <a:defRPr sz="1600" b="1"/>
+            </a:lvl7pPr>
+            <a:lvl8pPr marL="3200400" indent="0">
+              <a:buNone/>
+              <a:defRPr sz="1600" b="1"/>
+            </a:lvl8pPr>
+            <a:lvl9pPr marL="3657600" indent="0">
+              <a:buNone/>
+              <a:defRPr sz="1600" b="1"/>
+            </a:lvl9pPr>
           </a:lstStyle>
           <a:p>
-            <a:pPr lvl="0" eaLnBrk="1" latinLnBrk="0" hangingPunct="1"/>
-            <a:r>
-              <a:rPr kumimoji="0" lang="en-US" smtClean="0"/>
+            <a:pPr lvl="0"/>
+            <a:r>
+              <a:rPr lang="en-US" smtClean="0"/>
               <a:t>Click to edit Master text styles</a:t>
             </a:r>
           </a:p>
@@ -9077,80 +8765,25 @@
       </p:sp>
       <p:sp>
         <p:nvSpPr>
-          <p:cNvPr id="4" name="Text Placeholder 3"/>
+          <p:cNvPr id="4" name="Content Placeholder 3"/>
           <p:cNvSpPr>
             <a:spLocks noGrp="1"/>
           </p:cNvSpPr>
           <p:nvPr>
-            <p:ph type="body" sz="half" idx="3"/>
+            <p:ph sz="half" idx="2"/>
           </p:nvPr>
         </p:nvSpPr>
         <p:spPr>
           <a:xfrm>
-            <a:off x="4645025" y="1535113"/>
-            <a:ext cx="4041775" cy="639762"/>
+            <a:off x="457200" y="2174875"/>
+            <a:ext cx="4040188" cy="3951288"/>
           </a:xfrm>
         </p:spPr>
         <p:txBody>
-          <a:bodyPr anchor="b">
-            <a:noAutofit/>
-          </a:bodyPr>
-          <a:lstStyle>
-            <a:lvl1pPr marL="91440" indent="0" algn="l">
-              <a:spcBef>
-                <a:spcPts val="0"/>
-              </a:spcBef>
-              <a:buNone/>
-              <a:defRPr sz="2200" b="0" cap="all" baseline="0"/>
-            </a:lvl1pPr>
-            <a:lvl2pPr>
-              <a:buNone/>
-              <a:defRPr sz="2000" b="1"/>
-            </a:lvl2pPr>
-            <a:lvl3pPr>
-              <a:buNone/>
-              <a:defRPr sz="1800" b="1"/>
-            </a:lvl3pPr>
-            <a:lvl4pPr>
-              <a:buNone/>
-              <a:defRPr sz="1600" b="1"/>
-            </a:lvl4pPr>
-            <a:lvl5pPr>
-              <a:buNone/>
-              <a:defRPr sz="1600" b="1"/>
-            </a:lvl5pPr>
-            <a:extLst/>
-          </a:lstStyle>
-          <a:p>
-            <a:pPr lvl="0" eaLnBrk="1" latinLnBrk="0" hangingPunct="1"/>
-            <a:r>
-              <a:rPr kumimoji="0" lang="en-US" smtClean="0"/>
-              <a:t>Click to edit Master text styles</a:t>
-            </a:r>
-          </a:p>
-        </p:txBody>
-      </p:sp>
-      <p:sp>
-        <p:nvSpPr>
-          <p:cNvPr id="5" name="Content Placeholder 4"/>
-          <p:cNvSpPr>
-            <a:spLocks noGrp="1"/>
-          </p:cNvSpPr>
-          <p:nvPr>
-            <p:ph sz="quarter" idx="2"/>
-          </p:nvPr>
-        </p:nvSpPr>
-        <p:spPr>
-          <a:xfrm>
-            <a:off x="457200" y="2362200"/>
-            <a:ext cx="4040188" cy="3941763"/>
-          </a:xfrm>
-        </p:spPr>
-        <p:txBody>
-          <a:bodyPr lIns="91440"/>
+          <a:bodyPr/>
           <a:lstStyle>
             <a:lvl1pPr>
-              <a:defRPr sz="2200"/>
+              <a:defRPr sz="2400"/>
             </a:lvl1pPr>
             <a:lvl2pPr>
               <a:defRPr sz="2000"/>
@@ -9164,43 +8797,119 @@
             <a:lvl5pPr>
               <a:defRPr sz="1600"/>
             </a:lvl5pPr>
-            <a:extLst/>
+            <a:lvl6pPr>
+              <a:defRPr sz="1600"/>
+            </a:lvl6pPr>
+            <a:lvl7pPr>
+              <a:defRPr sz="1600"/>
+            </a:lvl7pPr>
+            <a:lvl8pPr>
+              <a:defRPr sz="1600"/>
+            </a:lvl8pPr>
+            <a:lvl9pPr>
+              <a:defRPr sz="1600"/>
+            </a:lvl9pPr>
           </a:lstStyle>
           <a:p>
-            <a:pPr lvl="0" eaLnBrk="1" latinLnBrk="0" hangingPunct="1"/>
+            <a:pPr lvl="0"/>
             <a:r>
               <a:rPr lang="en-US" smtClean="0"/>
               <a:t>Click to edit Master text styles</a:t>
             </a:r>
           </a:p>
           <a:p>
-            <a:pPr lvl="1" eaLnBrk="1" latinLnBrk="0" hangingPunct="1"/>
+            <a:pPr lvl="1"/>
             <a:r>
               <a:rPr lang="en-US" smtClean="0"/>
               <a:t>Second level</a:t>
             </a:r>
           </a:p>
           <a:p>
-            <a:pPr lvl="2" eaLnBrk="1" latinLnBrk="0" hangingPunct="1"/>
+            <a:pPr lvl="2"/>
             <a:r>
               <a:rPr lang="en-US" smtClean="0"/>
               <a:t>Third level</a:t>
             </a:r>
           </a:p>
           <a:p>
-            <a:pPr lvl="3" eaLnBrk="1" latinLnBrk="0" hangingPunct="1"/>
+            <a:pPr lvl="3"/>
             <a:r>
               <a:rPr lang="en-US" smtClean="0"/>
               <a:t>Fourth level</a:t>
             </a:r>
           </a:p>
           <a:p>
-            <a:pPr lvl="4" eaLnBrk="1" latinLnBrk="0" hangingPunct="1"/>
+            <a:pPr lvl="4"/>
             <a:r>
               <a:rPr lang="en-US" smtClean="0"/>
               <a:t>Fifth level</a:t>
             </a:r>
-            <a:endParaRPr kumimoji="0" lang="en-US"/>
+            <a:endParaRPr lang="en-US"/>
+          </a:p>
+        </p:txBody>
+      </p:sp>
+      <p:sp>
+        <p:nvSpPr>
+          <p:cNvPr id="5" name="Text Placeholder 4"/>
+          <p:cNvSpPr>
+            <a:spLocks noGrp="1"/>
+          </p:cNvSpPr>
+          <p:nvPr>
+            <p:ph type="body" sz="quarter" idx="3"/>
+          </p:nvPr>
+        </p:nvSpPr>
+        <p:spPr>
+          <a:xfrm>
+            <a:off x="4645025" y="1535113"/>
+            <a:ext cx="4041775" cy="639762"/>
+          </a:xfrm>
+        </p:spPr>
+        <p:txBody>
+          <a:bodyPr anchor="b"/>
+          <a:lstStyle>
+            <a:lvl1pPr marL="0" indent="0">
+              <a:buNone/>
+              <a:defRPr sz="2400" b="1"/>
+            </a:lvl1pPr>
+            <a:lvl2pPr marL="457200" indent="0">
+              <a:buNone/>
+              <a:defRPr sz="2000" b="1"/>
+            </a:lvl2pPr>
+            <a:lvl3pPr marL="914400" indent="0">
+              <a:buNone/>
+              <a:defRPr sz="1800" b="1"/>
+            </a:lvl3pPr>
+            <a:lvl4pPr marL="1371600" indent="0">
+              <a:buNone/>
+              <a:defRPr sz="1600" b="1"/>
+            </a:lvl4pPr>
+            <a:lvl5pPr marL="1828800" indent="0">
+              <a:buNone/>
+              <a:defRPr sz="1600" b="1"/>
+            </a:lvl5pPr>
+            <a:lvl6pPr marL="2286000" indent="0">
+              <a:buNone/>
+              <a:defRPr sz="1600" b="1"/>
+            </a:lvl6pPr>
+            <a:lvl7pPr marL="2743200" indent="0">
+              <a:buNone/>
+              <a:defRPr sz="1600" b="1"/>
+            </a:lvl7pPr>
+            <a:lvl8pPr marL="3200400" indent="0">
+              <a:buNone/>
+              <a:defRPr sz="1600" b="1"/>
+            </a:lvl8pPr>
+            <a:lvl9pPr marL="3657600" indent="0">
+              <a:buNone/>
+              <a:defRPr sz="1600" b="1"/>
+            </a:lvl9pPr>
+          </a:lstStyle>
+          <a:p>
+            <a:pPr lvl="0"/>
+            <a:r>
+              <a:rPr lang="en-US" smtClean="0"/>
+              <a:t>Click to edit Master text styles</a:t>
+            </a:r>
           </a:p>
         </p:txBody>
       </p:sp>
@@ -9216,15 +8925,15 @@
         </p:nvSpPr>
         <p:spPr>
           <a:xfrm>
-            <a:off x="4645025" y="2362200"/>
-            <a:ext cx="4041775" cy="3941763"/>
+            <a:off x="4645025" y="2174875"/>
+            <a:ext cx="4041775" cy="3951288"/>
           </a:xfrm>
         </p:spPr>
         <p:txBody>
           <a:bodyPr/>
           <a:lstStyle>
             <a:lvl1pPr>
-              <a:defRPr sz="2200"/>
+              <a:defRPr sz="2400"/>
             </a:lvl1pPr>
             <a:lvl2pPr>
               <a:defRPr sz="2000"/>
@@ -9238,43 +8947,54 @@
             <a:lvl5pPr>
               <a:defRPr sz="1600"/>
             </a:lvl5pPr>
-            <a:extLst/>
+            <a:lvl6pPr>
+              <a:defRPr sz="1600"/>
+            </a:lvl6pPr>
+            <a:lvl7pPr>
+              <a:defRPr sz="1600"/>
+            </a:lvl7pPr>
+            <a:lvl8pPr>
+              <a:defRPr sz="1600"/>
+            </a:lvl8pPr>
+            <a:lvl9pPr>
+              <a:defRPr sz="1600"/>
+            </a:lvl9pPr>
           </a:lstStyle>
           <a:p>
-            <a:pPr lvl="0" eaLnBrk="1" latinLnBrk="0" hangingPunct="1"/>
+            <a:pPr lvl="0"/>
             <a:r>
               <a:rPr lang="en-US" smtClean="0"/>
               <a:t>Click to edit Master text styles</a:t>
             </a:r>
           </a:p>
           <a:p>
-            <a:pPr lvl="1" eaLnBrk="1" latinLnBrk="0" hangingPunct="1"/>
+            <a:pPr lvl="1"/>
             <a:r>
               <a:rPr lang="en-US" smtClean="0"/>
               <a:t>Second level</a:t>
             </a:r>
           </a:p>
           <a:p>
-            <a:pPr lvl="2" eaLnBrk="1" latinLnBrk="0" hangingPunct="1"/>
+            <a:pPr lvl="2"/>
             <a:r>
               <a:rPr lang="en-US" smtClean="0"/>
               <a:t>Third level</a:t>
             </a:r>
           </a:p>
           <a:p>
-            <a:pPr lvl="3" eaLnBrk="1" latinLnBrk="0" hangingPunct="1"/>
+            <a:pPr lvl="3"/>
             <a:r>
               <a:rPr lang="en-US" smtClean="0"/>
               <a:t>Fourth level</a:t>
             </a:r>
           </a:p>
           <a:p>
-            <a:pPr lvl="4" eaLnBrk="1" latinLnBrk="0" hangingPunct="1"/>
+            <a:pPr lvl="4"/>
             <a:r>
               <a:rPr lang="en-US" smtClean="0"/>
               <a:t>Fifth level</a:t>
             </a:r>
-            <a:endParaRPr kumimoji="0" lang="en-US"/>
+            <a:endParaRPr lang="en-US"/>
           </a:p>
         </p:txBody>
       </p:sp>
@@ -9291,13 +9011,11 @@
         <p:spPr/>
         <p:txBody>
           <a:bodyPr/>
-          <a:lstStyle>
-            <a:extLst/>
-          </a:lstStyle>
+          <a:lstStyle/>
           <a:p>
             <a:fld id="{28C38DFB-B283-421E-BC21-F5DE2D68F70F}" type="datetimeFigureOut">
               <a:rPr lang="en-US" smtClean="0"/>
-              <a:t>8/14/2025</a:t>
+              <a:t>8/16/2025</a:t>
             </a:fld>
             <a:endParaRPr lang="en-US"/>
           </a:p>
@@ -9316,9 +9034,7 @@
         <p:spPr/>
         <p:txBody>
           <a:bodyPr/>
-          <a:lstStyle>
-            <a:extLst/>
-          </a:lstStyle>
+          <a:lstStyle/>
           <a:p>
             <a:endParaRPr lang="en-US"/>
           </a:p>
@@ -9334,17 +9050,10 @@
             <p:ph type="sldNum" sz="quarter" idx="12"/>
           </p:nvPr>
         </p:nvSpPr>
-        <p:spPr>
-          <a:xfrm>
-            <a:off x="8641080" y="6514568"/>
-            <a:ext cx="464288" cy="274320"/>
-          </a:xfrm>
-        </p:spPr>
+        <p:spPr/>
         <p:txBody>
           <a:bodyPr/>
-          <a:lstStyle>
-            <a:extLst/>
-          </a:lstStyle>
+          <a:lstStyle/>
           <a:p>
             <a:fld id="{BCBE5CA3-ECA9-485A-BEF4-3EA059468DD3}" type="slidenum">
               <a:rPr lang="en-US" smtClean="0"/>
@@ -9355,6 +9064,11 @@
         </p:txBody>
       </p:sp>
     </p:spTree>
+    <p:extLst>
+      <p:ext uri="{BB962C8B-B14F-4D97-AF65-F5344CB8AC3E}">
+        <p14:creationId xmlns:p14="http://schemas.microsoft.com/office/powerpoint/2010/main" val="1546123130"/>
+      </p:ext>
+    </p:extLst>
   </p:cSld>
   <p:clrMapOvr>
     <a:masterClrMapping/>
@@ -9389,23 +9103,16 @@
             <p:ph type="title"/>
           </p:nvPr>
         </p:nvSpPr>
-        <p:spPr>
-          <a:xfrm>
-            <a:off x="457200" y="253218"/>
-            <a:ext cx="8229600" cy="1143000"/>
-          </a:xfrm>
-        </p:spPr>
+        <p:spPr/>
         <p:txBody>
           <a:bodyPr/>
-          <a:lstStyle>
-            <a:extLst/>
-          </a:lstStyle>
-          <a:p>
-            <a:r>
-              <a:rPr kumimoji="0" lang="en-US" smtClean="0"/>
+          <a:lstStyle/>
+          <a:p>
+            <a:r>
+              <a:rPr lang="en-US" smtClean="0"/>
               <a:t>Click to edit Master title style</a:t>
             </a:r>
-            <a:endParaRPr kumimoji="0" lang="en-US"/>
+            <a:endParaRPr lang="en-US"/>
           </a:p>
         </p:txBody>
       </p:sp>
@@ -9422,13 +9129,11 @@
         <p:spPr/>
         <p:txBody>
           <a:bodyPr/>
-          <a:lstStyle>
-            <a:extLst/>
-          </a:lstStyle>
+          <a:lstStyle/>
           <a:p>
             <a:fld id="{28C38DFB-B283-421E-BC21-F5DE2D68F70F}" type="datetimeFigureOut">
               <a:rPr lang="en-US" smtClean="0"/>
-              <a:t>8/14/2025</a:t>
+              <a:t>8/16/2025</a:t>
             </a:fld>
             <a:endParaRPr lang="en-US"/>
           </a:p>
@@ -9447,9 +9152,7 @@
         <p:spPr/>
         <p:txBody>
           <a:bodyPr/>
-          <a:lstStyle>
-            <a:extLst/>
-          </a:lstStyle>
+          <a:lstStyle/>
           <a:p>
             <a:endParaRPr lang="en-US"/>
           </a:p>
@@ -9468,9 +9171,7 @@
         <p:spPr/>
         <p:txBody>
           <a:bodyPr/>
-          <a:lstStyle>
-            <a:extLst/>
-          </a:lstStyle>
+          <a:lstStyle/>
           <a:p>
             <a:fld id="{BCBE5CA3-ECA9-485A-BEF4-3EA059468DD3}" type="slidenum">
               <a:rPr lang="en-US" smtClean="0"/>
@@ -9480,61 +9181,12 @@
           </a:p>
         </p:txBody>
       </p:sp>
-      <p:sp>
-        <p:nvSpPr>
-          <p:cNvPr id="7" name="Rectangle 6"/>
-          <p:cNvSpPr/>
-          <p:nvPr/>
-        </p:nvSpPr>
-        <p:spPr>
-          <a:xfrm>
-            <a:off x="588392" y="1424588"/>
-            <a:ext cx="8001000" cy="9144"/>
-          </a:xfrm>
-          <a:prstGeom prst="rect">
-            <a:avLst/>
-          </a:prstGeom>
-          <a:solidFill>
-            <a:schemeClr val="accent1"/>
-          </a:solidFill>
-          <a:ln w="38100" cap="rnd" cmpd="sng" algn="ctr">
-            <a:noFill/>
-            <a:prstDash val="solid"/>
-          </a:ln>
-          <a:effectLst>
-            <a:outerShdw blurRad="12700" dist="12900" dir="5400000" algn="tl" rotWithShape="0">
-              <a:srgbClr val="000000">
-                <a:alpha val="75000"/>
-              </a:srgbClr>
-            </a:outerShdw>
-          </a:effectLst>
-        </p:spPr>
-        <p:style>
-          <a:lnRef idx="3">
-            <a:schemeClr val="lt1"/>
-          </a:lnRef>
-          <a:fillRef idx="1">
-            <a:schemeClr val="accent1"/>
-          </a:fillRef>
-          <a:effectRef idx="1">
-            <a:schemeClr val="accent1"/>
-          </a:effectRef>
-          <a:fontRef idx="minor">
-            <a:schemeClr val="lt1"/>
-          </a:fontRef>
-        </p:style>
-        <p:txBody>
-          <a:bodyPr anchor="ctr"/>
-          <a:lstStyle>
-            <a:extLst/>
-          </a:lstStyle>
-          <a:p>
-            <a:pPr algn="ctr" eaLnBrk="1" latinLnBrk="0" hangingPunct="1"/>
-            <a:endParaRPr kumimoji="0" lang="en-US"/>
-          </a:p>
-        </p:txBody>
-      </p:sp>
     </p:spTree>
+    <p:extLst>
+      <p:ext uri="{BB962C8B-B14F-4D97-AF65-F5344CB8AC3E}">
+        <p14:creationId xmlns:p14="http://schemas.microsoft.com/office/powerpoint/2010/main" val="1170637817"/>
+      </p:ext>
+    </p:extLst>
   </p:cSld>
   <p:clrMapOvr>
     <a:masterClrMapping/>
@@ -9572,13 +9224,11 @@
         <p:spPr/>
         <p:txBody>
           <a:bodyPr/>
-          <a:lstStyle>
-            <a:extLst/>
-          </a:lstStyle>
+          <a:lstStyle/>
           <a:p>
             <a:fld id="{28C38DFB-B283-421E-BC21-F5DE2D68F70F}" type="datetimeFigureOut">
               <a:rPr lang="en-US" smtClean="0"/>
-              <a:t>8/14/2025</a:t>
+              <a:t>8/16/2025</a:t>
             </a:fld>
             <a:endParaRPr lang="en-US"/>
           </a:p>
@@ -9597,9 +9247,7 @@
         <p:spPr/>
         <p:txBody>
           <a:bodyPr/>
-          <a:lstStyle>
-            <a:extLst/>
-          </a:lstStyle>
+          <a:lstStyle/>
           <a:p>
             <a:endParaRPr lang="en-US"/>
           </a:p>
@@ -9618,9 +9266,7 @@
         <p:spPr/>
         <p:txBody>
           <a:bodyPr/>
-          <a:lstStyle>
-            <a:extLst/>
-          </a:lstStyle>
+          <a:lstStyle/>
           <a:p>
             <a:fld id="{BCBE5CA3-ECA9-485A-BEF4-3EA059468DD3}" type="slidenum">
               <a:rPr lang="en-US" smtClean="0"/>
@@ -9631,6 +9277,11 @@
         </p:txBody>
       </p:sp>
     </p:spTree>
+    <p:extLst>
+      <p:ext uri="{BB962C8B-B14F-4D97-AF65-F5344CB8AC3E}">
+        <p14:creationId xmlns:p14="http://schemas.microsoft.com/office/powerpoint/2010/main" val="715933351"/>
+      </p:ext>
+    </p:extLst>
   </p:cSld>
   <p:clrMapOvr>
     <a:masterClrMapping/>
@@ -9639,13 +9290,8 @@
 </file>
 
 <file path=ppt/slideLayouts/slideLayout8.xml><?xml version="1.0" encoding="utf-8"?>
-<p:sldLayout xmlns:a="http://schemas.openxmlformats.org/drawingml/2006/main" xmlns:r="http://schemas.openxmlformats.org/officeDocument/2006/relationships" xmlns:p="http://schemas.openxmlformats.org/presentationml/2006/main" showMasterSp="0" type="objTx" preserve="1">
+<p:sldLayout xmlns:a="http://schemas.openxmlformats.org/drawingml/2006/main" xmlns:r="http://schemas.openxmlformats.org/officeDocument/2006/relationships" xmlns:p="http://schemas.openxmlformats.org/presentationml/2006/main" type="objTx" preserve="1">
   <p:cSld name="Content with Caption">
-    <p:bg>
-      <p:bgRef idx="1001">
-        <a:schemeClr val="bg2"/>
-      </p:bgRef>
-    </p:bg>
     <p:spTree>
       <p:nvGrpSpPr>
         <p:cNvPr id="1" name=""/>
@@ -9662,60 +9308,6 @@
       </p:grpSpPr>
       <p:sp>
         <p:nvSpPr>
-          <p:cNvPr id="8" name="Rectangle 7"/>
-          <p:cNvSpPr/>
-          <p:nvPr/>
-        </p:nvSpPr>
-        <p:spPr>
-          <a:xfrm>
-            <a:off x="5057552" y="1057656"/>
-            <a:ext cx="3749040" cy="9144"/>
-          </a:xfrm>
-          <a:prstGeom prst="rect">
-            <a:avLst/>
-          </a:prstGeom>
-          <a:solidFill>
-            <a:schemeClr val="accent1"/>
-          </a:solidFill>
-          <a:ln w="38100" cap="rnd" cmpd="sng" algn="ctr">
-            <a:noFill/>
-            <a:prstDash val="solid"/>
-          </a:ln>
-          <a:effectLst>
-            <a:outerShdw blurRad="12700" dist="12900" dir="5400000" algn="tl" rotWithShape="0">
-              <a:srgbClr val="000000">
-                <a:alpha val="75000"/>
-              </a:srgbClr>
-            </a:outerShdw>
-          </a:effectLst>
-        </p:spPr>
-        <p:style>
-          <a:lnRef idx="3">
-            <a:schemeClr val="lt1"/>
-          </a:lnRef>
-          <a:fillRef idx="1">
-            <a:schemeClr val="accent1"/>
-          </a:fillRef>
-          <a:effectRef idx="1">
-            <a:schemeClr val="accent1"/>
-          </a:effectRef>
-          <a:fontRef idx="minor">
-            <a:schemeClr val="lt1"/>
-          </a:fontRef>
-        </p:style>
-        <p:txBody>
-          <a:bodyPr anchor="ctr"/>
-          <a:lstStyle>
-            <a:extLst/>
-          </a:lstStyle>
-          <a:p>
-            <a:pPr algn="ctr" eaLnBrk="1" latinLnBrk="0" hangingPunct="1"/>
-            <a:endParaRPr kumimoji="0" lang="en-US"/>
-          </a:p>
-        </p:txBody>
-      </p:sp>
-      <p:sp>
-        <p:nvSpPr>
           <p:cNvPr id="2" name="Title 1"/>
           <p:cNvSpPr>
             <a:spLocks noGrp="1"/>
@@ -9726,158 +9318,179 @@
         </p:nvSpPr>
         <p:spPr>
           <a:xfrm>
-            <a:off x="4963136" y="304800"/>
-            <a:ext cx="3931920" cy="762000"/>
+            <a:off x="457200" y="273050"/>
+            <a:ext cx="3008313" cy="1162050"/>
           </a:xfrm>
         </p:spPr>
         <p:txBody>
           <a:bodyPr anchor="b"/>
           <a:lstStyle>
-            <a:lvl1pPr marL="0" algn="r">
-              <a:buNone/>
+            <a:lvl1pPr algn="l">
               <a:defRPr sz="2000" b="1"/>
             </a:lvl1pPr>
-            <a:extLst/>
           </a:lstStyle>
           <a:p>
             <a:r>
-              <a:rPr kumimoji="0" lang="en-US" smtClean="0"/>
+              <a:rPr lang="en-US" smtClean="0"/>
               <a:t>Click to edit Master title style</a:t>
             </a:r>
-            <a:endParaRPr kumimoji="0" lang="en-US"/>
+            <a:endParaRPr lang="en-US"/>
           </a:p>
         </p:txBody>
       </p:sp>
       <p:sp>
         <p:nvSpPr>
-          <p:cNvPr id="3" name="Text Placeholder 2"/>
+          <p:cNvPr id="3" name="Content Placeholder 2"/>
           <p:cNvSpPr>
             <a:spLocks noGrp="1"/>
           </p:cNvSpPr>
           <p:nvPr>
-            <p:ph type="body" idx="2"/>
+            <p:ph idx="1"/>
           </p:nvPr>
         </p:nvSpPr>
         <p:spPr>
           <a:xfrm>
-            <a:off x="4963136" y="1107560"/>
-            <a:ext cx="3931920" cy="1066800"/>
+            <a:off x="3575050" y="273050"/>
+            <a:ext cx="5111750" cy="5853113"/>
           </a:xfrm>
         </p:spPr>
         <p:txBody>
           <a:bodyPr/>
           <a:lstStyle>
-            <a:lvl1pPr marL="0" indent="0" algn="r">
-              <a:spcBef>
-                <a:spcPts val="0"/>
-              </a:spcBef>
-              <a:buNone/>
-              <a:defRPr sz="1400"/>
+            <a:lvl1pPr>
+              <a:defRPr sz="3200"/>
             </a:lvl1pPr>
             <a:lvl2pPr>
-              <a:buNone/>
-              <a:defRPr sz="1200"/>
+              <a:defRPr sz="2800"/>
             </a:lvl2pPr>
             <a:lvl3pPr>
-              <a:buNone/>
-              <a:defRPr sz="1000"/>
+              <a:defRPr sz="2400"/>
             </a:lvl3pPr>
             <a:lvl4pPr>
-              <a:buNone/>
-              <a:defRPr sz="900"/>
+              <a:defRPr sz="2000"/>
             </a:lvl4pPr>
             <a:lvl5pPr>
-              <a:buNone/>
-              <a:defRPr sz="900"/>
+              <a:defRPr sz="2000"/>
             </a:lvl5pPr>
-            <a:extLst/>
+            <a:lvl6pPr>
+              <a:defRPr sz="2000"/>
+            </a:lvl6pPr>
+            <a:lvl7pPr>
+              <a:defRPr sz="2000"/>
+            </a:lvl7pPr>
+            <a:lvl8pPr>
+              <a:defRPr sz="2000"/>
+            </a:lvl8pPr>
+            <a:lvl9pPr>
+              <a:defRPr sz="2000"/>
+            </a:lvl9pPr>
           </a:lstStyle>
           <a:p>
-            <a:pPr lvl="0" eaLnBrk="1" latinLnBrk="0" hangingPunct="1"/>
-            <a:r>
-              <a:rPr kumimoji="0" lang="en-US" smtClean="0"/>
+            <a:pPr lvl="0"/>
+            <a:r>
+              <a:rPr lang="en-US" smtClean="0"/>
               <a:t>Click to edit Master text styles</a:t>
             </a:r>
+          </a:p>
+          <a:p>
+            <a:pPr lvl="1"/>
+            <a:r>
+              <a:rPr lang="en-US" smtClean="0"/>
+              <a:t>Second level</a:t>
+            </a:r>
+          </a:p>
+          <a:p>
+            <a:pPr lvl="2"/>
+            <a:r>
+              <a:rPr lang="en-US" smtClean="0"/>
+              <a:t>Third level</a:t>
+            </a:r>
+          </a:p>
+          <a:p>
+            <a:pPr lvl="3"/>
+            <a:r>
+              <a:rPr lang="en-US" smtClean="0"/>
+              <a:t>Fourth level</a:t>
+            </a:r>
+          </a:p>
+          <a:p>
+            <a:pPr lvl="4"/>
+            <a:r>
+              <a:rPr lang="en-US" smtClean="0"/>
+              <a:t>Fifth level</a:t>
+            </a:r>
+            <a:endParaRPr lang="en-US"/>
           </a:p>
         </p:txBody>
       </p:sp>
       <p:sp>
         <p:nvSpPr>
-          <p:cNvPr id="4" name="Content Placeholder 3"/>
+          <p:cNvPr id="4" name="Text Placeholder 3"/>
           <p:cNvSpPr>
             <a:spLocks noGrp="1"/>
           </p:cNvSpPr>
           <p:nvPr>
-            <p:ph sz="half" idx="1"/>
+            <p:ph type="body" sz="half" idx="2"/>
           </p:nvPr>
         </p:nvSpPr>
         <p:spPr>
           <a:xfrm>
-            <a:off x="228600" y="2209800"/>
-            <a:ext cx="8666456" cy="3977640"/>
+            <a:off x="457200" y="1435100"/>
+            <a:ext cx="3008313" cy="4691063"/>
           </a:xfrm>
         </p:spPr>
         <p:txBody>
           <a:bodyPr/>
           <a:lstStyle>
-            <a:lvl1pPr marL="292608">
-              <a:defRPr sz="3200"/>
+            <a:lvl1pPr marL="0" indent="0">
+              <a:buNone/>
+              <a:defRPr sz="1400"/>
             </a:lvl1pPr>
-            <a:lvl2pPr marL="594360">
-              <a:defRPr sz="2800"/>
+            <a:lvl2pPr marL="457200" indent="0">
+              <a:buNone/>
+              <a:defRPr sz="1200"/>
             </a:lvl2pPr>
-            <a:lvl3pPr marL="822960">
-              <a:defRPr sz="2400"/>
+            <a:lvl3pPr marL="914400" indent="0">
+              <a:buNone/>
+              <a:defRPr sz="1000"/>
             </a:lvl3pPr>
-            <a:lvl4pPr marL="1051560">
-              <a:defRPr sz="2000"/>
+            <a:lvl4pPr marL="1371600" indent="0">
+              <a:buNone/>
+              <a:defRPr sz="900"/>
             </a:lvl4pPr>
-            <a:lvl5pPr marL="1261872">
-              <a:defRPr sz="2000"/>
+            <a:lvl5pPr marL="1828800" indent="0">
+              <a:buNone/>
+              <a:defRPr sz="900"/>
             </a:lvl5pPr>
-            <a:extLst/>
+            <a:lvl6pPr marL="2286000" indent="0">
+              <a:buNone/>
+              <a:defRPr sz="900"/>
+            </a:lvl6pPr>
+            <a:lvl7pPr marL="2743200" indent="0">
+              <a:buNone/>
+              <a:defRPr sz="900"/>
+            </a:lvl7pPr>
+            <a:lvl8pPr marL="3200400" indent="0">
+              <a:buNone/>
+              <a:defRPr sz="900"/>
+            </a:lvl8pPr>
+            <a:lvl9pPr marL="3657600" indent="0">
+              <a:buNone/>
+              <a:defRPr sz="900"/>
+            </a:lvl9pPr>
           </a:lstStyle>
           <a:p>
-            <a:pPr lvl="0" eaLnBrk="1" latinLnBrk="0" hangingPunct="1"/>
+            <a:pPr lvl="0"/>
             <a:r>
               <a:rPr lang="en-US" smtClean="0"/>
               <a:t>Click to edit Master text styles</a:t>
             </a:r>
-          </a:p>
-          <a:p>
-            <a:pPr lvl="1" eaLnBrk="1" latinLnBrk="0" hangingPunct="1"/>
-            <a:r>
-              <a:rPr lang="en-US" smtClean="0"/>
-              <a:t>Second level</a:t>
-            </a:r>
-          </a:p>
-          <a:p>
-            <a:pPr lvl="2" eaLnBrk="1" latinLnBrk="0" hangingPunct="1"/>
-            <a:r>
-              <a:rPr lang="en-US" smtClean="0"/>
-              <a:t>Third level</a:t>
-            </a:r>
-          </a:p>
-          <a:p>
-            <a:pPr lvl="3" eaLnBrk="1" latinLnBrk="0" hangingPunct="1"/>
-            <a:r>
-              <a:rPr lang="en-US" smtClean="0"/>
-              <a:t>Fourth level</a:t>
-            </a:r>
-          </a:p>
-          <a:p>
-            <a:pPr lvl="4" eaLnBrk="1" latinLnBrk="0" hangingPunct="1"/>
-            <a:r>
-              <a:rPr lang="en-US" smtClean="0"/>
-              <a:t>Fifth level</a:t>
-            </a:r>
-            <a:endParaRPr kumimoji="0" lang="en-US"/>
           </a:p>
         </p:txBody>
       </p:sp>
       <p:sp>
         <p:nvSpPr>
-          <p:cNvPr id="9" name="Date Placeholder 8"/>
+          <p:cNvPr id="5" name="Date Placeholder 4"/>
           <p:cNvSpPr>
             <a:spLocks noGrp="1"/>
           </p:cNvSpPr>
@@ -9885,21 +9498,14 @@
             <p:ph type="dt" sz="half" idx="10"/>
           </p:nvPr>
         </p:nvSpPr>
-        <p:spPr>
-          <a:xfrm>
-            <a:off x="5562600" y="6513670"/>
-            <a:ext cx="3002280" cy="274320"/>
-          </a:xfrm>
-        </p:spPr>
+        <p:spPr/>
         <p:txBody>
-          <a:bodyPr vert="horz" rtlCol="0"/>
-          <a:lstStyle>
-            <a:extLst/>
-          </a:lstStyle>
+          <a:bodyPr/>
+          <a:lstStyle/>
           <a:p>
             <a:fld id="{28C38DFB-B283-421E-BC21-F5DE2D68F70F}" type="datetimeFigureOut">
               <a:rPr lang="en-US" smtClean="0"/>
-              <a:t>8/14/2025</a:t>
+              <a:t>8/16/2025</a:t>
             </a:fld>
             <a:endParaRPr lang="en-US"/>
           </a:p>
@@ -9907,34 +9513,37 @@
       </p:sp>
       <p:sp>
         <p:nvSpPr>
-          <p:cNvPr id="10" name="Slide Number Placeholder 9"/>
+          <p:cNvPr id="6" name="Footer Placeholder 5"/>
           <p:cNvSpPr>
             <a:spLocks noGrp="1"/>
           </p:cNvSpPr>
           <p:nvPr>
-            <p:ph type="sldNum" sz="quarter" idx="11"/>
+            <p:ph type="ftr" sz="quarter" idx="11"/>
           </p:nvPr>
         </p:nvSpPr>
-        <p:spPr>
-          <a:xfrm>
-            <a:off x="8638952" y="6513670"/>
-            <a:ext cx="464288" cy="274320"/>
-          </a:xfrm>
-        </p:spPr>
+        <p:spPr/>
         <p:txBody>
-          <a:bodyPr vert="horz" rtlCol="0"/>
-          <a:lstStyle>
-            <a:lvl1pPr>
-              <a:defRPr>
-                <a:solidFill>
-                  <a:schemeClr val="tx2">
-                    <a:shade val="90000"/>
-                  </a:schemeClr>
-                </a:solidFill>
-              </a:defRPr>
-            </a:lvl1pPr>
-            <a:extLst/>
-          </a:lstStyle>
+          <a:bodyPr/>
+          <a:lstStyle/>
+          <a:p>
+            <a:endParaRPr lang="en-US"/>
+          </a:p>
+        </p:txBody>
+      </p:sp>
+      <p:sp>
+        <p:nvSpPr>
+          <p:cNvPr id="7" name="Slide Number Placeholder 6"/>
+          <p:cNvSpPr>
+            <a:spLocks noGrp="1"/>
+          </p:cNvSpPr>
+          <p:nvPr>
+            <p:ph type="sldNum" sz="quarter" idx="12"/>
+          </p:nvPr>
+        </p:nvSpPr>
+        <p:spPr/>
+        <p:txBody>
+          <a:bodyPr/>
+          <a:lstStyle/>
           <a:p>
             <a:fld id="{BCBE5CA3-ECA9-485A-BEF4-3EA059468DD3}" type="slidenum">
               <a:rPr lang="en-US" smtClean="0"/>
@@ -9944,42 +9553,21 @@
           </a:p>
         </p:txBody>
       </p:sp>
-      <p:sp>
-        <p:nvSpPr>
-          <p:cNvPr id="11" name="Footer Placeholder 10"/>
-          <p:cNvSpPr>
-            <a:spLocks noGrp="1"/>
-          </p:cNvSpPr>
-          <p:nvPr>
-            <p:ph type="ftr" sz="quarter" idx="12"/>
-          </p:nvPr>
-        </p:nvSpPr>
-        <p:spPr>
-          <a:xfrm>
-            <a:off x="1600200" y="6513670"/>
-            <a:ext cx="3907464" cy="274320"/>
-          </a:xfrm>
-        </p:spPr>
-        <p:txBody>
-          <a:bodyPr vert="horz" rtlCol="0"/>
-          <a:lstStyle>
-            <a:extLst/>
-          </a:lstStyle>
-          <a:p>
-            <a:endParaRPr lang="en-US"/>
-          </a:p>
-        </p:txBody>
-      </p:sp>
     </p:spTree>
+    <p:extLst>
+      <p:ext uri="{BB962C8B-B14F-4D97-AF65-F5344CB8AC3E}">
+        <p14:creationId xmlns:p14="http://schemas.microsoft.com/office/powerpoint/2010/main" val="2936711183"/>
+      </p:ext>
+    </p:extLst>
   </p:cSld>
   <p:clrMapOvr>
-    <a:overrideClrMapping bg1="dk1" tx1="lt1" bg2="dk2" tx2="lt2" accent1="accent1" accent2="accent2" accent3="accent3" accent4="accent4" accent5="accent5" accent6="accent6" hlink="hlink" folHlink="folHlink"/>
+    <a:masterClrMapping/>
   </p:clrMapOvr>
 </p:sldLayout>
 </file>
 
 <file path=ppt/slideLayouts/slideLayout9.xml><?xml version="1.0" encoding="utf-8"?>
-<p:sldLayout xmlns:a="http://schemas.openxmlformats.org/drawingml/2006/main" xmlns:r="http://schemas.openxmlformats.org/officeDocument/2006/relationships" xmlns:p="http://schemas.openxmlformats.org/presentationml/2006/main" showMasterSp="0" type="picTx" preserve="1">
+<p:sldLayout xmlns:a="http://schemas.openxmlformats.org/drawingml/2006/main" xmlns:r="http://schemas.openxmlformats.org/officeDocument/2006/relationships" xmlns:p="http://schemas.openxmlformats.org/presentationml/2006/main" type="picTx" preserve="1">
   <p:cSld name="Picture with Caption">
     <p:spTree>
       <p:nvGrpSpPr>
@@ -10007,25 +9595,84 @@
         </p:nvSpPr>
         <p:spPr>
           <a:xfrm>
-            <a:off x="3040443" y="4724400"/>
-            <a:ext cx="5486400" cy="664536"/>
+            <a:off x="1792288" y="4800600"/>
+            <a:ext cx="5486400" cy="566738"/>
           </a:xfrm>
         </p:spPr>
         <p:txBody>
           <a:bodyPr anchor="b"/>
           <a:lstStyle>
-            <a:lvl1pPr marL="0" algn="r">
-              <a:buNone/>
+            <a:lvl1pPr algn="l">
               <a:defRPr sz="2000" b="1"/>
             </a:lvl1pPr>
-            <a:extLst/>
           </a:lstStyle>
           <a:p>
             <a:r>
-              <a:rPr kumimoji="0" lang="en-US" smtClean="0"/>
+              <a:rPr lang="en-US" smtClean="0"/>
               <a:t>Click to edit Master title style</a:t>
             </a:r>
-            <a:endParaRPr kumimoji="0" lang="en-US"/>
+            <a:endParaRPr lang="en-US"/>
+          </a:p>
+        </p:txBody>
+      </p:sp>
+      <p:sp>
+        <p:nvSpPr>
+          <p:cNvPr id="3" name="Picture Placeholder 2"/>
+          <p:cNvSpPr>
+            <a:spLocks noGrp="1"/>
+          </p:cNvSpPr>
+          <p:nvPr>
+            <p:ph type="pic" idx="1"/>
+          </p:nvPr>
+        </p:nvSpPr>
+        <p:spPr>
+          <a:xfrm>
+            <a:off x="1792288" y="612775"/>
+            <a:ext cx="5486400" cy="4114800"/>
+          </a:xfrm>
+        </p:spPr>
+        <p:txBody>
+          <a:bodyPr/>
+          <a:lstStyle>
+            <a:lvl1pPr marL="0" indent="0">
+              <a:buNone/>
+              <a:defRPr sz="3200"/>
+            </a:lvl1pPr>
+            <a:lvl2pPr marL="457200" indent="0">
+              <a:buNone/>
+              <a:defRPr sz="2800"/>
+            </a:lvl2pPr>
+            <a:lvl3pPr marL="914400" indent="0">
+              <a:buNone/>
+              <a:defRPr sz="2400"/>
+            </a:lvl3pPr>
+            <a:lvl4pPr marL="1371600" indent="0">
+              <a:buNone/>
+              <a:defRPr sz="2000"/>
+            </a:lvl4pPr>
+            <a:lvl5pPr marL="1828800" indent="0">
+              <a:buNone/>
+              <a:defRPr sz="2000"/>
+            </a:lvl5pPr>
+            <a:lvl6pPr marL="2286000" indent="0">
+              <a:buNone/>
+              <a:defRPr sz="2000"/>
+            </a:lvl6pPr>
+            <a:lvl7pPr marL="2743200" indent="0">
+              <a:buNone/>
+              <a:defRPr sz="2000"/>
+            </a:lvl7pPr>
+            <a:lvl8pPr marL="3200400" indent="0">
+              <a:buNone/>
+              <a:defRPr sz="2000"/>
+            </a:lvl8pPr>
+            <a:lvl9pPr marL="3657600" indent="0">
+              <a:buNone/>
+              <a:defRPr sz="2000"/>
+            </a:lvl9pPr>
+          </a:lstStyle>
+          <a:p>
+            <a:endParaRPr lang="en-US"/>
           </a:p>
         </p:txBody>
       </p:sp>
@@ -10041,38 +9688,54 @@
         </p:nvSpPr>
         <p:spPr>
           <a:xfrm>
-            <a:off x="3040443" y="5388936"/>
-            <a:ext cx="5486400" cy="912255"/>
+            <a:off x="1792288" y="5367338"/>
+            <a:ext cx="5486400" cy="804862"/>
           </a:xfrm>
         </p:spPr>
         <p:txBody>
           <a:bodyPr/>
           <a:lstStyle>
-            <a:lvl1pPr marL="0" indent="0" algn="r">
-              <a:spcBef>
-                <a:spcPts val="0"/>
-              </a:spcBef>
+            <a:lvl1pPr marL="0" indent="0">
               <a:buNone/>
               <a:defRPr sz="1400"/>
             </a:lvl1pPr>
-            <a:lvl2pPr>
+            <a:lvl2pPr marL="457200" indent="0">
+              <a:buNone/>
               <a:defRPr sz="1200"/>
             </a:lvl2pPr>
-            <a:lvl3pPr>
+            <a:lvl3pPr marL="914400" indent="0">
+              <a:buNone/>
               <a:defRPr sz="1000"/>
             </a:lvl3pPr>
-            <a:lvl4pPr>
+            <a:lvl4pPr marL="1371600" indent="0">
+              <a:buNone/>
               <a:defRPr sz="900"/>
             </a:lvl4pPr>
-            <a:lvl5pPr>
+            <a:lvl5pPr marL="1828800" indent="0">
+              <a:buNone/>
               <a:defRPr sz="900"/>
             </a:lvl5pPr>
-            <a:extLst/>
+            <a:lvl6pPr marL="2286000" indent="0">
+              <a:buNone/>
+              <a:defRPr sz="900"/>
+            </a:lvl6pPr>
+            <a:lvl7pPr marL="2743200" indent="0">
+              <a:buNone/>
+              <a:defRPr sz="900"/>
+            </a:lvl7pPr>
+            <a:lvl8pPr marL="3200400" indent="0">
+              <a:buNone/>
+              <a:defRPr sz="900"/>
+            </a:lvl8pPr>
+            <a:lvl9pPr marL="3657600" indent="0">
+              <a:buNone/>
+              <a:defRPr sz="900"/>
+            </a:lvl9pPr>
           </a:lstStyle>
           <a:p>
-            <a:pPr lvl="0" eaLnBrk="1" latinLnBrk="0" hangingPunct="1"/>
-            <a:r>
-              <a:rPr kumimoji="0" lang="en-US" smtClean="0"/>
+            <a:pPr lvl="0"/>
+            <a:r>
+              <a:rPr lang="en-US" smtClean="0"/>
               <a:t>Click to edit Master text styles</a:t>
             </a:r>
           </a:p>
@@ -10080,101 +9743,7 @@
       </p:sp>
       <p:sp>
         <p:nvSpPr>
-          <p:cNvPr id="13" name="Picture Placeholder 12"/>
-          <p:cNvSpPr>
-            <a:spLocks noGrp="1"/>
-          </p:cNvSpPr>
-          <p:nvPr>
-            <p:ph type="pic" idx="1"/>
-          </p:nvPr>
-        </p:nvSpPr>
-        <p:spPr>
-          <a:xfrm>
-            <a:off x="304800" y="249864"/>
-            <a:ext cx="8534400" cy="4343400"/>
-          </a:xfrm>
-          <a:prstGeom prst="round2DiagRect">
-            <a:avLst>
-              <a:gd name="adj1" fmla="val 11403"/>
-              <a:gd name="adj2" fmla="val 0"/>
-            </a:avLst>
-          </a:prstGeom>
-          <a:solidFill>
-            <a:schemeClr val="bg2">
-              <a:tint val="85000"/>
-              <a:shade val="90000"/>
-              <a:satMod val="150000"/>
-              <a:alpha val="65000"/>
-            </a:schemeClr>
-          </a:solidFill>
-          <a:ln w="11000" cap="rnd" cmpd="sng" algn="ctr">
-            <a:solidFill>
-              <a:schemeClr val="bg2">
-                <a:tint val="78000"/>
-                <a:satMod val="180000"/>
-                <a:alpha val="88000"/>
-              </a:schemeClr>
-            </a:solidFill>
-            <a:prstDash val="solid"/>
-          </a:ln>
-          <a:effectLst>
-            <a:innerShdw blurRad="114300">
-              <a:srgbClr val="000000">
-                <a:alpha val="100000"/>
-              </a:srgbClr>
-            </a:innerShdw>
-          </a:effectLst>
-        </p:spPr>
-        <p:style>
-          <a:lnRef idx="3">
-            <a:schemeClr val="lt1"/>
-          </a:lnRef>
-          <a:fillRef idx="1">
-            <a:schemeClr val="accent1"/>
-          </a:fillRef>
-          <a:effectRef idx="1">
-            <a:schemeClr val="accent1"/>
-          </a:effectRef>
-          <a:fontRef idx="minor">
-            <a:schemeClr val="lt1"/>
-          </a:fontRef>
-        </p:style>
-        <p:txBody>
-          <a:bodyPr anchor="t"/>
-          <a:lstStyle>
-            <a:lvl1pPr indent="0">
-              <a:buNone/>
-              <a:defRPr sz="3200"/>
-            </a:lvl1pPr>
-            <a:extLst/>
-          </a:lstStyle>
-          <a:p>
-            <a:pPr marL="0" algn="l" rtl="0" eaLnBrk="1" latinLnBrk="0" hangingPunct="1"/>
-            <a:r>
-              <a:rPr kumimoji="0" lang="en-US" smtClean="0">
-                <a:solidFill>
-                  <a:schemeClr val="lt1"/>
-                </a:solidFill>
-                <a:latin typeface="+mn-lt"/>
-                <a:ea typeface="+mn-ea"/>
-                <a:cs typeface="+mn-cs"/>
-              </a:rPr>
-              <a:t>Click icon to add picture</a:t>
-            </a:r>
-            <a:endParaRPr kumimoji="0" lang="en-US" dirty="0">
-              <a:solidFill>
-                <a:schemeClr val="lt1"/>
-              </a:solidFill>
-              <a:latin typeface="+mn-lt"/>
-              <a:ea typeface="+mn-ea"/>
-              <a:cs typeface="+mn-cs"/>
-            </a:endParaRPr>
-          </a:p>
-        </p:txBody>
-      </p:sp>
-      <p:sp>
-        <p:nvSpPr>
-          <p:cNvPr id="8" name="Date Placeholder 7"/>
+          <p:cNvPr id="5" name="Date Placeholder 4"/>
           <p:cNvSpPr>
             <a:spLocks noGrp="1"/>
           </p:cNvSpPr>
@@ -10182,21 +9751,14 @@
             <p:ph type="dt" sz="half" idx="10"/>
           </p:nvPr>
         </p:nvSpPr>
-        <p:spPr>
-          <a:xfrm>
-            <a:off x="5562600" y="6509004"/>
-            <a:ext cx="3002280" cy="274320"/>
-          </a:xfrm>
-        </p:spPr>
+        <p:spPr/>
         <p:txBody>
-          <a:bodyPr vert="horz" rtlCol="0"/>
-          <a:lstStyle>
-            <a:extLst/>
-          </a:lstStyle>
+          <a:bodyPr/>
+          <a:lstStyle/>
           <a:p>
             <a:fld id="{28C38DFB-B283-421E-BC21-F5DE2D68F70F}" type="datetimeFigureOut">
               <a:rPr lang="en-US" smtClean="0"/>
-              <a:t>8/14/2025</a:t>
+              <a:t>8/16/2025</a:t>
             </a:fld>
             <a:endParaRPr lang="en-US"/>
           </a:p>
@@ -10204,34 +9766,37 @@
       </p:sp>
       <p:sp>
         <p:nvSpPr>
-          <p:cNvPr id="9" name="Slide Number Placeholder 8"/>
+          <p:cNvPr id="6" name="Footer Placeholder 5"/>
           <p:cNvSpPr>
             <a:spLocks noGrp="1"/>
           </p:cNvSpPr>
           <p:nvPr>
-            <p:ph type="sldNum" sz="quarter" idx="11"/>
+            <p:ph type="ftr" sz="quarter" idx="11"/>
           </p:nvPr>
         </p:nvSpPr>
-        <p:spPr>
-          <a:xfrm>
-            <a:off x="8638952" y="6509004"/>
-            <a:ext cx="464288" cy="274320"/>
-          </a:xfrm>
-        </p:spPr>
+        <p:spPr/>
         <p:txBody>
-          <a:bodyPr vert="horz" rtlCol="0"/>
-          <a:lstStyle>
-            <a:lvl1pPr>
-              <a:defRPr>
-                <a:solidFill>
-                  <a:schemeClr val="tx2">
-                    <a:shade val="90000"/>
-                  </a:schemeClr>
-                </a:solidFill>
-              </a:defRPr>
-            </a:lvl1pPr>
-            <a:extLst/>
-          </a:lstStyle>
+          <a:bodyPr/>
+          <a:lstStyle/>
+          <a:p>
+            <a:endParaRPr lang="en-US"/>
+          </a:p>
+        </p:txBody>
+      </p:sp>
+      <p:sp>
+        <p:nvSpPr>
+          <p:cNvPr id="7" name="Slide Number Placeholder 6"/>
+          <p:cNvSpPr>
+            <a:spLocks noGrp="1"/>
+          </p:cNvSpPr>
+          <p:nvPr>
+            <p:ph type="sldNum" sz="quarter" idx="12"/>
+          </p:nvPr>
+        </p:nvSpPr>
+        <p:spPr/>
+        <p:txBody>
+          <a:bodyPr/>
+          <a:lstStyle/>
           <a:p>
             <a:fld id="{BCBE5CA3-ECA9-485A-BEF4-3EA059468DD3}" type="slidenum">
               <a:rPr lang="en-US" smtClean="0"/>
@@ -10241,33 +9806,12 @@
           </a:p>
         </p:txBody>
       </p:sp>
-      <p:sp>
-        <p:nvSpPr>
-          <p:cNvPr id="10" name="Footer Placeholder 9"/>
-          <p:cNvSpPr>
-            <a:spLocks noGrp="1"/>
-          </p:cNvSpPr>
-          <p:nvPr>
-            <p:ph type="ftr" sz="quarter" idx="12"/>
-          </p:nvPr>
-        </p:nvSpPr>
-        <p:spPr>
-          <a:xfrm>
-            <a:off x="1600200" y="6509004"/>
-            <a:ext cx="3907464" cy="274320"/>
-          </a:xfrm>
-        </p:spPr>
-        <p:txBody>
-          <a:bodyPr vert="horz" rtlCol="0"/>
-          <a:lstStyle>
-            <a:extLst/>
-          </a:lstStyle>
-          <a:p>
-            <a:endParaRPr lang="en-US"/>
-          </a:p>
-        </p:txBody>
-      </p:sp>
     </p:spTree>
+    <p:extLst>
+      <p:ext uri="{BB962C8B-B14F-4D97-AF65-F5344CB8AC3E}">
+        <p14:creationId xmlns:p14="http://schemas.microsoft.com/office/powerpoint/2010/main" val="2592948881"/>
+      </p:ext>
+    </p:extLst>
   </p:cSld>
   <p:clrMapOvr>
     <a:masterClrMapping/>
@@ -10279,8 +9823,8 @@
 <p:sldMaster xmlns:a="http://schemas.openxmlformats.org/drawingml/2006/main" xmlns:r="http://schemas.openxmlformats.org/officeDocument/2006/relationships" xmlns:p="http://schemas.openxmlformats.org/presentationml/2006/main">
   <p:cSld>
     <p:bg>
-      <p:bgRef idx="1003">
-        <a:schemeClr val="bg2"/>
+      <p:bgRef idx="1001">
+        <a:schemeClr val="bg1"/>
       </p:bgRef>
     </p:bg>
     <p:spTree>
@@ -10299,75 +9843,143 @@
       </p:grpSpPr>
       <p:sp>
         <p:nvSpPr>
-          <p:cNvPr id="7" name="Round Diagonal Corner Rectangle 6"/>
-          <p:cNvSpPr/>
-          <p:nvPr/>
+          <p:cNvPr id="2" name="Title Placeholder 1"/>
+          <p:cNvSpPr>
+            <a:spLocks noGrp="1"/>
+          </p:cNvSpPr>
+          <p:nvPr>
+            <p:ph type="title"/>
+          </p:nvPr>
         </p:nvSpPr>
         <p:spPr>
           <a:xfrm>
-            <a:off x="164592" y="147085"/>
-            <a:ext cx="8810846" cy="6565392"/>
+            <a:off x="457200" y="274638"/>
+            <a:ext cx="8229600" cy="1143000"/>
           </a:xfrm>
-          <a:prstGeom prst="round2DiagRect">
-            <a:avLst>
-              <a:gd name="adj1" fmla="val 11807"/>
-              <a:gd name="adj2" fmla="val 0"/>
-            </a:avLst>
+          <a:prstGeom prst="rect">
+            <a:avLst/>
           </a:prstGeom>
-          <a:solidFill>
-            <a:schemeClr val="bg2">
-              <a:tint val="85000"/>
-              <a:shade val="90000"/>
-              <a:satMod val="150000"/>
-              <a:alpha val="65000"/>
-            </a:schemeClr>
-          </a:solidFill>
-          <a:ln w="11000" cap="rnd" cmpd="sng" algn="ctr">
-            <a:solidFill>
-              <a:schemeClr val="bg2">
-                <a:tint val="78000"/>
-                <a:satMod val="180000"/>
-                <a:alpha val="88000"/>
-              </a:schemeClr>
-            </a:solidFill>
-            <a:prstDash val="solid"/>
-          </a:ln>
-          <a:effectLst>
-            <a:innerShdw blurRad="114300">
-              <a:srgbClr val="000000">
-                <a:alpha val="100000"/>
-              </a:srgbClr>
-            </a:innerShdw>
-          </a:effectLst>
         </p:spPr>
-        <p:style>
-          <a:lnRef idx="3">
-            <a:schemeClr val="lt1"/>
-          </a:lnRef>
-          <a:fillRef idx="1">
-            <a:schemeClr val="accent1"/>
-          </a:fillRef>
-          <a:effectRef idx="1">
-            <a:schemeClr val="accent1"/>
-          </a:effectRef>
-          <a:fontRef idx="minor">
-            <a:schemeClr val="lt1"/>
-          </a:fontRef>
-        </p:style>
         <p:txBody>
-          <a:bodyPr anchor="ctr"/>
-          <a:lstStyle>
-            <a:extLst/>
-          </a:lstStyle>
-          <a:p>
-            <a:pPr algn="ctr" eaLnBrk="1" latinLnBrk="0" hangingPunct="1"/>
-            <a:endParaRPr kumimoji="0" lang="en-US"/>
+          <a:bodyPr vert="horz" lIns="91440" tIns="45720" rIns="91440" bIns="45720" rtlCol="0" anchor="ctr">
+            <a:normAutofit/>
+          </a:bodyPr>
+          <a:lstStyle/>
+          <a:p>
+            <a:r>
+              <a:rPr lang="en-US" smtClean="0"/>
+              <a:t>Click to edit Master title style</a:t>
+            </a:r>
+            <a:endParaRPr lang="en-US"/>
           </a:p>
         </p:txBody>
       </p:sp>
       <p:sp>
         <p:nvSpPr>
-          <p:cNvPr id="3" name="Footer Placeholder 2"/>
+          <p:cNvPr id="3" name="Text Placeholder 2"/>
+          <p:cNvSpPr>
+            <a:spLocks noGrp="1"/>
+          </p:cNvSpPr>
+          <p:nvPr>
+            <p:ph type="body" idx="1"/>
+          </p:nvPr>
+        </p:nvSpPr>
+        <p:spPr>
+          <a:xfrm>
+            <a:off x="457200" y="1600200"/>
+            <a:ext cx="8229600" cy="4525963"/>
+          </a:xfrm>
+          <a:prstGeom prst="rect">
+            <a:avLst/>
+          </a:prstGeom>
+        </p:spPr>
+        <p:txBody>
+          <a:bodyPr vert="horz" lIns="91440" tIns="45720" rIns="91440" bIns="45720" rtlCol="0">
+            <a:normAutofit/>
+          </a:bodyPr>
+          <a:lstStyle/>
+          <a:p>
+            <a:pPr lvl="0"/>
+            <a:r>
+              <a:rPr lang="en-US" smtClean="0"/>
+              <a:t>Click to edit Master text styles</a:t>
+            </a:r>
+          </a:p>
+          <a:p>
+            <a:pPr lvl="1"/>
+            <a:r>
+              <a:rPr lang="en-US" smtClean="0"/>
+              <a:t>Second level</a:t>
+            </a:r>
+          </a:p>
+          <a:p>
+            <a:pPr lvl="2"/>
+            <a:r>
+              <a:rPr lang="en-US" smtClean="0"/>
+              <a:t>Third level</a:t>
+            </a:r>
+          </a:p>
+          <a:p>
+            <a:pPr lvl="3"/>
+            <a:r>
+              <a:rPr lang="en-US" smtClean="0"/>
+              <a:t>Fourth level</a:t>
+            </a:r>
+          </a:p>
+          <a:p>
+            <a:pPr lvl="4"/>
+            <a:r>
+              <a:rPr lang="en-US" smtClean="0"/>
+              <a:t>Fifth level</a:t>
+            </a:r>
+            <a:endParaRPr lang="en-US"/>
+          </a:p>
+        </p:txBody>
+      </p:sp>
+      <p:sp>
+        <p:nvSpPr>
+          <p:cNvPr id="4" name="Date Placeholder 3"/>
+          <p:cNvSpPr>
+            <a:spLocks noGrp="1"/>
+          </p:cNvSpPr>
+          <p:nvPr>
+            <p:ph type="dt" sz="half" idx="2"/>
+          </p:nvPr>
+        </p:nvSpPr>
+        <p:spPr>
+          <a:xfrm>
+            <a:off x="457200" y="6356350"/>
+            <a:ext cx="2133600" cy="365125"/>
+          </a:xfrm>
+          <a:prstGeom prst="rect">
+            <a:avLst/>
+          </a:prstGeom>
+        </p:spPr>
+        <p:txBody>
+          <a:bodyPr vert="horz" lIns="91440" tIns="45720" rIns="91440" bIns="45720" rtlCol="0" anchor="ctr"/>
+          <a:lstStyle>
+            <a:lvl1pPr algn="l">
+              <a:defRPr sz="1200">
+                <a:solidFill>
+                  <a:schemeClr val="tx1">
+                    <a:tint val="75000"/>
+                  </a:schemeClr>
+                </a:solidFill>
+              </a:defRPr>
+            </a:lvl1pPr>
+          </a:lstStyle>
+          <a:p>
+            <a:fld id="{28C38DFB-B283-421E-BC21-F5DE2D68F70F}" type="datetimeFigureOut">
+              <a:rPr lang="en-US" smtClean="0"/>
+              <a:t>8/16/2025</a:t>
+            </a:fld>
+            <a:endParaRPr lang="en-US"/>
+          </a:p>
+        </p:txBody>
+      </p:sp>
+      <p:sp>
+        <p:nvSpPr>
+          <p:cNvPr id="5" name="Footer Placeholder 4"/>
           <p:cNvSpPr>
             <a:spLocks noGrp="1"/>
           </p:cNvSpPr>
@@ -10377,27 +9989,25 @@
         </p:nvSpPr>
         <p:spPr>
           <a:xfrm>
-            <a:off x="1295400" y="6400800"/>
-            <a:ext cx="4212264" cy="274320"/>
+            <a:off x="3124200" y="6356350"/>
+            <a:ext cx="2895600" cy="365125"/>
           </a:xfrm>
           <a:prstGeom prst="rect">
             <a:avLst/>
           </a:prstGeom>
         </p:spPr>
         <p:txBody>
-          <a:bodyPr/>
+          <a:bodyPr vert="horz" lIns="91440" tIns="45720" rIns="91440" bIns="45720" rtlCol="0" anchor="ctr"/>
           <a:lstStyle>
-            <a:lvl1pPr algn="r" eaLnBrk="1" latinLnBrk="0" hangingPunct="1">
-              <a:defRPr kumimoji="0" sz="1300">
+            <a:lvl1pPr algn="ctr">
+              <a:defRPr sz="1200">
                 <a:solidFill>
-                  <a:schemeClr val="bg2">
-                    <a:tint val="60000"/>
-                    <a:satMod val="155000"/>
+                  <a:schemeClr val="tx1">
+                    <a:tint val="75000"/>
                   </a:schemeClr>
                 </a:solidFill>
               </a:defRPr>
             </a:lvl1pPr>
-            <a:extLst/>
           </a:lstStyle>
           <a:p>
             <a:endParaRPr lang="en-US"/>
@@ -10406,50 +10016,7 @@
       </p:sp>
       <p:sp>
         <p:nvSpPr>
-          <p:cNvPr id="14" name="Date Placeholder 13"/>
-          <p:cNvSpPr>
-            <a:spLocks noGrp="1"/>
-          </p:cNvSpPr>
-          <p:nvPr>
-            <p:ph type="dt" sz="half" idx="2"/>
-          </p:nvPr>
-        </p:nvSpPr>
-        <p:spPr>
-          <a:xfrm>
-            <a:off x="5562600" y="6400800"/>
-            <a:ext cx="3002280" cy="274320"/>
-          </a:xfrm>
-          <a:prstGeom prst="rect">
-            <a:avLst/>
-          </a:prstGeom>
-        </p:spPr>
-        <p:txBody>
-          <a:bodyPr/>
-          <a:lstStyle>
-            <a:lvl1pPr algn="l" eaLnBrk="1" latinLnBrk="0" hangingPunct="1">
-              <a:defRPr kumimoji="0" sz="1300">
-                <a:solidFill>
-                  <a:schemeClr val="bg2">
-                    <a:tint val="60000"/>
-                    <a:satMod val="155000"/>
-                  </a:schemeClr>
-                </a:solidFill>
-              </a:defRPr>
-            </a:lvl1pPr>
-            <a:extLst/>
-          </a:lstStyle>
-          <a:p>
-            <a:fld id="{28C38DFB-B283-421E-BC21-F5DE2D68F70F}" type="datetimeFigureOut">
-              <a:rPr lang="en-US" smtClean="0"/>
-              <a:t>8/14/2025</a:t>
-            </a:fld>
-            <a:endParaRPr lang="en-US"/>
-          </a:p>
-        </p:txBody>
-      </p:sp>
-      <p:sp>
-        <p:nvSpPr>
-          <p:cNvPr id="23" name="Slide Number Placeholder 22"/>
+          <p:cNvPr id="6" name="Slide Number Placeholder 5"/>
           <p:cNvSpPr>
             <a:spLocks noGrp="1"/>
           </p:cNvSpPr>
@@ -10459,27 +10026,25 @@
         </p:nvSpPr>
         <p:spPr>
           <a:xfrm>
-            <a:off x="8638952" y="6514568"/>
-            <a:ext cx="464288" cy="274320"/>
+            <a:off x="6553200" y="6356350"/>
+            <a:ext cx="2133600" cy="365125"/>
           </a:xfrm>
           <a:prstGeom prst="rect">
             <a:avLst/>
           </a:prstGeom>
         </p:spPr>
         <p:txBody>
-          <a:bodyPr anchor="ctr"/>
+          <a:bodyPr vert="horz" lIns="91440" tIns="45720" rIns="91440" bIns="45720" rtlCol="0" anchor="ctr"/>
           <a:lstStyle>
-            <a:lvl1pPr algn="r" eaLnBrk="1" latinLnBrk="0" hangingPunct="1">
-              <a:defRPr kumimoji="0" sz="1600">
+            <a:lvl1pPr algn="r">
+              <a:defRPr sz="1200">
                 <a:solidFill>
-                  <a:schemeClr val="tx2">
-                    <a:shade val="90000"/>
+                  <a:schemeClr val="tx1">
+                    <a:tint val="75000"/>
                   </a:schemeClr>
                 </a:solidFill>
-                <a:effectLst/>
               </a:defRPr>
             </a:lvl1pPr>
-            <a:extLst/>
           </a:lstStyle>
           <a:p>
             <a:fld id="{BCBE5CA3-ECA9-485A-BEF4-3EA059468DD3}" type="slidenum">
@@ -10490,173 +10055,52 @@
           </a:p>
         </p:txBody>
       </p:sp>
-      <p:sp>
-        <p:nvSpPr>
-          <p:cNvPr id="22" name="Title Placeholder 21"/>
-          <p:cNvSpPr>
-            <a:spLocks noGrp="1"/>
-          </p:cNvSpPr>
-          <p:nvPr>
-            <p:ph type="title"/>
-          </p:nvPr>
-        </p:nvSpPr>
-        <p:spPr>
-          <a:xfrm>
-            <a:off x="457200" y="253536"/>
-            <a:ext cx="8229600" cy="1143000"/>
-          </a:xfrm>
-          <a:prstGeom prst="rect">
-            <a:avLst/>
-          </a:prstGeom>
-        </p:spPr>
-        <p:txBody>
-          <a:bodyPr rIns="91440" anchor="b">
-            <a:normAutofit/>
-            <a:scene3d>
-              <a:camera prst="orthographicFront"/>
-              <a:lightRig rig="soft" dir="t">
-                <a:rot lat="0" lon="0" rev="2400000"/>
-              </a:lightRig>
-            </a:scene3d>
-            <a:sp3d>
-              <a:bevelT w="19050" h="12700"/>
-            </a:sp3d>
-          </a:bodyPr>
-          <a:lstStyle>
-            <a:extLst/>
-          </a:lstStyle>
-          <a:p>
-            <a:r>
-              <a:rPr kumimoji="0" lang="en-US" smtClean="0"/>
-              <a:t>Click to edit Master title style</a:t>
-            </a:r>
-            <a:endParaRPr kumimoji="0" lang="en-US"/>
-          </a:p>
-        </p:txBody>
-      </p:sp>
-      <p:sp>
-        <p:nvSpPr>
-          <p:cNvPr id="13" name="Text Placeholder 12"/>
-          <p:cNvSpPr>
-            <a:spLocks noGrp="1"/>
-          </p:cNvSpPr>
-          <p:nvPr>
-            <p:ph type="body" idx="1"/>
-          </p:nvPr>
-        </p:nvSpPr>
-        <p:spPr>
-          <a:xfrm>
-            <a:off x="457200" y="1646237"/>
-            <a:ext cx="8229600" cy="4526280"/>
-          </a:xfrm>
-          <a:prstGeom prst="rect">
-            <a:avLst/>
-          </a:prstGeom>
-        </p:spPr>
-        <p:txBody>
-          <a:bodyPr>
-            <a:normAutofit/>
-          </a:bodyPr>
-          <a:lstStyle>
-            <a:extLst/>
-          </a:lstStyle>
-          <a:p>
-            <a:pPr lvl="0" eaLnBrk="1" latinLnBrk="0" hangingPunct="1"/>
-            <a:r>
-              <a:rPr kumimoji="0" lang="en-US" smtClean="0"/>
-              <a:t>Click to edit Master text styles</a:t>
-            </a:r>
-          </a:p>
-          <a:p>
-            <a:pPr lvl="1" eaLnBrk="1" latinLnBrk="0" hangingPunct="1"/>
-            <a:r>
-              <a:rPr kumimoji="0" lang="en-US" smtClean="0"/>
-              <a:t>Second level</a:t>
-            </a:r>
-          </a:p>
-          <a:p>
-            <a:pPr lvl="2" eaLnBrk="1" latinLnBrk="0" hangingPunct="1"/>
-            <a:r>
-              <a:rPr kumimoji="0" lang="en-US" smtClean="0"/>
-              <a:t>Third level</a:t>
-            </a:r>
-          </a:p>
-          <a:p>
-            <a:pPr lvl="3" eaLnBrk="1" latinLnBrk="0" hangingPunct="1"/>
-            <a:r>
-              <a:rPr kumimoji="0" lang="en-US" smtClean="0"/>
-              <a:t>Fourth level</a:t>
-            </a:r>
-          </a:p>
-          <a:p>
-            <a:pPr lvl="4" eaLnBrk="1" latinLnBrk="0" hangingPunct="1"/>
-            <a:r>
-              <a:rPr kumimoji="0" lang="en-US" smtClean="0"/>
-              <a:t>Fifth level</a:t>
-            </a:r>
-            <a:endParaRPr kumimoji="0" lang="en-US"/>
-          </a:p>
-        </p:txBody>
-      </p:sp>
     </p:spTree>
+    <p:extLst>
+      <p:ext uri="{BB962C8B-B14F-4D97-AF65-F5344CB8AC3E}">
+        <p14:creationId xmlns:p14="http://schemas.microsoft.com/office/powerpoint/2010/main" val="235291694"/>
+      </p:ext>
+    </p:extLst>
   </p:cSld>
-  <p:clrMap bg1="dk1" tx1="lt1" bg2="dk2" tx2="lt2" accent1="accent1" accent2="accent2" accent3="accent3" accent4="accent4" accent5="accent5" accent6="accent6" hlink="hlink" folHlink="folHlink"/>
+  <p:clrMap bg1="lt1" tx1="dk1" bg2="lt2" tx2="dk2" accent1="accent1" accent2="accent2" accent3="accent3" accent4="accent4" accent5="accent5" accent6="accent6" hlink="hlink" folHlink="folHlink"/>
   <p:sldLayoutIdLst>
-    <p:sldLayoutId id="2147483913" r:id="rId1"/>
-    <p:sldLayoutId id="2147483914" r:id="rId2"/>
-    <p:sldLayoutId id="2147483915" r:id="rId3"/>
-    <p:sldLayoutId id="2147483916" r:id="rId4"/>
-    <p:sldLayoutId id="2147483917" r:id="rId5"/>
-    <p:sldLayoutId id="2147483918" r:id="rId6"/>
-    <p:sldLayoutId id="2147483919" r:id="rId7"/>
-    <p:sldLayoutId id="2147483920" r:id="rId8"/>
-    <p:sldLayoutId id="2147483921" r:id="rId9"/>
-    <p:sldLayoutId id="2147483922" r:id="rId10"/>
-    <p:sldLayoutId id="2147483923" r:id="rId11"/>
+    <p:sldLayoutId id="2147483925" r:id="rId1"/>
+    <p:sldLayoutId id="2147483926" r:id="rId2"/>
+    <p:sldLayoutId id="2147483927" r:id="rId3"/>
+    <p:sldLayoutId id="2147483928" r:id="rId4"/>
+    <p:sldLayoutId id="2147483929" r:id="rId5"/>
+    <p:sldLayoutId id="2147483930" r:id="rId6"/>
+    <p:sldLayoutId id="2147483931" r:id="rId7"/>
+    <p:sldLayoutId id="2147483932" r:id="rId8"/>
+    <p:sldLayoutId id="2147483933" r:id="rId9"/>
+    <p:sldLayoutId id="2147483934" r:id="rId10"/>
+    <p:sldLayoutId id="2147483935" r:id="rId11"/>
   </p:sldLayoutIdLst>
   <p:txStyles>
     <p:titleStyle>
-      <a:lvl1pPr marL="54864" algn="r" rtl="0" eaLnBrk="1" latinLnBrk="0" hangingPunct="1">
+      <a:lvl1pPr algn="ctr" defTabSz="914400" rtl="0" eaLnBrk="1" latinLnBrk="0" hangingPunct="1">
         <a:spcBef>
           <a:spcPct val="0"/>
         </a:spcBef>
         <a:buNone/>
-        <a:defRPr kumimoji="0" sz="4600" kern="1200">
+        <a:defRPr sz="4400" kern="1200">
           <a:solidFill>
-            <a:schemeClr val="tx2">
-              <a:tint val="100000"/>
-              <a:shade val="90000"/>
-              <a:satMod val="250000"/>
-              <a:alpha val="100000"/>
-            </a:schemeClr>
+            <a:schemeClr val="tx1"/>
           </a:solidFill>
-          <a:effectLst>
-            <a:outerShdw blurRad="38100" dist="25500" dir="5400000" algn="tl" rotWithShape="0">
-              <a:srgbClr val="000000">
-                <a:satMod val="180000"/>
-                <a:alpha val="75000"/>
-              </a:srgbClr>
-            </a:outerShdw>
-          </a:effectLst>
           <a:latin typeface="+mj-lt"/>
           <a:ea typeface="+mj-ea"/>
           <a:cs typeface="+mj-cs"/>
         </a:defRPr>
       </a:lvl1pPr>
-      <a:extLst/>
     </p:titleStyle>
     <p:bodyStyle>
-      <a:lvl1pPr marL="292100" indent="-292100" algn="l" rtl="0" eaLnBrk="1" latinLnBrk="0" hangingPunct="1">
+      <a:lvl1pPr marL="342900" indent="-342900" algn="l" defTabSz="914400" rtl="0" eaLnBrk="1" latinLnBrk="0" hangingPunct="1">
         <a:spcBef>
-          <a:spcPts val="0"/>
+          <a:spcPct val="20000"/>
         </a:spcBef>
-        <a:buClr>
-          <a:schemeClr val="accent1"/>
-        </a:buClr>
-        <a:buSzPct val="70000"/>
-        <a:buFont typeface="Wingdings 2"/>
-        <a:buChar char=""/>
-        <a:defRPr kumimoji="0" sz="3200" kern="1200">
+        <a:buFont typeface="Arial" pitchFamily="34" charset="0"/>
+        <a:buChar char="•"/>
+        <a:defRPr sz="3200" kern="1200">
           <a:solidFill>
             <a:schemeClr val="tx1"/>
           </a:solidFill>
@@ -10665,17 +10109,13 @@
           <a:cs typeface="+mn-cs"/>
         </a:defRPr>
       </a:lvl1pPr>
-      <a:lvl2pPr marL="640080" indent="-228600" algn="l" rtl="0" eaLnBrk="1" latinLnBrk="0" hangingPunct="1">
+      <a:lvl2pPr marL="742950" indent="-285750" algn="l" defTabSz="914400" rtl="0" eaLnBrk="1" latinLnBrk="0" hangingPunct="1">
         <a:spcBef>
-          <a:spcPts val="400"/>
+          <a:spcPct val="20000"/>
         </a:spcBef>
-        <a:buClr>
-          <a:schemeClr val="accent2"/>
-        </a:buClr>
-        <a:buSzPct val="90000"/>
-        <a:buFontTx/>
-        <a:buChar char="•"/>
-        <a:defRPr kumimoji="0" sz="2600" kern="1200">
+        <a:buFont typeface="Arial" pitchFamily="34" charset="0"/>
+        <a:buChar char="–"/>
+        <a:defRPr sz="2800" kern="1200">
           <a:solidFill>
             <a:schemeClr val="tx1"/>
           </a:solidFill>
@@ -10684,17 +10124,13 @@
           <a:cs typeface="+mn-cs"/>
         </a:defRPr>
       </a:lvl2pPr>
-      <a:lvl3pPr marL="822960" indent="-192024" algn="l" rtl="0" eaLnBrk="1" latinLnBrk="0" hangingPunct="1">
+      <a:lvl3pPr marL="1143000" indent="-228600" algn="l" defTabSz="914400" rtl="0" eaLnBrk="1" latinLnBrk="0" hangingPunct="1">
         <a:spcBef>
-          <a:spcPts val="400"/>
+          <a:spcPct val="20000"/>
         </a:spcBef>
-        <a:buClr>
-          <a:schemeClr val="accent3"/>
-        </a:buClr>
-        <a:buSzPct val="100000"/>
-        <a:buFont typeface="Wingdings 2"/>
-        <a:buChar char=""/>
-        <a:defRPr kumimoji="0" sz="2300" kern="1200">
+        <a:buFont typeface="Arial" pitchFamily="34" charset="0"/>
+        <a:buChar char="•"/>
+        <a:defRPr sz="2400" kern="1200">
           <a:solidFill>
             <a:schemeClr val="tx1"/>
           </a:solidFill>
@@ -10703,17 +10139,13 @@
           <a:cs typeface="+mn-cs"/>
         </a:defRPr>
       </a:lvl3pPr>
-      <a:lvl4pPr marL="1005840" indent="-182880" algn="l" rtl="0" eaLnBrk="1" latinLnBrk="0" hangingPunct="1">
+      <a:lvl4pPr marL="1600200" indent="-228600" algn="l" defTabSz="914400" rtl="0" eaLnBrk="1" latinLnBrk="0" hangingPunct="1">
         <a:spcBef>
-          <a:spcPts val="400"/>
+          <a:spcPct val="20000"/>
         </a:spcBef>
-        <a:buClr>
-          <a:schemeClr val="accent3"/>
-        </a:buClr>
-        <a:buSzPct val="100000"/>
-        <a:buFont typeface="Wingdings 2"/>
-        <a:buChar char=""/>
-        <a:defRPr kumimoji="0" sz="2000" kern="1200">
+        <a:buFont typeface="Arial" pitchFamily="34" charset="0"/>
+        <a:buChar char="–"/>
+        <a:defRPr sz="2000" kern="1200">
           <a:solidFill>
             <a:schemeClr val="tx1"/>
           </a:solidFill>
@@ -10722,17 +10154,13 @@
           <a:cs typeface="+mn-cs"/>
         </a:defRPr>
       </a:lvl4pPr>
-      <a:lvl5pPr marL="1188720" indent="-182880" algn="l" rtl="0" eaLnBrk="1" latinLnBrk="0" hangingPunct="1">
+      <a:lvl5pPr marL="2057400" indent="-228600" algn="l" defTabSz="914400" rtl="0" eaLnBrk="1" latinLnBrk="0" hangingPunct="1">
         <a:spcBef>
-          <a:spcPts val="400"/>
+          <a:spcPct val="20000"/>
         </a:spcBef>
-        <a:buClr>
-          <a:schemeClr val="accent3"/>
-        </a:buClr>
-        <a:buSzPct val="100000"/>
-        <a:buFont typeface="Wingdings 2"/>
-        <a:buChar char=""/>
-        <a:defRPr kumimoji="0" sz="1900" kern="1200">
+        <a:buFont typeface="Arial" pitchFamily="34" charset="0"/>
+        <a:buChar char="»"/>
+        <a:defRPr sz="2000" kern="1200">
           <a:solidFill>
             <a:schemeClr val="tx1"/>
           </a:solidFill>
@@ -10741,16 +10169,13 @@
           <a:cs typeface="+mn-cs"/>
         </a:defRPr>
       </a:lvl5pPr>
-      <a:lvl6pPr marL="1371600" indent="-173736" algn="l" rtl="0" eaLnBrk="1" latinLnBrk="0" hangingPunct="1">
+      <a:lvl6pPr marL="2514600" indent="-228600" algn="l" defTabSz="914400" rtl="0" eaLnBrk="1" latinLnBrk="0" hangingPunct="1">
         <a:spcBef>
-          <a:spcPts val="400"/>
+          <a:spcPct val="20000"/>
         </a:spcBef>
-        <a:buClr>
-          <a:schemeClr val="accent4"/>
-        </a:buClr>
-        <a:buFont typeface="Wingdings 2"/>
-        <a:buChar char=""/>
-        <a:defRPr kumimoji="0" sz="1800" kern="1200" baseline="0">
+        <a:buFont typeface="Arial" pitchFamily="34" charset="0"/>
+        <a:buChar char="•"/>
+        <a:defRPr sz="2000" kern="1200">
           <a:solidFill>
             <a:schemeClr val="tx1"/>
           </a:solidFill>
@@ -10759,16 +10184,13 @@
           <a:cs typeface="+mn-cs"/>
         </a:defRPr>
       </a:lvl6pPr>
-      <a:lvl7pPr marL="1554480" indent="-173736" algn="l" rtl="0" eaLnBrk="1" latinLnBrk="0" hangingPunct="1">
+      <a:lvl7pPr marL="2971800" indent="-228600" algn="l" defTabSz="914400" rtl="0" eaLnBrk="1" latinLnBrk="0" hangingPunct="1">
         <a:spcBef>
-          <a:spcPts val="400"/>
+          <a:spcPct val="20000"/>
         </a:spcBef>
-        <a:buClr>
-          <a:schemeClr val="accent4"/>
-        </a:buClr>
-        <a:buFont typeface="Wingdings 2"/>
-        <a:buChar char=""/>
-        <a:defRPr kumimoji="0" sz="1600" kern="1200" baseline="0">
+        <a:buFont typeface="Arial" pitchFamily="34" charset="0"/>
+        <a:buChar char="•"/>
+        <a:defRPr sz="2000" kern="1200">
           <a:solidFill>
             <a:schemeClr val="tx1"/>
           </a:solidFill>
@@ -10777,16 +10199,13 @@
           <a:cs typeface="+mn-cs"/>
         </a:defRPr>
       </a:lvl7pPr>
-      <a:lvl8pPr marL="1737360" indent="-173736" algn="l" rtl="0" eaLnBrk="1" latinLnBrk="0" hangingPunct="1">
+      <a:lvl8pPr marL="3429000" indent="-228600" algn="l" defTabSz="914400" rtl="0" eaLnBrk="1" latinLnBrk="0" hangingPunct="1">
         <a:spcBef>
-          <a:spcPts val="400"/>
+          <a:spcPct val="20000"/>
         </a:spcBef>
-        <a:buClr>
-          <a:schemeClr val="accent4"/>
-        </a:buClr>
-        <a:buFont typeface="Wingdings 2"/>
-        <a:buChar char=""/>
-        <a:defRPr kumimoji="0" sz="1600" kern="1200" baseline="0">
+        <a:buFont typeface="Arial" pitchFamily="34" charset="0"/>
+        <a:buChar char="•"/>
+        <a:defRPr sz="2000" kern="1200">
           <a:solidFill>
             <a:schemeClr val="tx1"/>
           </a:solidFill>
@@ -10795,16 +10214,13 @@
           <a:cs typeface="+mn-cs"/>
         </a:defRPr>
       </a:lvl8pPr>
-      <a:lvl9pPr marL="1920240" indent="-173736" algn="l" rtl="0" eaLnBrk="1" latinLnBrk="0" hangingPunct="1">
+      <a:lvl9pPr marL="3886200" indent="-228600" algn="l" defTabSz="914400" rtl="0" eaLnBrk="1" latinLnBrk="0" hangingPunct="1">
         <a:spcBef>
-          <a:spcPts val="400"/>
+          <a:spcPct val="20000"/>
         </a:spcBef>
-        <a:buClr>
-          <a:schemeClr val="accent4"/>
-        </a:buClr>
-        <a:buFont typeface="Wingdings 2"/>
-        <a:buChar char=""/>
-        <a:defRPr kumimoji="0" sz="1600" kern="1200" baseline="0">
+        <a:buFont typeface="Arial" pitchFamily="34" charset="0"/>
+        <a:buChar char="•"/>
+        <a:defRPr sz="2000" kern="1200">
           <a:solidFill>
             <a:schemeClr val="tx1"/>
           </a:solidFill>
@@ -10813,11 +10229,13 @@
           <a:cs typeface="+mn-cs"/>
         </a:defRPr>
       </a:lvl9pPr>
-      <a:extLst/>
     </p:bodyStyle>
     <p:otherStyle>
-      <a:lvl1pPr marL="0" algn="l" rtl="0" eaLnBrk="1" latinLnBrk="0" hangingPunct="1">
-        <a:defRPr kumimoji="0" kern="1200">
+      <a:defPPr>
+        <a:defRPr lang="en-US"/>
+      </a:defPPr>
+      <a:lvl1pPr marL="0" algn="l" defTabSz="914400" rtl="0" eaLnBrk="1" latinLnBrk="0" hangingPunct="1">
+        <a:defRPr sz="1800" kern="1200">
           <a:solidFill>
             <a:schemeClr val="tx1"/>
           </a:solidFill>
@@ -10826,8 +10244,8 @@
           <a:cs typeface="+mn-cs"/>
         </a:defRPr>
       </a:lvl1pPr>
-      <a:lvl2pPr marL="457200" algn="l" rtl="0" eaLnBrk="1" latinLnBrk="0" hangingPunct="1">
-        <a:defRPr kumimoji="0" kern="1200">
+      <a:lvl2pPr marL="457200" algn="l" defTabSz="914400" rtl="0" eaLnBrk="1" latinLnBrk="0" hangingPunct="1">
+        <a:defRPr sz="1800" kern="1200">
           <a:solidFill>
             <a:schemeClr val="tx1"/>
           </a:solidFill>
@@ -10836,8 +10254,8 @@
           <a:cs typeface="+mn-cs"/>
         </a:defRPr>
       </a:lvl2pPr>
-      <a:lvl3pPr marL="914400" algn="l" rtl="0" eaLnBrk="1" latinLnBrk="0" hangingPunct="1">
-        <a:defRPr kumimoji="0" kern="1200">
+      <a:lvl3pPr marL="914400" algn="l" defTabSz="914400" rtl="0" eaLnBrk="1" latinLnBrk="0" hangingPunct="1">
+        <a:defRPr sz="1800" kern="1200">
           <a:solidFill>
             <a:schemeClr val="tx1"/>
           </a:solidFill>
@@ -10846,8 +10264,8 @@
           <a:cs typeface="+mn-cs"/>
         </a:defRPr>
       </a:lvl3pPr>
-      <a:lvl4pPr marL="1371600" algn="l" rtl="0" eaLnBrk="1" latinLnBrk="0" hangingPunct="1">
-        <a:defRPr kumimoji="0" kern="1200">
+      <a:lvl4pPr marL="1371600" algn="l" defTabSz="914400" rtl="0" eaLnBrk="1" latinLnBrk="0" hangingPunct="1">
+        <a:defRPr sz="1800" kern="1200">
           <a:solidFill>
             <a:schemeClr val="tx1"/>
           </a:solidFill>
@@ -10856,8 +10274,8 @@
           <a:cs typeface="+mn-cs"/>
         </a:defRPr>
       </a:lvl4pPr>
-      <a:lvl5pPr marL="1828800" algn="l" rtl="0" eaLnBrk="1" latinLnBrk="0" hangingPunct="1">
-        <a:defRPr kumimoji="0" kern="1200">
+      <a:lvl5pPr marL="1828800" algn="l" defTabSz="914400" rtl="0" eaLnBrk="1" latinLnBrk="0" hangingPunct="1">
+        <a:defRPr sz="1800" kern="1200">
           <a:solidFill>
             <a:schemeClr val="tx1"/>
           </a:solidFill>
@@ -10866,8 +10284,8 @@
           <a:cs typeface="+mn-cs"/>
         </a:defRPr>
       </a:lvl5pPr>
-      <a:lvl6pPr marL="2286000" algn="l" rtl="0" eaLnBrk="1" latinLnBrk="0" hangingPunct="1">
-        <a:defRPr kumimoji="0" kern="1200">
+      <a:lvl6pPr marL="2286000" algn="l" defTabSz="914400" rtl="0" eaLnBrk="1" latinLnBrk="0" hangingPunct="1">
+        <a:defRPr sz="1800" kern="1200">
           <a:solidFill>
             <a:schemeClr val="tx1"/>
           </a:solidFill>
@@ -10876,8 +10294,8 @@
           <a:cs typeface="+mn-cs"/>
         </a:defRPr>
       </a:lvl6pPr>
-      <a:lvl7pPr marL="2743200" algn="l" rtl="0" eaLnBrk="1" latinLnBrk="0" hangingPunct="1">
-        <a:defRPr kumimoji="0" kern="1200">
+      <a:lvl7pPr marL="2743200" algn="l" defTabSz="914400" rtl="0" eaLnBrk="1" latinLnBrk="0" hangingPunct="1">
+        <a:defRPr sz="1800" kern="1200">
           <a:solidFill>
             <a:schemeClr val="tx1"/>
           </a:solidFill>
@@ -10886,8 +10304,8 @@
           <a:cs typeface="+mn-cs"/>
         </a:defRPr>
       </a:lvl7pPr>
-      <a:lvl8pPr marL="3200400" algn="l" rtl="0" eaLnBrk="1" latinLnBrk="0" hangingPunct="1">
-        <a:defRPr kumimoji="0" kern="1200">
+      <a:lvl8pPr marL="3200400" algn="l" defTabSz="914400" rtl="0" eaLnBrk="1" latinLnBrk="0" hangingPunct="1">
+        <a:defRPr sz="1800" kern="1200">
           <a:solidFill>
             <a:schemeClr val="tx1"/>
           </a:solidFill>
@@ -10896,8 +10314,8 @@
           <a:cs typeface="+mn-cs"/>
         </a:defRPr>
       </a:lvl8pPr>
-      <a:lvl9pPr marL="3657600" algn="l" rtl="0" eaLnBrk="1" latinLnBrk="0" hangingPunct="1">
-        <a:defRPr kumimoji="0" kern="1200">
+      <a:lvl9pPr marL="3657600" algn="l" defTabSz="914400" rtl="0" eaLnBrk="1" latinLnBrk="0" hangingPunct="1">
+        <a:defRPr sz="1800" kern="1200">
           <a:solidFill>
             <a:schemeClr val="tx1"/>
           </a:solidFill>
@@ -10906,7 +10324,6 @@
           <a:cs typeface="+mn-cs"/>
         </a:defRPr>
       </a:lvl9pPr>
-      <a:extLst/>
     </p:otherStyle>
   </p:txStyles>
 </p:sldMaster>
@@ -12000,12 +11417,21 @@
             <p:ph type="title"/>
           </p:nvPr>
         </p:nvSpPr>
-        <p:spPr/>
+        <p:spPr>
+          <a:xfrm>
+            <a:off x="457200" y="-27384"/>
+            <a:ext cx="8229600" cy="1143000"/>
+          </a:xfrm>
+        </p:spPr>
         <p:txBody>
           <a:bodyPr/>
           <a:lstStyle/>
           <a:p>
-            <a:endParaRPr lang="en-US"/>
+            <a:r>
+              <a:rPr lang="en-US" b="1" dirty="0" smtClean="0"/>
+              <a:t>Linked List Representation</a:t>
+            </a:r>
+            <a:endParaRPr lang="en-US" b="1" dirty="0"/>
           </a:p>
         </p:txBody>
       </p:sp>
@@ -12019,15 +11445,174 @@
             <p:ph idx="1"/>
           </p:nvPr>
         </p:nvSpPr>
-        <p:spPr/>
+        <p:spPr>
+          <a:xfrm>
+            <a:off x="457200" y="1063277"/>
+            <a:ext cx="8229600" cy="4525963"/>
+          </a:xfrm>
+        </p:spPr>
         <p:txBody>
-          <a:bodyPr/>
+          <a:bodyPr>
+            <a:normAutofit/>
+          </a:bodyPr>
           <a:lstStyle/>
           <a:p>
-            <a:endParaRPr lang="en-US"/>
+            <a:pPr marL="0" indent="0">
+              <a:buNone/>
+            </a:pPr>
+            <a:r>
+              <a:rPr lang="en-US" sz="2400" b="1" dirty="0" smtClean="0"/>
+              <a:t>Definition:</a:t>
+            </a:r>
+            <a:endParaRPr lang="en-US" sz="2400" dirty="0"/>
+          </a:p>
+          <a:p>
+            <a:pPr marL="400050" lvl="1" indent="0">
+              <a:buNone/>
+            </a:pPr>
+            <a:r>
+              <a:rPr lang="en-US" sz="2000" dirty="0" smtClean="0"/>
+              <a:t>A linked list is a collection of nodes where each node contains data and a pointer to the next node.</a:t>
+            </a:r>
+          </a:p>
+          <a:p>
+            <a:pPr marL="0" indent="0">
+              <a:buNone/>
+            </a:pPr>
+            <a:r>
+              <a:rPr lang="en-US" sz="2400" dirty="0" smtClean="0"/>
+              <a:t>Type:</a:t>
+            </a:r>
+          </a:p>
+          <a:p>
+            <a:pPr marL="0" lvl="1" indent="0">
+              <a:buNone/>
+            </a:pPr>
+            <a:r>
+              <a:rPr lang="en-US" sz="2000" dirty="0"/>
+              <a:t> </a:t>
+            </a:r>
+            <a:r>
+              <a:rPr lang="en-US" sz="2000" dirty="0" smtClean="0"/>
+              <a:t>       Singly Linked List, Doubly Linked List, Circular Linked List</a:t>
+            </a:r>
+            <a:r>
+              <a:rPr lang="en-US" sz="2400" dirty="0" smtClean="0"/>
+              <a:t> </a:t>
+            </a:r>
+          </a:p>
+          <a:p>
+            <a:pPr marL="0" indent="0">
+              <a:buNone/>
+            </a:pPr>
+            <a:r>
+              <a:rPr lang="en-US" sz="2400" dirty="0" smtClean="0"/>
+              <a:t>Code:</a:t>
+            </a:r>
+            <a:endParaRPr lang="en-US" sz="2400" dirty="0"/>
+          </a:p>
+          <a:p>
+            <a:pPr marL="400050" lvl="1" indent="0">
+              <a:buNone/>
+            </a:pPr>
+            <a:r>
+              <a:rPr lang="en-US" sz="2000" dirty="0" smtClean="0"/>
+              <a:t> </a:t>
+            </a:r>
+            <a:r>
+              <a:rPr lang="en-US" sz="2000" dirty="0" err="1" smtClean="0"/>
+              <a:t>struct</a:t>
+            </a:r>
+            <a:r>
+              <a:rPr lang="en-US" sz="2000" dirty="0" smtClean="0"/>
+              <a:t> Node { </a:t>
+            </a:r>
+            <a:r>
+              <a:rPr lang="en-US" sz="2000" dirty="0" err="1" smtClean="0"/>
+              <a:t>int</a:t>
+            </a:r>
+            <a:r>
+              <a:rPr lang="en-US" sz="2000" dirty="0" smtClean="0"/>
+              <a:t> data; </a:t>
+            </a:r>
+            <a:r>
+              <a:rPr lang="en-US" sz="2000" dirty="0" err="1" smtClean="0"/>
+              <a:t>struct</a:t>
+            </a:r>
+            <a:r>
+              <a:rPr lang="en-US" sz="2000" dirty="0" smtClean="0"/>
+              <a:t> Node* next; }; </a:t>
+            </a:r>
+          </a:p>
+          <a:p>
+            <a:pPr marL="400050" lvl="1" indent="0">
+              <a:buNone/>
+            </a:pPr>
+            <a:r>
+              <a:rPr lang="en-US" sz="2000" dirty="0"/>
+              <a:t> </a:t>
+            </a:r>
+            <a:r>
+              <a:rPr lang="en-US" sz="2000" dirty="0" err="1" smtClean="0"/>
+              <a:t>struct</a:t>
+            </a:r>
+            <a:r>
+              <a:rPr lang="en-US" sz="2000" dirty="0" smtClean="0"/>
+              <a:t> Node n1 = {10, NULL}; </a:t>
+            </a:r>
+          </a:p>
+          <a:p>
+            <a:pPr marL="400050" lvl="1" indent="0">
+              <a:buNone/>
+            </a:pPr>
+            <a:r>
+              <a:rPr lang="en-US" sz="2000" dirty="0"/>
+              <a:t> </a:t>
+            </a:r>
+            <a:r>
+              <a:rPr lang="en-US" sz="2000" dirty="0" smtClean="0"/>
+              <a:t>output =&gt; Node created with value 10.</a:t>
+            </a:r>
+          </a:p>
+          <a:p>
+            <a:endParaRPr lang="en-US" sz="2400" dirty="0"/>
           </a:p>
         </p:txBody>
       </p:sp>
+      <p:pic>
+        <p:nvPicPr>
+          <p:cNvPr id="4" name="Picture 3"/>
+          <p:cNvPicPr>
+            <a:picLocks noChangeAspect="1"/>
+          </p:cNvPicPr>
+          <p:nvPr/>
+        </p:nvPicPr>
+        <p:blipFill>
+          <a:blip r:embed="rId2" cstate="print">
+            <a:extLst>
+              <a:ext uri="{28A0092B-C50C-407E-A947-70E740481C1C}">
+                <a14:useLocalDpi xmlns:a14="http://schemas.microsoft.com/office/drawing/2010/main" val="0"/>
+              </a:ext>
+            </a:extLst>
+          </a:blip>
+          <a:stretch>
+            <a:fillRect/>
+          </a:stretch>
+        </p:blipFill>
+        <p:spPr>
+          <a:xfrm>
+            <a:off x="4355976" y="4627462"/>
+            <a:ext cx="3943535" cy="2218238"/>
+          </a:xfrm>
+          <a:prstGeom prst="rect">
+            <a:avLst/>
+          </a:prstGeom>
+          <a:noFill/>
+          <a:ln>
+            <a:noFill/>
+          </a:ln>
+        </p:spPr>
+      </p:pic>
     </p:spTree>
     <p:extLst>
       <p:ext uri="{BB962C8B-B14F-4D97-AF65-F5344CB8AC3E}">
@@ -12048,10 +11633,47 @@
 </p:sld>
 </file>
 
+<file path=ppt/slides/slide7.xml><?xml version="1.0" encoding="utf-8"?>
+<p:sld xmlns:a="http://schemas.openxmlformats.org/drawingml/2006/main" xmlns:r="http://schemas.openxmlformats.org/officeDocument/2006/relationships" xmlns:p="http://schemas.openxmlformats.org/presentationml/2006/main">
+  <p:cSld>
+    <p:spTree>
+      <p:nvGrpSpPr>
+        <p:cNvPr id="1" name=""/>
+        <p:cNvGrpSpPr/>
+        <p:nvPr/>
+      </p:nvGrpSpPr>
+      <p:grpSpPr>
+        <a:xfrm>
+          <a:off x="0" y="0"/>
+          <a:ext cx="0" cy="0"/>
+          <a:chOff x="0" y="0"/>
+          <a:chExt cx="0" cy="0"/>
+        </a:xfrm>
+      </p:grpSpPr>
+    </p:spTree>
+    <p:extLst>
+      <p:ext uri="{BB962C8B-B14F-4D97-AF65-F5344CB8AC3E}">
+        <p14:creationId xmlns:p14="http://schemas.microsoft.com/office/powerpoint/2010/main" val="1053684982"/>
+      </p:ext>
+    </p:extLst>
+  </p:cSld>
+  <p:clrMapOvr>
+    <a:masterClrMapping/>
+  </p:clrMapOvr>
+  <p:timing>
+    <p:tnLst>
+      <p:par>
+        <p:cTn id="1" dur="indefinite" restart="never" nodeType="tmRoot"/>
+      </p:par>
+    </p:tnLst>
+  </p:timing>
+</p:sld>
+</file>
+
 <file path=ppt/theme/theme1.xml><?xml version="1.0" encoding="utf-8"?>
-<a:theme xmlns:a="http://schemas.openxmlformats.org/drawingml/2006/main" name="Foundry">
+<a:theme xmlns:a="http://schemas.openxmlformats.org/drawingml/2006/main" name="Office Theme">
   <a:themeElements>
-    <a:clrScheme name="Foundry">
+    <a:clrScheme name="Office">
       <a:dk1>
         <a:sysClr val="windowText" lastClr="000000"/>
       </a:dk1>
@@ -12059,87 +11681,48 @@
         <a:sysClr val="window" lastClr="FFFFFF"/>
       </a:lt1>
       <a:dk2>
-        <a:srgbClr val="676A55"/>
+        <a:srgbClr val="1F497D"/>
       </a:dk2>
       <a:lt2>
-        <a:srgbClr val="EAEBDE"/>
+        <a:srgbClr val="EEECE1"/>
       </a:lt2>
       <a:accent1>
-        <a:srgbClr val="72A376"/>
+        <a:srgbClr val="4F81BD"/>
       </a:accent1>
       <a:accent2>
-        <a:srgbClr val="B0CCB0"/>
+        <a:srgbClr val="C0504D"/>
       </a:accent2>
       <a:accent3>
-        <a:srgbClr val="A8CDD7"/>
+        <a:srgbClr val="9BBB59"/>
       </a:accent3>
       <a:accent4>
-        <a:srgbClr val="C0BEAF"/>
+        <a:srgbClr val="8064A2"/>
       </a:accent4>
       <a:accent5>
-        <a:srgbClr val="CEC597"/>
+        <a:srgbClr val="4BACC6"/>
       </a:accent5>
       <a:accent6>
-        <a:srgbClr val="E8B7B7"/>
+        <a:srgbClr val="F79646"/>
       </a:accent6>
       <a:hlink>
-        <a:srgbClr val="DB5353"/>
+        <a:srgbClr val="0000FF"/>
       </a:hlink>
       <a:folHlink>
-        <a:srgbClr val="903638"/>
+        <a:srgbClr val="800080"/>
       </a:folHlink>
     </a:clrScheme>
-    <a:fontScheme name="Foundry">
+    <a:fontScheme name="Office">
       <a:majorFont>
-        <a:latin typeface="Rockwell"/>
+        <a:latin typeface="Calibri"/>
         <a:ea typeface=""/>
         <a:cs typeface=""/>
-        <a:font script="Grek" typeface="Cambria"/>
-        <a:font script="Cyrl" typeface="Cambria"/>
-        <a:font script="Jpan" typeface="HG明朝B"/>
-        <a:font script="Hang" typeface="바탕"/>
-        <a:font script="Hans" typeface="方正姚体"/>
-        <a:font script="Hant" typeface="微軟正黑體"/>
+        <a:font script="Jpan" typeface="ＭＳ Ｐゴシック"/>
+        <a:font script="Hang" typeface="맑은 고딕"/>
+        <a:font script="Hans" typeface="宋体"/>
+        <a:font script="Hant" typeface="新細明體"/>
         <a:font script="Arab" typeface="Times New Roman"/>
-        <a:font script="Hebr" typeface="David"/>
-        <a:font script="Thai" typeface="JasmineUPC"/>
-        <a:font script="Ethi" typeface="Nyala"/>
-        <a:font script="Beng" typeface="Vrinda"/>
-        <a:font script="Gujr" typeface="Shruti"/>
-        <a:font script="Khmr" typeface="MoolBoran"/>
-        <a:font script="Knda" typeface="Tunga"/>
-        <a:font script="Guru" typeface="Raavi"/>
-        <a:font script="Cans" typeface="Euphemia"/>
-        <a:font script="Cher" typeface="Plantagenet Cherokee"/>
-        <a:font script="Yiii" typeface="Microsoft Yi Baiti"/>
-        <a:font script="Tibt" typeface="Microsoft Himalaya"/>
-        <a:font script="Thaa" typeface="MV Boli"/>
-        <a:font script="Deva" typeface="Mangal"/>
-        <a:font script="Telu" typeface="Gautami"/>
-        <a:font script="Taml" typeface="Latha"/>
-        <a:font script="Syrc" typeface="Estrangelo Edessa"/>
-        <a:font script="Orya" typeface="Kalinga"/>
-        <a:font script="Mlym" typeface="Kartika"/>
-        <a:font script="Laoo" typeface="DokChampa"/>
-        <a:font script="Sinh" typeface="Iskoola Pota"/>
-        <a:font script="Mong" typeface="Mongolian Baiti"/>
-        <a:font script="Viet" typeface="Arial"/>
-        <a:font script="Uigh" typeface="Microsoft Uighur"/>
-        <a:font script="Geor" typeface="Sylfaen"/>
-      </a:majorFont>
-      <a:minorFont>
-        <a:latin typeface="Rockwell"/>
-        <a:ea typeface=""/>
-        <a:cs typeface=""/>
-        <a:font script="Grek" typeface="Cambria"/>
-        <a:font script="Cyrl" typeface="Cambria"/>
-        <a:font script="Jpan" typeface="HG明朝B"/>
-        <a:font script="Hang" typeface="바탕"/>
-        <a:font script="Hans" typeface="方正姚体"/>
-        <a:font script="Hant" typeface="標楷體"/>
-        <a:font script="Arab" typeface="Times New Roman"/>
-        <a:font script="Hebr" typeface="David"/>
-        <a:font script="Thai" typeface="JasmineUPC"/>
+        <a:font script="Hebr" typeface="Times New Roman"/>
+        <a:font script="Thai" typeface="Angsana New"/>
         <a:font script="Ethi" typeface="Nyala"/>
         <a:font script="Beng" typeface="Vrinda"/>
         <a:font script="Gujr" typeface="Shruti"/>
@@ -12163,9 +11746,44 @@
         <a:font script="Viet" typeface="Times New Roman"/>
         <a:font script="Uigh" typeface="Microsoft Uighur"/>
         <a:font script="Geor" typeface="Sylfaen"/>
+      </a:majorFont>
+      <a:minorFont>
+        <a:latin typeface="Calibri"/>
+        <a:ea typeface=""/>
+        <a:cs typeface=""/>
+        <a:font script="Jpan" typeface="ＭＳ Ｐゴシック"/>
+        <a:font script="Hang" typeface="맑은 고딕"/>
+        <a:font script="Hans" typeface="宋体"/>
+        <a:font script="Hant" typeface="新細明體"/>
+        <a:font script="Arab" typeface="Arial"/>
+        <a:font script="Hebr" typeface="Arial"/>
+        <a:font script="Thai" typeface="Cordia New"/>
+        <a:font script="Ethi" typeface="Nyala"/>
+        <a:font script="Beng" typeface="Vrinda"/>
+        <a:font script="Gujr" typeface="Shruti"/>
+        <a:font script="Khmr" typeface="DaunPenh"/>
+        <a:font script="Knda" typeface="Tunga"/>
+        <a:font script="Guru" typeface="Raavi"/>
+        <a:font script="Cans" typeface="Euphemia"/>
+        <a:font script="Cher" typeface="Plantagenet Cherokee"/>
+        <a:font script="Yiii" typeface="Microsoft Yi Baiti"/>
+        <a:font script="Tibt" typeface="Microsoft Himalaya"/>
+        <a:font script="Thaa" typeface="MV Boli"/>
+        <a:font script="Deva" typeface="Mangal"/>
+        <a:font script="Telu" typeface="Gautami"/>
+        <a:font script="Taml" typeface="Latha"/>
+        <a:font script="Syrc" typeface="Estrangelo Edessa"/>
+        <a:font script="Orya" typeface="Kalinga"/>
+        <a:font script="Mlym" typeface="Kartika"/>
+        <a:font script="Laoo" typeface="DokChampa"/>
+        <a:font script="Sinh" typeface="Iskoola Pota"/>
+        <a:font script="Mong" typeface="Mongolian Baiti"/>
+        <a:font script="Viet" typeface="Arial"/>
+        <a:font script="Uigh" typeface="Microsoft Uighur"/>
+        <a:font script="Geor" typeface="Sylfaen"/>
       </a:minorFont>
     </a:fontScheme>
-    <a:fmtScheme name="Foundry">
+    <a:fmtScheme name="Office">
       <a:fillStyleLst>
         <a:solidFill>
           <a:schemeClr val="phClr"/>
@@ -12174,43 +11792,43 @@
           <a:gsLst>
             <a:gs pos="0">
               <a:schemeClr val="phClr">
-                <a:tint val="70000"/>
-                <a:satMod val="180000"/>
+                <a:tint val="50000"/>
+                <a:satMod val="300000"/>
               </a:schemeClr>
             </a:gs>
-            <a:gs pos="62000">
+            <a:gs pos="35000">
               <a:schemeClr val="phClr">
-                <a:tint val="30000"/>
-                <a:satMod val="180000"/>
+                <a:tint val="37000"/>
+                <a:satMod val="300000"/>
               </a:schemeClr>
             </a:gs>
             <a:gs pos="100000">
               <a:schemeClr val="phClr">
-                <a:tint val="22000"/>
-                <a:satMod val="180000"/>
+                <a:tint val="15000"/>
+                <a:satMod val="350000"/>
               </a:schemeClr>
             </a:gs>
           </a:gsLst>
-          <a:lin ang="16200000" scaled="0"/>
+          <a:lin ang="16200000" scaled="1"/>
         </a:gradFill>
         <a:gradFill rotWithShape="1">
           <a:gsLst>
             <a:gs pos="0">
               <a:schemeClr val="phClr">
-                <a:shade val="58000"/>
-                <a:satMod val="150000"/>
+                <a:shade val="51000"/>
+                <a:satMod val="130000"/>
               </a:schemeClr>
             </a:gs>
-            <a:gs pos="72000">
+            <a:gs pos="80000">
               <a:schemeClr val="phClr">
-                <a:tint val="90000"/>
-                <a:satMod val="135000"/>
+                <a:shade val="93000"/>
+                <a:satMod val="130000"/>
               </a:schemeClr>
             </a:gs>
             <a:gs pos="100000">
               <a:schemeClr val="phClr">
-                <a:tint val="80000"/>
-                <a:satMod val="155000"/>
+                <a:shade val="94000"/>
+                <a:satMod val="135000"/>
               </a:schemeClr>
             </a:gs>
           </a:gsLst>
@@ -12221,12 +11839,13 @@
         <a:ln w="9525" cap="flat" cmpd="sng" algn="ctr">
           <a:solidFill>
             <a:schemeClr val="phClr">
-              <a:shade val="80000"/>
+              <a:shade val="95000"/>
+              <a:satMod val="105000"/>
             </a:schemeClr>
           </a:solidFill>
           <a:prstDash val="solid"/>
         </a:ln>
-        <a:ln w="38100" cap="flat" cmpd="sng" algn="ctr">
+        <a:ln w="25400" cap="flat" cmpd="sng" algn="ctr">
           <a:solidFill>
             <a:schemeClr val="phClr"/>
           </a:solidFill>
@@ -12242,40 +11861,40 @@
       <a:effectStyleLst>
         <a:effectStyle>
           <a:effectLst>
-            <a:outerShdw blurRad="50800" dist="38100" dir="5400000" rotWithShape="0">
+            <a:outerShdw blurRad="40000" dist="20000" dir="5400000" rotWithShape="0">
               <a:srgbClr val="000000">
-                <a:alpha val="43137"/>
+                <a:alpha val="38000"/>
               </a:srgbClr>
             </a:outerShdw>
           </a:effectLst>
         </a:effectStyle>
         <a:effectStyle>
           <a:effectLst>
-            <a:outerShdw blurRad="50800" dist="38100" dir="5400000" rotWithShape="0">
+            <a:outerShdw blurRad="40000" dist="23000" dir="5400000" rotWithShape="0">
               <a:srgbClr val="000000">
-                <a:alpha val="43137"/>
+                <a:alpha val="35000"/>
               </a:srgbClr>
             </a:outerShdw>
           </a:effectLst>
         </a:effectStyle>
         <a:effectStyle>
           <a:effectLst>
-            <a:outerShdw blurRad="50800" dist="38100" dir="5400000" rotWithShape="0">
+            <a:outerShdw blurRad="40000" dist="23000" dir="5400000" rotWithShape="0">
               <a:srgbClr val="000000">
-                <a:alpha val="43137"/>
+                <a:alpha val="35000"/>
               </a:srgbClr>
             </a:outerShdw>
           </a:effectLst>
           <a:scene3d>
-            <a:camera prst="orthographicFront" fov="0">
+            <a:camera prst="orthographicFront">
               <a:rot lat="0" lon="0" rev="0"/>
             </a:camera>
-            <a:lightRig rig="soft" dir="tl">
-              <a:rot lat="0" lon="0" rev="20000000"/>
+            <a:lightRig rig="threePt" dir="t">
+              <a:rot lat="0" lon="0" rev="1200000"/>
             </a:lightRig>
           </a:scene3d>
-          <a:sp3d prstMaterial="matte">
-            <a:bevelT w="63500" h="63500" prst="coolSlant"/>
+          <a:sp3d>
+            <a:bevelT w="63500" h="25400"/>
           </a:sp3d>
         </a:effectStyle>
       </a:effectStyleLst>
@@ -12287,43 +11906,47 @@
           <a:gsLst>
             <a:gs pos="0">
               <a:schemeClr val="phClr">
-                <a:tint val="75000"/>
-                <a:satMod val="400000"/>
+                <a:tint val="40000"/>
+                <a:satMod val="350000"/>
               </a:schemeClr>
             </a:gs>
-            <a:gs pos="20000">
+            <a:gs pos="40000">
               <a:schemeClr val="phClr">
-                <a:tint val="80000"/>
-                <a:satMod val="355000"/>
+                <a:tint val="45000"/>
+                <a:shade val="99000"/>
+                <a:satMod val="350000"/>
               </a:schemeClr>
             </a:gs>
             <a:gs pos="100000">
               <a:schemeClr val="phClr">
-                <a:tint val="95000"/>
-                <a:shade val="55000"/>
-                <a:satMod val="355000"/>
+                <a:shade val="20000"/>
+                <a:satMod val="255000"/>
               </a:schemeClr>
             </a:gs>
           </a:gsLst>
           <a:path path="circle">
-            <a:fillToRect l="67500" t="35000" r="32500" b="65000"/>
+            <a:fillToRect l="50000" t="-80000" r="50000" b="180000"/>
           </a:path>
         </a:gradFill>
-        <a:blipFill>
-          <a:blip xmlns:r="http://schemas.openxmlformats.org/officeDocument/2006/relationships" r:embed="rId1">
-            <a:duotone>
+        <a:gradFill rotWithShape="1">
+          <a:gsLst>
+            <a:gs pos="0">
+              <a:schemeClr val="phClr">
+                <a:tint val="80000"/>
+                <a:satMod val="300000"/>
+              </a:schemeClr>
+            </a:gs>
+            <a:gs pos="100000">
               <a:schemeClr val="phClr">
                 <a:shade val="30000"/>
-                <a:satMod val="120000"/>
+                <a:satMod val="200000"/>
               </a:schemeClr>
-              <a:schemeClr val="phClr">
-                <a:tint val="70000"/>
-                <a:satMod val="250000"/>
-              </a:schemeClr>
-            </a:duotone>
-          </a:blip>
-          <a:tile tx="0" ty="0" sx="50000" sy="50000" flip="none" algn="t"/>
-        </a:blipFill>
+            </a:gs>
+          </a:gsLst>
+          <a:path path="circle">
+            <a:fillToRect l="50000" t="50000" r="50000" b="50000"/>
+          </a:path>
+        </a:gradFill>
       </a:bgFillStyleLst>
     </a:fmtScheme>
   </a:themeElements>
